--- a/doc/NeurIPS/GAL Poster.pptx
+++ b/doc/NeurIPS/GAL Poster.pptx
@@ -474,6 +474,72 @@
 </p:notesMaster>
 </file>
 
+<file path=ppt/notesSlides/notesSlide1.xml><?xml version="1.0" encoding="utf-8"?>
+<p:notes xmlns:a="http://schemas.openxmlformats.org/drawingml/2006/main" xmlns:r="http://schemas.openxmlformats.org/officeDocument/2006/relationships" xmlns:p="http://schemas.openxmlformats.org/presentationml/2006/main">
+  <p:cSld>
+    <p:spTree>
+      <p:nvGrpSpPr>
+        <p:cNvPr id="1" name=""/>
+        <p:cNvGrpSpPr/>
+        <p:nvPr/>
+      </p:nvGrpSpPr>
+      <p:grpSpPr>
+        <a:xfrm>
+          <a:off x="0" y="0"/>
+          <a:ext cx="0" cy="0"/>
+          <a:chOff x="0" y="0"/>
+          <a:chExt cx="0" cy="0"/>
+        </a:xfrm>
+      </p:grpSpPr>
+      <p:sp>
+        <p:nvSpPr>
+          <p:cNvPr id="2" name="幻灯片图像占位符 1"/>
+          <p:cNvSpPr>
+            <a:spLocks noGrp="1" noRot="1" noChangeAspect="1"/>
+          </p:cNvSpPr>
+          <p:nvPr>
+            <p:ph type="sldImg"/>
+          </p:nvPr>
+        </p:nvSpPr>
+        <p:spPr>
+          <a:xfrm>
+            <a:off x="857250" y="685800"/>
+            <a:ext cx="5143500" cy="3429000"/>
+          </a:xfrm>
+        </p:spPr>
+      </p:sp>
+      <p:sp>
+        <p:nvSpPr>
+          <p:cNvPr id="3" name="备注占位符 2"/>
+          <p:cNvSpPr>
+            <a:spLocks noGrp="1"/>
+          </p:cNvSpPr>
+          <p:nvPr>
+            <p:ph type="body" idx="1"/>
+          </p:nvPr>
+        </p:nvSpPr>
+        <p:spPr/>
+        <p:txBody>
+          <a:bodyPr/>
+          <a:lstStyle/>
+          <a:p>
+            <a:endParaRPr lang="zh-CN" altLang="en-US" dirty="0"/>
+          </a:p>
+        </p:txBody>
+      </p:sp>
+    </p:spTree>
+    <p:extLst>
+      <p:ext uri="{BB962C8B-B14F-4D97-AF65-F5344CB8AC3E}">
+        <p14:creationId xmlns:p14="http://schemas.microsoft.com/office/powerpoint/2010/main" val="3256303329"/>
+      </p:ext>
+    </p:extLst>
+  </p:cSld>
+  <p:clrMapOvr>
+    <a:masterClrMapping/>
+  </p:clrMapOvr>
+</p:notes>
+</file>
+
 <file path=ppt/slideLayouts/slideLayout1.xml><?xml version="1.0" encoding="utf-8"?>
 <p:sldLayout xmlns:a="http://schemas.openxmlformats.org/drawingml/2006/main" xmlns:r="http://schemas.openxmlformats.org/officeDocument/2006/relationships" xmlns:p="http://schemas.openxmlformats.org/presentationml/2006/main" type="tx">
   <p:cSld name="FB AI">
@@ -626,7 +692,7 @@
           </a:ln>
           <a:extLst>
             <a:ext uri="{C572A759-6A51-4108-AA02-DFA0A04FC94B}">
-              <ma14:wrappingTextBoxFlag xmlns:ma14="http://schemas.microsoft.com/office/mac/drawingml/2011/main" xmlns:a14="http://schemas.microsoft.com/office/drawing/2010/main" xmlns:m="http://schemas.openxmlformats.org/officeDocument/2006/math" xmlns="" val="1"/>
+              <ma14:wrappingTextBoxFlag xmlns="" xmlns:m="http://schemas.openxmlformats.org/officeDocument/2006/math" xmlns:a14="http://schemas.microsoft.com/office/drawing/2010/main" xmlns:ma14="http://schemas.microsoft.com/office/mac/drawingml/2011/main" val="1"/>
             </a:ext>
           </a:extLst>
         </p:spPr>
@@ -663,7 +729,7 @@
           </a:ln>
           <a:extLst>
             <a:ext uri="{C572A759-6A51-4108-AA02-DFA0A04FC94B}">
-              <ma14:wrappingTextBoxFlag xmlns:ma14="http://schemas.microsoft.com/office/mac/drawingml/2011/main" xmlns:a14="http://schemas.microsoft.com/office/drawing/2010/main" xmlns:m="http://schemas.openxmlformats.org/officeDocument/2006/math" xmlns="" val="1"/>
+              <ma14:wrappingTextBoxFlag xmlns="" xmlns:m="http://schemas.openxmlformats.org/officeDocument/2006/math" xmlns:a14="http://schemas.microsoft.com/office/drawing/2010/main" xmlns:ma14="http://schemas.microsoft.com/office/mac/drawingml/2011/main" val="1"/>
             </a:ext>
           </a:extLst>
         </p:spPr>
@@ -1478,14 +1544,140 @@
       </p:grpSpPr>
       <p:sp>
         <p:nvSpPr>
-          <p:cNvPr id="30" name="TextBox 35"/>
+          <p:cNvPr id="13" name="文本框 12">
+            <a:extLst>
+              <a:ext uri="{FF2B5EF4-FFF2-40B4-BE49-F238E27FC236}">
+                <a16:creationId xmlns:a16="http://schemas.microsoft.com/office/drawing/2014/main" id="{E07F87F3-2B62-0323-EEE0-711144482553}"/>
+              </a:ext>
+            </a:extLst>
+          </p:cNvPr>
           <p:cNvSpPr txBox="1"/>
           <p:nvPr/>
         </p:nvSpPr>
         <p:spPr>
           <a:xfrm>
-            <a:off x="2439925" y="466473"/>
-            <a:ext cx="26920926" cy="1785104"/>
+            <a:off x="151461" y="15888675"/>
+            <a:ext cx="11122872" cy="1061827"/>
+          </a:xfrm>
+          <a:prstGeom prst="rect">
+            <a:avLst/>
+          </a:prstGeom>
+          <a:noFill/>
+          <a:ln w="76200" cap="flat">
+            <a:noFill/>
+            <a:miter lim="400000"/>
+          </a:ln>
+          <a:effectLst/>
+          <a:sp3d/>
+        </p:spPr>
+        <p:style>
+          <a:lnRef idx="0">
+            <a:scrgbClr r="0" g="0" b="0"/>
+          </a:lnRef>
+          <a:fillRef idx="0">
+            <a:scrgbClr r="0" g="0" b="0"/>
+          </a:fillRef>
+          <a:effectRef idx="0">
+            <a:scrgbClr r="0" g="0" b="0"/>
+          </a:effectRef>
+          <a:fontRef idx="none"/>
+        </p:style>
+        <p:txBody>
+          <a:bodyPr rot="0" spcFirstLastPara="1" vertOverflow="overflow" horzOverflow="overflow" vert="horz" wrap="square" lIns="45719" tIns="45719" rIns="45719" bIns="45719" numCol="1" spcCol="38100" rtlCol="0" anchor="t">
+            <a:spAutoFit/>
+          </a:bodyPr>
+          <a:lstStyle/>
+          <a:p>
+            <a:pPr marL="263525"/>
+            <a:r>
+              <a:rPr kumimoji="0" lang="en-US" altLang="zh-CN" sz="2100" b="0" i="0" u="none" strike="noStrike" cap="none" spc="0" normalizeH="0" baseline="0" dirty="0">
+                <a:ln>
+                  <a:noFill/>
+                </a:ln>
+                <a:solidFill>
+                  <a:srgbClr val="000000"/>
+                </a:solidFill>
+                <a:effectLst/>
+                <a:uFillTx/>
+                <a:latin typeface="Arial" panose="020B0604020202020204" pitchFamily="34" charset="0"/>
+                <a:cs typeface="Arial" panose="020B0604020202020204" pitchFamily="34" charset="0"/>
+                <a:sym typeface="Calibri"/>
+              </a:rPr>
+              <a:t>The organizations can match the correspondence with common identifiers, such as user identification associated with the registration of different online platforms, timestamps associated with different clinics and health providers, and geo-locations.</a:t>
+            </a:r>
+          </a:p>
+        </p:txBody>
+      </p:sp>
+      <p:pic>
+        <p:nvPicPr>
+          <p:cNvPr id="6" name="图片 5" descr="QR 代码&#10;&#10;描述已自动生成">
+            <a:extLst>
+              <a:ext uri="{FF2B5EF4-FFF2-40B4-BE49-F238E27FC236}">
+                <a16:creationId xmlns:a16="http://schemas.microsoft.com/office/drawing/2014/main" id="{9A8A579C-D299-303D-369E-D13176339B1D}"/>
+              </a:ext>
+            </a:extLst>
+          </p:cNvPr>
+          <p:cNvPicPr>
+            <a:picLocks noChangeAspect="1"/>
+          </p:cNvPicPr>
+          <p:nvPr/>
+        </p:nvPicPr>
+        <p:blipFill>
+          <a:blip r:embed="rId3"/>
+          <a:stretch>
+            <a:fillRect/>
+          </a:stretch>
+        </p:blipFill>
+        <p:spPr>
+          <a:xfrm>
+            <a:off x="5913933" y="20188499"/>
+            <a:ext cx="1660673" cy="1660673"/>
+          </a:xfrm>
+          <a:prstGeom prst="rect">
+            <a:avLst/>
+          </a:prstGeom>
+        </p:spPr>
+      </p:pic>
+      <p:pic>
+        <p:nvPicPr>
+          <p:cNvPr id="2" name="图片 1" descr="QR 代码&#10;&#10;描述已自动生成">
+            <a:extLst>
+              <a:ext uri="{FF2B5EF4-FFF2-40B4-BE49-F238E27FC236}">
+                <a16:creationId xmlns:a16="http://schemas.microsoft.com/office/drawing/2014/main" id="{A0FB2FD0-0A07-3A59-0B34-F37126E7BA86}"/>
+              </a:ext>
+            </a:extLst>
+          </p:cNvPr>
+          <p:cNvPicPr>
+            <a:picLocks noChangeAspect="1"/>
+          </p:cNvPicPr>
+          <p:nvPr/>
+        </p:nvPicPr>
+        <p:blipFill>
+          <a:blip r:embed="rId4"/>
+          <a:stretch>
+            <a:fillRect/>
+          </a:stretch>
+        </p:blipFill>
+        <p:spPr>
+          <a:xfrm>
+            <a:off x="3144737" y="20206117"/>
+            <a:ext cx="1643056" cy="1643056"/>
+          </a:xfrm>
+          <a:prstGeom prst="rect">
+            <a:avLst/>
+          </a:prstGeom>
+        </p:spPr>
+      </p:pic>
+      <p:sp>
+        <p:nvSpPr>
+          <p:cNvPr id="49" name="TextBox 61"/>
+          <p:cNvSpPr txBox="1"/>
+          <p:nvPr/>
+        </p:nvSpPr>
+        <p:spPr>
+          <a:xfrm>
+            <a:off x="22360943" y="20709707"/>
+            <a:ext cx="10268650" cy="921086"/>
           </a:xfrm>
           <a:prstGeom prst="rect">
             <a:avLst/>
@@ -1495,7 +1687,176 @@
           </a:ln>
           <a:extLst>
             <a:ext uri="{C572A759-6A51-4108-AA02-DFA0A04FC94B}">
-              <ma14:wrappingTextBoxFlag xmlns:ma14="http://schemas.microsoft.com/office/mac/drawingml/2011/main" xmlns:a14="http://schemas.microsoft.com/office/drawing/2010/main" xmlns:m="http://schemas.openxmlformats.org/officeDocument/2006/math" xmlns="" val="1"/>
+              <ma14:wrappingTextBoxFlag xmlns="" xmlns:m="http://schemas.openxmlformats.org/officeDocument/2006/math" xmlns:a14="http://schemas.microsoft.com/office/drawing/2010/main" xmlns:ma14="http://schemas.microsoft.com/office/mac/drawingml/2011/main" val="1"/>
+            </a:ext>
+          </a:extLst>
+        </p:spPr>
+        <p:txBody>
+          <a:bodyPr wrap="square" lIns="45719" rIns="45719" anchor="b">
+            <a:spAutoFit/>
+          </a:bodyPr>
+          <a:lstStyle/>
+          <a:p>
+            <a:pPr>
+              <a:lnSpc>
+                <a:spcPct val="120000"/>
+              </a:lnSpc>
+              <a:spcBef>
+                <a:spcPts val="600"/>
+              </a:spcBef>
+              <a:defRPr sz="1400">
+                <a:latin typeface="Arial"/>
+                <a:ea typeface="Arial"/>
+                <a:cs typeface="Arial"/>
+                <a:sym typeface="Arial"/>
+              </a:defRPr>
+            </a:pPr>
+            <a:r>
+              <a:rPr lang="en-US" dirty="0">
+                <a:solidFill>
+                  <a:schemeClr val="tx1"/>
+                </a:solidFill>
+                <a:latin typeface="Arial" panose="020B0604020202020204" pitchFamily="34" charset="0"/>
+                <a:cs typeface="Arial" panose="020B0604020202020204" pitchFamily="34" charset="0"/>
+              </a:rPr>
+              <a:t>[1] </a:t>
+            </a:r>
+            <a:r>
+              <a:rPr lang="en-US" altLang="zh-CN" b="0" i="0" dirty="0">
+                <a:solidFill>
+                  <a:srgbClr val="222222"/>
+                </a:solidFill>
+                <a:effectLst/>
+                <a:latin typeface="Arial" panose="020B0604020202020204" pitchFamily="34" charset="0"/>
+                <a:cs typeface="Arial" panose="020B0604020202020204" pitchFamily="34" charset="0"/>
+              </a:rPr>
+              <a:t>Xian, </a:t>
+            </a:r>
+            <a:r>
+              <a:rPr lang="en-US" altLang="zh-CN" b="0" i="0" dirty="0" err="1">
+                <a:solidFill>
+                  <a:srgbClr val="222222"/>
+                </a:solidFill>
+                <a:effectLst/>
+                <a:latin typeface="Arial" panose="020B0604020202020204" pitchFamily="34" charset="0"/>
+                <a:cs typeface="Arial" panose="020B0604020202020204" pitchFamily="34" charset="0"/>
+              </a:rPr>
+              <a:t>Xun</a:t>
+            </a:r>
+            <a:r>
+              <a:rPr lang="en-US" altLang="zh-CN" b="0" i="0" dirty="0">
+                <a:solidFill>
+                  <a:srgbClr val="222222"/>
+                </a:solidFill>
+                <a:effectLst/>
+                <a:latin typeface="Arial" panose="020B0604020202020204" pitchFamily="34" charset="0"/>
+                <a:cs typeface="Arial" panose="020B0604020202020204" pitchFamily="34" charset="0"/>
+              </a:rPr>
+              <a:t>, et al. "Assisted learning: A framework for multi-organization learning." </a:t>
+            </a:r>
+            <a:r>
+              <a:rPr lang="en-US" altLang="zh-CN" b="0" i="1" dirty="0">
+                <a:solidFill>
+                  <a:srgbClr val="222222"/>
+                </a:solidFill>
+                <a:effectLst/>
+                <a:latin typeface="Arial" panose="020B0604020202020204" pitchFamily="34" charset="0"/>
+                <a:cs typeface="Arial" panose="020B0604020202020204" pitchFamily="34" charset="0"/>
+              </a:rPr>
+              <a:t>Advances in Neural Information Processing Systems</a:t>
+            </a:r>
+            <a:r>
+              <a:rPr lang="en-US" altLang="zh-CN" b="0" i="0" dirty="0">
+                <a:solidFill>
+                  <a:srgbClr val="222222"/>
+                </a:solidFill>
+                <a:effectLst/>
+                <a:latin typeface="Arial" panose="020B0604020202020204" pitchFamily="34" charset="0"/>
+                <a:cs typeface="Arial" panose="020B0604020202020204" pitchFamily="34" charset="0"/>
+              </a:rPr>
+              <a:t> 33 (2020): 14580-14591.</a:t>
+            </a:r>
+            <a:endParaRPr lang="en-US" dirty="0">
+              <a:solidFill>
+                <a:schemeClr val="tx1"/>
+              </a:solidFill>
+              <a:latin typeface="Arial" panose="020B0604020202020204" pitchFamily="34" charset="0"/>
+              <a:cs typeface="Arial" panose="020B0604020202020204" pitchFamily="34" charset="0"/>
+            </a:endParaRPr>
+          </a:p>
+          <a:p>
+            <a:pPr>
+              <a:lnSpc>
+                <a:spcPct val="120000"/>
+              </a:lnSpc>
+              <a:spcBef>
+                <a:spcPts val="600"/>
+              </a:spcBef>
+              <a:defRPr sz="1400">
+                <a:latin typeface="Arial"/>
+                <a:ea typeface="Arial"/>
+                <a:cs typeface="Arial"/>
+                <a:sym typeface="Arial"/>
+              </a:defRPr>
+            </a:pPr>
+            <a:r>
+              <a:rPr lang="en-US" dirty="0">
+                <a:solidFill>
+                  <a:schemeClr val="tx1"/>
+                </a:solidFill>
+                <a:latin typeface="Arial" panose="020B0604020202020204" pitchFamily="34" charset="0"/>
+                <a:cs typeface="Arial" panose="020B0604020202020204" pitchFamily="34" charset="0"/>
+              </a:rPr>
+              <a:t>[2] R</a:t>
+            </a:r>
+            <a:r>
+              <a:rPr lang="en-US" altLang="zh-CN" sz="1400" b="0" i="0" dirty="0">
+                <a:solidFill>
+                  <a:srgbClr val="000000"/>
+                </a:solidFill>
+                <a:effectLst/>
+                <a:latin typeface="Arial" panose="020B0604020202020204" pitchFamily="34" charset="0"/>
+                <a:cs typeface="Arial" panose="020B0604020202020204" pitchFamily="34" charset="0"/>
+              </a:rPr>
+              <a:t>esources related to Assisted Learning (AL) can be found at http://www.assisted-learning.org.</a:t>
+            </a:r>
+            <a:r>
+              <a:rPr lang="en-US" altLang="zh-CN" dirty="0">
+                <a:latin typeface="Arial" panose="020B0604020202020204" pitchFamily="34" charset="0"/>
+                <a:cs typeface="Arial" panose="020B0604020202020204" pitchFamily="34" charset="0"/>
+              </a:rPr>
+              <a:t> </a:t>
+            </a:r>
+            <a:endParaRPr lang="en-US" dirty="0">
+              <a:solidFill>
+                <a:schemeClr val="tx1"/>
+              </a:solidFill>
+              <a:latin typeface="Arial" panose="020B0604020202020204" pitchFamily="34" charset="0"/>
+              <a:cs typeface="Arial" panose="020B0604020202020204" pitchFamily="34" charset="0"/>
+            </a:endParaRPr>
+          </a:p>
+        </p:txBody>
+      </p:sp>
+      <p:sp>
+        <p:nvSpPr>
+          <p:cNvPr id="30" name="TextBox 35"/>
+          <p:cNvSpPr txBox="1"/>
+          <p:nvPr/>
+        </p:nvSpPr>
+        <p:spPr>
+          <a:xfrm>
+            <a:off x="8018501" y="358350"/>
+            <a:ext cx="16393437" cy="1785104"/>
+          </a:xfrm>
+          <a:prstGeom prst="rect">
+            <a:avLst/>
+          </a:prstGeom>
+          <a:ln w="12700">
+            <a:miter lim="400000"/>
+          </a:ln>
+          <a:extLst>
+            <a:ext uri="{C572A759-6A51-4108-AA02-DFA0A04FC94B}">
+              <ma14:wrappingTextBoxFlag xmlns="" xmlns:m="http://schemas.openxmlformats.org/officeDocument/2006/math" xmlns:a14="http://schemas.microsoft.com/office/drawing/2010/main" xmlns:ma14="http://schemas.microsoft.com/office/mac/drawingml/2011/main" val="1"/>
             </a:ext>
           </a:extLst>
         </p:spPr>
@@ -1516,26 +1877,227 @@
           <a:p>
             <a:pPr algn="ctr"/>
             <a:r>
-              <a:rPr lang="en-US" dirty="0" err="1"/>
-              <a:t>HeteroFL</a:t>
+              <a:rPr lang="en-US" b="1" dirty="0">
+                <a:solidFill>
+                  <a:schemeClr val="accent1"/>
+                </a:solidFill>
+              </a:rPr>
+              <a:t>GAL</a:t>
             </a:r>
             <a:r>
-              <a:rPr lang="en-US" dirty="0"/>
-              <a:t>: Computation and Communication Efficient Federated Learning for Heterogeneous Clients</a:t>
+              <a:rPr lang="en-US" b="1" dirty="0"/>
+              <a:t>: Gradient Assisted Learning for Decentralized Multi-Organization Collaborations</a:t>
             </a:r>
-            <a:endParaRPr dirty="0"/>
           </a:p>
         </p:txBody>
       </p:sp>
       <p:sp>
         <p:nvSpPr>
-          <p:cNvPr id="33" name="TextBox 38"/>
+          <p:cNvPr id="38" name="TextBox 44"/>
           <p:cNvSpPr txBox="1"/>
           <p:nvPr/>
         </p:nvSpPr>
         <p:spPr>
           <a:xfrm>
-            <a:off x="8919275" y="2309187"/>
+            <a:off x="11675261" y="4183984"/>
+            <a:ext cx="9064533" cy="415498"/>
+          </a:xfrm>
+          <a:prstGeom prst="rect">
+            <a:avLst/>
+          </a:prstGeom>
+          <a:ln w="12700">
+            <a:miter lim="400000"/>
+          </a:ln>
+          <a:extLst>
+            <a:ext uri="{C572A759-6A51-4108-AA02-DFA0A04FC94B}">
+              <ma14:wrappingTextBoxFlag xmlns="" xmlns:m="http://schemas.openxmlformats.org/officeDocument/2006/math" xmlns:a14="http://schemas.microsoft.com/office/drawing/2010/main" xmlns:ma14="http://schemas.microsoft.com/office/mac/drawingml/2011/main" val="1"/>
+            </a:ext>
+          </a:extLst>
+        </p:spPr>
+        <p:txBody>
+          <a:bodyPr wrap="square" lIns="45719" rIns="45719">
+            <a:spAutoFit/>
+          </a:bodyPr>
+          <a:lstStyle>
+            <a:lvl1pPr>
+              <a:defRPr sz="2100">
+                <a:latin typeface="Arial"/>
+                <a:ea typeface="Arial"/>
+                <a:cs typeface="Arial"/>
+                <a:sym typeface="Arial"/>
+              </a:defRPr>
+            </a:lvl1pPr>
+          </a:lstStyle>
+          <a:p>
+            <a:r>
+              <a:rPr lang="en-US" b="1" i="1" dirty="0">
+                <a:solidFill>
+                  <a:schemeClr val="accent1"/>
+                </a:solidFill>
+              </a:rPr>
+              <a:t>Formulation</a:t>
+            </a:r>
+            <a:endParaRPr lang="fr-FR" b="1" i="1" dirty="0">
+              <a:solidFill>
+                <a:schemeClr val="accent1"/>
+              </a:solidFill>
+            </a:endParaRPr>
+          </a:p>
+        </p:txBody>
+      </p:sp>
+      <p:sp>
+        <p:nvSpPr>
+          <p:cNvPr id="48" name="TextBox 60"/>
+          <p:cNvSpPr txBox="1"/>
+          <p:nvPr/>
+        </p:nvSpPr>
+        <p:spPr>
+          <a:xfrm>
+            <a:off x="22331489" y="20361585"/>
+            <a:ext cx="6335025" cy="387516"/>
+          </a:xfrm>
+          <a:prstGeom prst="rect">
+            <a:avLst/>
+          </a:prstGeom>
+          <a:ln w="12700">
+            <a:miter lim="400000"/>
+          </a:ln>
+          <a:extLst>
+            <a:ext uri="{C572A759-6A51-4108-AA02-DFA0A04FC94B}">
+              <ma14:wrappingTextBoxFlag xmlns="" xmlns:m="http://schemas.openxmlformats.org/officeDocument/2006/math" xmlns:a14="http://schemas.microsoft.com/office/drawing/2010/main" xmlns:ma14="http://schemas.microsoft.com/office/mac/drawingml/2011/main" val="1"/>
+            </a:ext>
+          </a:extLst>
+        </p:spPr>
+        <p:txBody>
+          <a:bodyPr lIns="45719" rIns="45719">
+            <a:spAutoFit/>
+          </a:bodyPr>
+          <a:lstStyle>
+            <a:lvl1pPr>
+              <a:defRPr sz="2100">
+                <a:latin typeface="Arial"/>
+                <a:ea typeface="Arial"/>
+                <a:cs typeface="Arial"/>
+                <a:sym typeface="Arial"/>
+              </a:defRPr>
+            </a:lvl1pPr>
+          </a:lstStyle>
+          <a:p>
+            <a:r>
+              <a:rPr dirty="0"/>
+              <a:t>References</a:t>
+            </a:r>
+          </a:p>
+        </p:txBody>
+      </p:sp>
+      <p:pic>
+        <p:nvPicPr>
+          <p:cNvPr id="54" name="neurips_logo.pdf" descr="neurips_logo.pdf"/>
+          <p:cNvPicPr>
+            <a:picLocks noChangeAspect="1"/>
+          </p:cNvPicPr>
+          <p:nvPr/>
+        </p:nvPicPr>
+        <p:blipFill>
+          <a:blip r:embed="rId5"/>
+          <a:stretch>
+            <a:fillRect/>
+          </a:stretch>
+        </p:blipFill>
+        <p:spPr>
+          <a:xfrm>
+            <a:off x="26295380" y="602008"/>
+            <a:ext cx="4797779" cy="2159001"/>
+          </a:xfrm>
+          <a:prstGeom prst="rect">
+            <a:avLst/>
+          </a:prstGeom>
+          <a:ln w="12700">
+            <a:miter lim="400000"/>
+          </a:ln>
+        </p:spPr>
+      </p:pic>
+      <p:pic>
+        <p:nvPicPr>
+          <p:cNvPr id="3" name="Picture 27">
+            <a:extLst>
+              <a:ext uri="{FF2B5EF4-FFF2-40B4-BE49-F238E27FC236}">
+                <a16:creationId xmlns:a16="http://schemas.microsoft.com/office/drawing/2014/main" id="{AE23807C-CE96-96E8-23A3-3FB31A30BE67}"/>
+              </a:ext>
+            </a:extLst>
+          </p:cNvPr>
+          <p:cNvPicPr>
+            <a:picLocks noChangeAspect="1"/>
+          </p:cNvPicPr>
+          <p:nvPr/>
+        </p:nvPicPr>
+        <p:blipFill>
+          <a:blip r:embed="rId6"/>
+          <a:stretch>
+            <a:fillRect/>
+          </a:stretch>
+        </p:blipFill>
+        <p:spPr>
+          <a:xfrm>
+            <a:off x="4435996" y="869220"/>
+            <a:ext cx="2288338" cy="1367641"/>
+          </a:xfrm>
+          <a:prstGeom prst="rect">
+            <a:avLst/>
+          </a:prstGeom>
+        </p:spPr>
+      </p:pic>
+      <p:pic>
+        <p:nvPicPr>
+          <p:cNvPr id="4" name="Picture 28">
+            <a:extLst>
+              <a:ext uri="{FF2B5EF4-FFF2-40B4-BE49-F238E27FC236}">
+                <a16:creationId xmlns:a16="http://schemas.microsoft.com/office/drawing/2014/main" id="{F50D58B3-3C89-8FD0-ACF7-B56C0EAF3051}"/>
+              </a:ext>
+            </a:extLst>
+          </p:cNvPr>
+          <p:cNvPicPr>
+            <a:picLocks noChangeAspect="1"/>
+          </p:cNvPicPr>
+          <p:nvPr/>
+        </p:nvPicPr>
+        <p:blipFill>
+          <a:blip r:embed="rId7" cstate="print">
+            <a:extLst>
+              <a:ext uri="{28A0092B-C50C-407E-A947-70E740481C1C}">
+                <a14:useLocalDpi xmlns:a14="http://schemas.microsoft.com/office/drawing/2010/main" val="0"/>
+              </a:ext>
+            </a:extLst>
+          </a:blip>
+          <a:stretch>
+            <a:fillRect/>
+          </a:stretch>
+        </p:blipFill>
+        <p:spPr>
+          <a:xfrm>
+            <a:off x="2044408" y="614277"/>
+            <a:ext cx="1923230" cy="1923230"/>
+          </a:xfrm>
+          <a:prstGeom prst="rect">
+            <a:avLst/>
+          </a:prstGeom>
+        </p:spPr>
+      </p:pic>
+      <p:sp>
+        <p:nvSpPr>
+          <p:cNvPr id="5" name="TextBox 38">
+            <a:extLst>
+              <a:ext uri="{FF2B5EF4-FFF2-40B4-BE49-F238E27FC236}">
+                <a16:creationId xmlns:a16="http://schemas.microsoft.com/office/drawing/2014/main" id="{3F407EB0-5AC5-29FF-4AE7-8DC67F6205CE}"/>
+              </a:ext>
+            </a:extLst>
+          </p:cNvPr>
+          <p:cNvSpPr txBox="1"/>
+          <p:nvPr/>
+        </p:nvSpPr>
+        <p:spPr>
+          <a:xfrm>
+            <a:off x="8777035" y="2167738"/>
             <a:ext cx="13722011" cy="1138773"/>
           </a:xfrm>
           <a:prstGeom prst="rect">
@@ -1546,7 +2108,7 @@
           </a:ln>
           <a:extLst>
             <a:ext uri="{C572A759-6A51-4108-AA02-DFA0A04FC94B}">
-              <ma14:wrappingTextBoxFlag xmlns:ma14="http://schemas.microsoft.com/office/mac/drawingml/2011/main" xmlns:a14="http://schemas.microsoft.com/office/drawing/2010/main" xmlns:m="http://schemas.openxmlformats.org/officeDocument/2006/math" xmlns="" val="1"/>
+              <ma14:wrappingTextBoxFlag xmlns="" xmlns:m="http://schemas.openxmlformats.org/officeDocument/2006/math" xmlns:a14="http://schemas.microsoft.com/office/drawing/2010/main" xmlns:ma14="http://schemas.microsoft.com/office/mac/drawingml/2011/main" val="1"/>
             </a:ext>
           </a:extLst>
         </p:spPr>
@@ -1624,416 +2186,10 @@
       </p:sp>
       <p:sp>
         <p:nvSpPr>
-          <p:cNvPr id="34" name="TextBox 39"/>
-          <p:cNvSpPr txBox="1"/>
-          <p:nvPr/>
-        </p:nvSpPr>
-        <p:spPr>
-          <a:xfrm>
-            <a:off x="1130068" y="4550872"/>
-            <a:ext cx="9064534" cy="7812652"/>
-          </a:xfrm>
-          <a:prstGeom prst="rect">
-            <a:avLst/>
-          </a:prstGeom>
-          <a:ln w="12700">
-            <a:miter lim="400000"/>
-          </a:ln>
-          <a:extLst>
-            <a:ext uri="{C572A759-6A51-4108-AA02-DFA0A04FC94B}">
-              <ma14:wrappingTextBoxFlag xmlns:ma14="http://schemas.microsoft.com/office/mac/drawingml/2011/main" xmlns:a14="http://schemas.microsoft.com/office/drawing/2010/main" xmlns:m="http://schemas.openxmlformats.org/officeDocument/2006/math" xmlns="" val="1"/>
-            </a:ext>
-          </a:extLst>
-        </p:spPr>
-        <p:txBody>
-          <a:bodyPr lIns="45719" rIns="45719">
-            <a:spAutoFit/>
-          </a:bodyPr>
-          <a:lstStyle>
-            <a:lvl1pPr>
-              <a:lnSpc>
-                <a:spcPct val="120000"/>
-              </a:lnSpc>
-              <a:defRPr sz="2100">
-                <a:solidFill>
-                  <a:srgbClr val="344854"/>
-                </a:solidFill>
-                <a:latin typeface="Arial"/>
-                <a:ea typeface="Arial"/>
-                <a:cs typeface="Arial"/>
-                <a:sym typeface="Arial"/>
-              </a:defRPr>
-            </a:lvl1pPr>
-          </a:lstStyle>
-          <a:p>
-            <a:r>
-              <a:rPr lang="en-US" dirty="0">
-                <a:solidFill>
-                  <a:schemeClr val="tx1"/>
-                </a:solidFill>
-              </a:rPr>
-              <a:t>In this work, we propose a new federated learning framework named </a:t>
-            </a:r>
-            <a:r>
-              <a:rPr lang="en-US" b="1" i="1" dirty="0" err="1">
-                <a:solidFill>
-                  <a:srgbClr val="0070C0"/>
-                </a:solidFill>
-              </a:rPr>
-              <a:t>HeteroFL</a:t>
-            </a:r>
-            <a:r>
-              <a:rPr lang="en-US" dirty="0">
-                <a:solidFill>
-                  <a:schemeClr val="tx1"/>
-                </a:solidFill>
-              </a:rPr>
-              <a:t> to address heterogeneous clients equipped with very different computation and communication capabilities. Our solution can enable the training of heterogeneous local models with varying computation complexities and still produce a single global inference model. </a:t>
-            </a:r>
-          </a:p>
-          <a:p>
-            <a:endParaRPr lang="en-US" dirty="0">
-              <a:solidFill>
-                <a:schemeClr val="tx1"/>
-              </a:solidFill>
-            </a:endParaRPr>
-          </a:p>
-          <a:p>
-            <a:pPr marL="342900" indent="-342900">
-              <a:buFont typeface="Arial" panose="020B0604020202020204" pitchFamily="34" charset="0"/>
-              <a:buChar char="•"/>
-            </a:pPr>
-            <a:r>
-              <a:rPr lang="en-US" dirty="0">
-                <a:solidFill>
-                  <a:schemeClr val="tx1"/>
-                </a:solidFill>
-              </a:rPr>
-              <a:t>We identify the possibility of model heterogeneity and propose an </a:t>
-            </a:r>
-            <a:r>
-              <a:rPr lang="en-US" b="1" i="1" dirty="0">
-                <a:solidFill>
-                  <a:srgbClr val="0070C0"/>
-                </a:solidFill>
-              </a:rPr>
-              <a:t>easy-to-implement </a:t>
-            </a:r>
-            <a:r>
-              <a:rPr lang="en-US" dirty="0">
-                <a:solidFill>
-                  <a:schemeClr val="tx1"/>
-                </a:solidFill>
-              </a:rPr>
-              <a:t>framework </a:t>
-            </a:r>
-            <a:r>
-              <a:rPr lang="en-US" altLang="zh-CN" dirty="0" err="1">
-                <a:solidFill>
-                  <a:schemeClr val="tx1"/>
-                </a:solidFill>
-              </a:rPr>
-              <a:t>HeteroFL</a:t>
-            </a:r>
-            <a:r>
-              <a:rPr lang="en-US" altLang="zh-CN" dirty="0">
-                <a:solidFill>
-                  <a:schemeClr val="tx1"/>
-                </a:solidFill>
-              </a:rPr>
-              <a:t> </a:t>
-            </a:r>
-            <a:r>
-              <a:rPr lang="en-US" dirty="0">
-                <a:solidFill>
-                  <a:schemeClr val="tx1"/>
-                </a:solidFill>
-              </a:rPr>
-              <a:t>that can train heterogeneous local models and aggregate them stably and effectively into a single global inference model. </a:t>
-            </a:r>
-          </a:p>
-          <a:p>
-            <a:pPr marL="342900" indent="-342900">
-              <a:buFont typeface="Arial" panose="020B0604020202020204" pitchFamily="34" charset="0"/>
-              <a:buChar char="•"/>
-            </a:pPr>
-            <a:endParaRPr lang="en-US" dirty="0">
-              <a:solidFill>
-                <a:schemeClr val="tx1"/>
-              </a:solidFill>
-            </a:endParaRPr>
-          </a:p>
-          <a:p>
-            <a:pPr marL="342900" indent="-342900">
-              <a:buFont typeface="Arial" panose="020B0604020202020204" pitchFamily="34" charset="0"/>
-              <a:buChar char="•"/>
-            </a:pPr>
-            <a:r>
-              <a:rPr lang="en-US" dirty="0">
-                <a:solidFill>
-                  <a:schemeClr val="tx1"/>
-                </a:solidFill>
-              </a:rPr>
-              <a:t>Our proposed solution addresses various heterogeneous settings where different proportions of clients have distinct capabilities. Our results demonstrate that even when the model heterogeneity changes </a:t>
-            </a:r>
-            <a:r>
-              <a:rPr lang="en-US" b="1" i="1" dirty="0">
-                <a:solidFill>
-                  <a:srgbClr val="0070C0"/>
-                </a:solidFill>
-              </a:rPr>
-              <a:t>dynamically</a:t>
-            </a:r>
-            <a:r>
-              <a:rPr lang="en-US" dirty="0">
-                <a:solidFill>
-                  <a:schemeClr val="tx1"/>
-                </a:solidFill>
-              </a:rPr>
-              <a:t>, the learning result from our framework is still stable and effective.</a:t>
-            </a:r>
-          </a:p>
-          <a:p>
-            <a:pPr marL="342900" indent="-342900">
-              <a:buFont typeface="Arial" panose="020B0604020202020204" pitchFamily="34" charset="0"/>
-              <a:buChar char="•"/>
-            </a:pPr>
-            <a:endParaRPr lang="en-US" dirty="0">
-              <a:solidFill>
-                <a:schemeClr val="tx1"/>
-              </a:solidFill>
-            </a:endParaRPr>
-          </a:p>
-          <a:p>
-            <a:pPr marL="342900" indent="-342900">
-              <a:buFont typeface="Arial" panose="020B0604020202020204" pitchFamily="34" charset="0"/>
-              <a:buChar char="•"/>
-            </a:pPr>
-            <a:r>
-              <a:rPr lang="en-US" dirty="0">
-                <a:solidFill>
-                  <a:schemeClr val="tx1"/>
-                </a:solidFill>
-              </a:rPr>
-              <a:t>We introduce several strategies including </a:t>
-            </a:r>
-            <a:r>
-              <a:rPr lang="en-US" b="1" i="1" dirty="0">
-                <a:solidFill>
-                  <a:srgbClr val="0070C0"/>
-                </a:solidFill>
-              </a:rPr>
-              <a:t>static Batch Normalization</a:t>
-            </a:r>
-            <a:r>
-              <a:rPr lang="en-US" i="1" dirty="0">
-                <a:solidFill>
-                  <a:srgbClr val="0070C0"/>
-                </a:solidFill>
-              </a:rPr>
-              <a:t> </a:t>
-            </a:r>
-            <a:r>
-              <a:rPr lang="en-US" b="1" i="1" dirty="0">
-                <a:solidFill>
-                  <a:srgbClr val="0070C0"/>
-                </a:solidFill>
-              </a:rPr>
-              <a:t>(</a:t>
-            </a:r>
-            <a:r>
-              <a:rPr lang="en-US" b="1" i="1" dirty="0" err="1">
-                <a:solidFill>
-                  <a:srgbClr val="0070C0"/>
-                </a:solidFill>
-              </a:rPr>
-              <a:t>sBN</a:t>
-            </a:r>
-            <a:r>
-              <a:rPr lang="en-US" b="1" i="1" dirty="0">
-                <a:solidFill>
-                  <a:srgbClr val="0070C0"/>
-                </a:solidFill>
-              </a:rPr>
-              <a:t>), scaler</a:t>
-            </a:r>
-            <a:r>
-              <a:rPr lang="en-US" dirty="0">
-                <a:solidFill>
-                  <a:schemeClr val="tx1"/>
-                </a:solidFill>
-              </a:rPr>
-              <a:t>, and </a:t>
-            </a:r>
-            <a:r>
-              <a:rPr lang="en-US" b="1" i="1" dirty="0">
-                <a:solidFill>
-                  <a:srgbClr val="0070C0"/>
-                </a:solidFill>
-              </a:rPr>
-              <a:t>Masked Cross-Entropy Loss </a:t>
-            </a:r>
-            <a:r>
-              <a:rPr lang="en-US" dirty="0">
-                <a:solidFill>
-                  <a:schemeClr val="tx1"/>
-                </a:solidFill>
-              </a:rPr>
-              <a:t>for improving </a:t>
-            </a:r>
-            <a:r>
-              <a:rPr lang="en-US" altLang="zh-CN" b="1" i="1" dirty="0" err="1">
-                <a:solidFill>
-                  <a:srgbClr val="0070C0"/>
-                </a:solidFill>
-              </a:rPr>
-              <a:t>HeteroFL</a:t>
-            </a:r>
-            <a:r>
-              <a:rPr lang="en-US" dirty="0">
-                <a:solidFill>
-                  <a:schemeClr val="tx1"/>
-                </a:solidFill>
-              </a:rPr>
-              <a:t> against the balanced non-IID statistical heterogeneity. </a:t>
-            </a:r>
-            <a:endParaRPr dirty="0">
-              <a:solidFill>
-                <a:schemeClr val="tx1"/>
-              </a:solidFill>
-            </a:endParaRPr>
-          </a:p>
-        </p:txBody>
-      </p:sp>
-      <p:sp>
-        <p:nvSpPr>
-          <p:cNvPr id="39" name="TextBox 45"/>
-          <p:cNvSpPr txBox="1"/>
-          <p:nvPr/>
-        </p:nvSpPr>
-        <p:spPr>
-          <a:xfrm>
-            <a:off x="11350705" y="3922331"/>
-            <a:ext cx="9064534" cy="615553"/>
-          </a:xfrm>
-          <a:prstGeom prst="rect">
-            <a:avLst/>
-          </a:prstGeom>
-          <a:ln w="12700">
-            <a:miter lim="400000"/>
-          </a:ln>
-          <a:extLst>
-            <a:ext uri="{C572A759-6A51-4108-AA02-DFA0A04FC94B}">
-              <ma14:wrappingTextBoxFlag xmlns:ma14="http://schemas.microsoft.com/office/mac/drawingml/2011/main" xmlns:a14="http://schemas.microsoft.com/office/drawing/2010/main" xmlns:m="http://schemas.openxmlformats.org/officeDocument/2006/math" xmlns="" val="1"/>
-            </a:ext>
-          </a:extLst>
-        </p:spPr>
-        <p:txBody>
-          <a:bodyPr lIns="45719" rIns="45719">
-            <a:spAutoFit/>
-          </a:bodyPr>
-          <a:lstStyle>
-            <a:lvl1pPr>
-              <a:defRPr sz="3400">
-                <a:latin typeface="Arial"/>
-                <a:ea typeface="Arial"/>
-                <a:cs typeface="Arial"/>
-                <a:sym typeface="Arial"/>
-              </a:defRPr>
-            </a:lvl1pPr>
-          </a:lstStyle>
-          <a:p>
-            <a:pPr algn="ctr"/>
-            <a:r>
-              <a:rPr lang="en-US" b="1" dirty="0">
-                <a:solidFill>
-                  <a:schemeClr val="accent1"/>
-                </a:solidFill>
-              </a:rPr>
-              <a:t>Heterogeneous Federated Learning</a:t>
-            </a:r>
-            <a:endParaRPr b="1" dirty="0">
-              <a:solidFill>
-                <a:schemeClr val="accent1"/>
-              </a:solidFill>
-            </a:endParaRPr>
-          </a:p>
-        </p:txBody>
-      </p:sp>
-      <p:sp>
-        <p:nvSpPr>
-          <p:cNvPr id="45" name="TextBox 54"/>
-          <p:cNvSpPr txBox="1"/>
-          <p:nvPr/>
-        </p:nvSpPr>
-        <p:spPr>
-          <a:xfrm>
-            <a:off x="11944349" y="14936293"/>
-            <a:ext cx="9029701" cy="738664"/>
-          </a:xfrm>
-          <a:prstGeom prst="rect">
-            <a:avLst/>
-          </a:prstGeom>
-          <a:ln w="12700">
-            <a:miter lim="400000"/>
-          </a:ln>
-          <a:extLst>
-            <a:ext uri="{C572A759-6A51-4108-AA02-DFA0A04FC94B}">
-              <ma14:wrappingTextBoxFlag xmlns:ma14="http://schemas.microsoft.com/office/mac/drawingml/2011/main" xmlns:a14="http://schemas.microsoft.com/office/drawing/2010/main" xmlns:m="http://schemas.openxmlformats.org/officeDocument/2006/math" xmlns="" val="1"/>
-            </a:ext>
-          </a:extLst>
-        </p:spPr>
-        <p:txBody>
-          <a:bodyPr lIns="45719" rIns="45719">
-            <a:spAutoFit/>
-          </a:bodyPr>
-          <a:lstStyle>
-            <a:lvl1pPr algn="ctr">
-              <a:defRPr sz="1300">
-                <a:solidFill>
-                  <a:srgbClr val="344854"/>
-                </a:solidFill>
-                <a:latin typeface="Arial"/>
-                <a:ea typeface="Arial"/>
-                <a:cs typeface="Arial"/>
-                <a:sym typeface="Arial"/>
-              </a:defRPr>
-            </a:lvl1pPr>
-          </a:lstStyle>
-          <a:p>
-            <a:r>
-              <a:rPr lang="en-US" sz="2100" dirty="0">
-                <a:solidFill>
-                  <a:schemeClr val="tx1"/>
-                </a:solidFill>
-              </a:rPr>
-              <a:t>Figure 2. Global model parameters </a:t>
-            </a:r>
-            <a:r>
-              <a:rPr lang="en-US" altLang="zh-CN" sz="2100" dirty="0">
-                <a:solidFill>
-                  <a:schemeClr val="tx1"/>
-                </a:solidFill>
-              </a:rPr>
-              <a:t>are </a:t>
-            </a:r>
-            <a:r>
-              <a:rPr lang="en-US" sz="2100" dirty="0">
-                <a:solidFill>
-                  <a:schemeClr val="tx1"/>
-                </a:solidFill>
-              </a:rPr>
-              <a:t>distributed to 6 local clients with 3 computation complexity levels.</a:t>
-            </a:r>
-          </a:p>
-        </p:txBody>
-      </p:sp>
-      <p:sp>
-        <p:nvSpPr>
-          <p:cNvPr id="56" name="TextBox 45">
+          <p:cNvPr id="7" name="文本框 6">
             <a:extLst>
               <a:ext uri="{FF2B5EF4-FFF2-40B4-BE49-F238E27FC236}">
-                <a16:creationId xmlns:a16="http://schemas.microsoft.com/office/drawing/2014/main" id="{DD263146-548F-417D-A532-3DCC15924D1E}"/>
+                <a16:creationId xmlns:a16="http://schemas.microsoft.com/office/drawing/2014/main" id="{E797870F-45C4-39A3-C7BA-B46090F0A077}"/>
               </a:ext>
             </a:extLst>
           </p:cNvPr>
@@ -2042,84 +2198,162 @@
         </p:nvSpPr>
         <p:spPr>
           <a:xfrm>
-            <a:off x="1095235" y="3926419"/>
-            <a:ext cx="9064534" cy="615553"/>
+            <a:off x="151461" y="4183984"/>
+            <a:ext cx="11122872" cy="6555639"/>
           </a:xfrm>
           <a:prstGeom prst="rect">
             <a:avLst/>
           </a:prstGeom>
-          <a:ln w="12700">
+          <a:noFill/>
+          <a:ln w="76200" cap="flat">
+            <a:noFill/>
             <a:miter lim="400000"/>
           </a:ln>
-          <a:extLst>
-            <a:ext uri="{C572A759-6A51-4108-AA02-DFA0A04FC94B}">
-              <ma14:wrappingTextBoxFlag xmlns:ma14="http://schemas.microsoft.com/office/mac/drawingml/2011/main" xmlns:a14="http://schemas.microsoft.com/office/drawing/2010/main" xmlns:m="http://schemas.openxmlformats.org/officeDocument/2006/math" xmlns="" val="1"/>
-            </a:ext>
-          </a:extLst>
+          <a:effectLst/>
+          <a:sp3d/>
         </p:spPr>
+        <p:style>
+          <a:lnRef idx="0">
+            <a:scrgbClr r="0" g="0" b="0"/>
+          </a:lnRef>
+          <a:fillRef idx="0">
+            <a:scrgbClr r="0" g="0" b="0"/>
+          </a:fillRef>
+          <a:effectRef idx="0">
+            <a:scrgbClr r="0" g="0" b="0"/>
+          </a:effectRef>
+          <a:fontRef idx="none"/>
+        </p:style>
         <p:txBody>
-          <a:bodyPr lIns="45719" rIns="45719">
+          <a:bodyPr rot="0" spcFirstLastPara="1" vertOverflow="overflow" horzOverflow="overflow" vert="horz" wrap="square" lIns="45719" tIns="45719" rIns="45719" bIns="45719" numCol="1" spcCol="38100" rtlCol="0" anchor="t">
             <a:spAutoFit/>
           </a:bodyPr>
-          <a:lstStyle>
-            <a:lvl1pPr>
-              <a:defRPr sz="3400">
-                <a:latin typeface="Arial"/>
-                <a:ea typeface="Arial"/>
-                <a:cs typeface="Arial"/>
-                <a:sym typeface="Arial"/>
-              </a:defRPr>
-            </a:lvl1pPr>
-          </a:lstStyle>
+          <a:lstStyle/>
           <a:p>
-            <a:pPr algn="ctr"/>
+            <a:pPr marL="263525" marR="0" defTabSz="326532" rtl="0" fontAlgn="auto" latinLnBrk="0" hangingPunct="0">
+              <a:lnSpc>
+                <a:spcPct val="100000"/>
+              </a:lnSpc>
+              <a:spcBef>
+                <a:spcPts val="0"/>
+              </a:spcBef>
+              <a:spcAft>
+                <a:spcPts val="0"/>
+              </a:spcAft>
+              <a:buClrTx/>
+              <a:buSzTx/>
+              <a:buFontTx/>
+              <a:buNone/>
+              <a:tabLst/>
+            </a:pPr>
             <a:r>
-              <a:rPr lang="en-US" altLang="zh-CN" b="1" dirty="0">
+              <a:rPr kumimoji="0" lang="en-US" altLang="zh-CN" sz="2100" b="0" i="0" u="none" strike="noStrike" cap="none" spc="0" normalizeH="0" baseline="0" dirty="0">
+                <a:ln>
+                  <a:noFill/>
+                </a:ln>
                 <a:solidFill>
-                  <a:schemeClr val="accent1"/>
+                  <a:srgbClr val="000000"/>
                 </a:solidFill>
+                <a:effectLst/>
+                <a:uFillTx/>
+                <a:latin typeface="Arial" panose="020B0604020202020204" pitchFamily="34" charset="0"/>
+                <a:cs typeface="Arial" panose="020B0604020202020204" pitchFamily="34" charset="0"/>
+                <a:sym typeface="Calibri"/>
               </a:rPr>
-              <a:t>Overview</a:t>
+              <a:t>The main idea of Gradient Assisted Learning (GAL) is outlined below. In the training stage, the organization to be assisted, denoted by Alice, will calculate a set of “residuals” and broadcast these to other organizations. Subsequently, other organizations will fit the residuals using their local data, models, and objective functions and send the fitted values back to Alice. Next, Alice will line-search for the optimal gradient assisted learning rate along the calculated direction of learning. The above procedure is repeated until Alice accomplishes sufficient learning. In the inference stage, other organizations will send their locally predicted values to Alice, who will then assemble them to generate the final prediction.</a:t>
             </a:r>
+            <a:endParaRPr lang="en-US" altLang="zh-CN" sz="2100" dirty="0">
+              <a:latin typeface="Arial" panose="020B0604020202020204" pitchFamily="34" charset="0"/>
+              <a:cs typeface="Arial" panose="020B0604020202020204" pitchFamily="34" charset="0"/>
+            </a:endParaRPr>
+          </a:p>
+          <a:p>
+            <a:pPr marL="606425" indent="-342900">
+              <a:buFont typeface="Arial" panose="020B0604020202020204" pitchFamily="34" charset="0"/>
+              <a:buChar char="•"/>
+            </a:pPr>
+            <a:r>
+              <a:rPr kumimoji="0" lang="en-US" altLang="zh-CN" sz="2100" b="0" i="0" u="none" strike="noStrike" cap="none" spc="0" normalizeH="0" baseline="0" dirty="0">
+                <a:ln>
+                  <a:noFill/>
+                </a:ln>
+                <a:solidFill>
+                  <a:srgbClr val="000000"/>
+                </a:solidFill>
+                <a:effectLst/>
+                <a:uFillTx/>
+                <a:latin typeface="Arial" panose="020B0604020202020204" pitchFamily="34" charset="0"/>
+                <a:cs typeface="Arial" panose="020B0604020202020204" pitchFamily="34" charset="0"/>
+                <a:sym typeface="Calibri"/>
+              </a:rPr>
+              <a:t>We propose a Gradient Assisted Learning (GAL) algorithm that is suitable for large-scale autonomous decentralized learning. Our method enables simultaneous collaboration among organizations without sharing data, models, and objective functions.</a:t>
+            </a:r>
+          </a:p>
+          <a:p>
+            <a:pPr marL="606425" indent="-342900">
+              <a:buFont typeface="Arial" panose="020B0604020202020204" pitchFamily="34" charset="0"/>
+              <a:buChar char="•"/>
+            </a:pPr>
+            <a:r>
+              <a:rPr kumimoji="0" lang="en-US" altLang="zh-CN" sz="2100" b="0" i="0" u="none" strike="noStrike" cap="none" spc="0" normalizeH="0" baseline="0" dirty="0">
+                <a:ln>
+                  <a:noFill/>
+                </a:ln>
+                <a:solidFill>
+                  <a:srgbClr val="000000"/>
+                </a:solidFill>
+                <a:effectLst/>
+                <a:uFillTx/>
+                <a:latin typeface="Arial" panose="020B0604020202020204" pitchFamily="34" charset="0"/>
+                <a:cs typeface="Arial" panose="020B0604020202020204" pitchFamily="34" charset="0"/>
+                <a:sym typeface="Calibri"/>
+              </a:rPr>
+              <a:t>We provide asymptotic convergence analysis and practical case studies of GAL. For the case of vertically distributed data, GAL generalizes the classical Gradient Boosting algorithm. </a:t>
+            </a:r>
+          </a:p>
+          <a:p>
+            <a:pPr marL="606425" indent="-342900">
+              <a:buFont typeface="Arial" panose="020B0604020202020204" pitchFamily="34" charset="0"/>
+              <a:buChar char="•"/>
+            </a:pPr>
+            <a:r>
+              <a:rPr kumimoji="0" lang="en-US" altLang="zh-CN" sz="2100" b="0" i="0" u="none" strike="noStrike" cap="none" spc="0" normalizeH="0" baseline="0" dirty="0">
+                <a:ln>
+                  <a:noFill/>
+                </a:ln>
+                <a:solidFill>
+                  <a:srgbClr val="000000"/>
+                </a:solidFill>
+                <a:effectLst/>
+                <a:uFillTx/>
+                <a:latin typeface="Arial" panose="020B0604020202020204" pitchFamily="34" charset="0"/>
+                <a:cs typeface="Arial" panose="020B0604020202020204" pitchFamily="34" charset="0"/>
+                <a:sym typeface="Calibri"/>
+              </a:rPr>
+              <a:t>Our proposed method can significantly outperform learning baselines and achieve near-oracle performance on various benchmark datasets. Compared with Assisted Learning (AL) [1,2], GAL does not need frequent synchronization of organizations. It also significantly reduces the computation and communication overhead. </a:t>
+            </a:r>
+            <a:endParaRPr kumimoji="0" lang="zh-CN" altLang="en-US" sz="2100" b="0" i="0" u="none" strike="noStrike" cap="none" spc="0" normalizeH="0" baseline="0" dirty="0">
+              <a:ln>
+                <a:noFill/>
+              </a:ln>
+              <a:solidFill>
+                <a:srgbClr val="000000"/>
+              </a:solidFill>
+              <a:effectLst/>
+              <a:uFillTx/>
+              <a:latin typeface="Arial" panose="020B0604020202020204" pitchFamily="34" charset="0"/>
+              <a:cs typeface="Arial" panose="020B0604020202020204" pitchFamily="34" charset="0"/>
+              <a:sym typeface="Calibri"/>
+            </a:endParaRPr>
           </a:p>
         </p:txBody>
       </p:sp>
-      <p:pic>
-        <p:nvPicPr>
-          <p:cNvPr id="4" name="图片 3">
+      <p:sp>
+        <p:nvSpPr>
+          <p:cNvPr id="10" name="文本框 4">
             <a:extLst>
               <a:ext uri="{FF2B5EF4-FFF2-40B4-BE49-F238E27FC236}">
-                <a16:creationId xmlns:a16="http://schemas.microsoft.com/office/drawing/2014/main" id="{67B99DE7-208F-449B-9D1D-0ECD473633E3}"/>
-              </a:ext>
-            </a:extLst>
-          </p:cNvPr>
-          <p:cNvPicPr>
-            <a:picLocks noChangeAspect="1"/>
-          </p:cNvPicPr>
-          <p:nvPr/>
-        </p:nvPicPr>
-        <p:blipFill>
-          <a:blip r:embed="rId2"/>
-          <a:stretch>
-            <a:fillRect/>
-          </a:stretch>
-        </p:blipFill>
-        <p:spPr>
-          <a:xfrm>
-            <a:off x="11725771" y="8995886"/>
-            <a:ext cx="9479970" cy="5687982"/>
-          </a:xfrm>
-          <a:prstGeom prst="rect">
-            <a:avLst/>
-          </a:prstGeom>
-        </p:spPr>
-      </p:pic>
-      <p:sp>
-        <p:nvSpPr>
-          <p:cNvPr id="57" name="TextBox 39">
-            <a:extLst>
-              <a:ext uri="{FF2B5EF4-FFF2-40B4-BE49-F238E27FC236}">
-                <a16:creationId xmlns:a16="http://schemas.microsoft.com/office/drawing/2014/main" id="{3D4F0B6E-D660-4F1A-B9B2-68E5B09C3AEE}"/>
+                <a16:creationId xmlns:a16="http://schemas.microsoft.com/office/drawing/2014/main" id="{F9973203-0F00-4268-04B8-76D9CEF8C1F0}"/>
               </a:ext>
             </a:extLst>
           </p:cNvPr>
@@ -2128,316 +2362,8 @@
         </p:nvSpPr>
         <p:spPr>
           <a:xfrm>
-            <a:off x="11368121" y="4657352"/>
-            <a:ext cx="9064534" cy="3934667"/>
-          </a:xfrm>
-          <a:prstGeom prst="rect">
-            <a:avLst/>
-          </a:prstGeom>
-          <a:ln w="12700">
-            <a:miter lim="400000"/>
-          </a:ln>
-          <a:extLst>
-            <a:ext uri="{C572A759-6A51-4108-AA02-DFA0A04FC94B}">
-              <ma14:wrappingTextBoxFlag xmlns:ma14="http://schemas.microsoft.com/office/mac/drawingml/2011/main" xmlns:a14="http://schemas.microsoft.com/office/drawing/2010/main" xmlns:m="http://schemas.openxmlformats.org/officeDocument/2006/math" xmlns="" val="1"/>
-            </a:ext>
-          </a:extLst>
-        </p:spPr>
-        <p:txBody>
-          <a:bodyPr lIns="45719" rIns="45719">
-            <a:spAutoFit/>
-          </a:bodyPr>
-          <a:lstStyle>
-            <a:lvl1pPr>
-              <a:lnSpc>
-                <a:spcPct val="120000"/>
-              </a:lnSpc>
-              <a:defRPr sz="2100">
-                <a:solidFill>
-                  <a:srgbClr val="344854"/>
-                </a:solidFill>
-                <a:latin typeface="Arial"/>
-                <a:ea typeface="Arial"/>
-                <a:cs typeface="Arial"/>
-                <a:sym typeface="Arial"/>
-              </a:defRPr>
-            </a:lvl1pPr>
-          </a:lstStyle>
-          <a:p>
-            <a:pPr marL="342900" indent="-342900">
-              <a:buFont typeface="Arial" panose="020B0604020202020204" pitchFamily="34" charset="0"/>
-              <a:buChar char="•"/>
-            </a:pPr>
-            <a:r>
-              <a:rPr lang="en-US" altLang="zh-CN" i="0" dirty="0">
-                <a:solidFill>
-                  <a:schemeClr val="tx1"/>
-                </a:solidFill>
-                <a:effectLst/>
-                <a:latin typeface="Arial" panose="020B0604020202020204" pitchFamily="34" charset="0"/>
-              </a:rPr>
-              <a:t>Each parameter will be averaged from those clients whose allocated parameter matrix contains that parameter. </a:t>
-            </a:r>
-          </a:p>
-          <a:p>
-            <a:pPr marL="342900" indent="-342900">
-              <a:buFont typeface="Arial" panose="020B0604020202020204" pitchFamily="34" charset="0"/>
-              <a:buChar char="•"/>
-            </a:pPr>
-            <a:endParaRPr lang="en-US" altLang="zh-CN" i="0" dirty="0">
-              <a:solidFill>
-                <a:schemeClr val="tx1"/>
-              </a:solidFill>
-              <a:effectLst/>
-              <a:latin typeface="Arial" panose="020B0604020202020204" pitchFamily="34" charset="0"/>
-            </a:endParaRPr>
-          </a:p>
-          <a:p>
-            <a:pPr marL="342900" indent="-342900">
-              <a:buFont typeface="Arial" panose="020B0604020202020204" pitchFamily="34" charset="0"/>
-              <a:buChar char="•"/>
-            </a:pPr>
-            <a:r>
-              <a:rPr lang="en-US" altLang="zh-CN" b="0" i="0" dirty="0">
-                <a:solidFill>
-                  <a:schemeClr val="tx1"/>
-                </a:solidFill>
-                <a:effectLst/>
-                <a:latin typeface="Arial" panose="020B0604020202020204" pitchFamily="34" charset="0"/>
-              </a:rPr>
-              <a:t>A model of an intermediate complexity will have parameters fully averaged with all the other larger models but partially with smaller models</a:t>
-            </a:r>
-            <a:r>
-              <a:rPr lang="en-US" altLang="zh-CN" dirty="0">
-                <a:solidFill>
-                  <a:schemeClr val="tx1"/>
-                </a:solidFill>
-                <a:latin typeface="Arial" panose="020B0604020202020204" pitchFamily="34" charset="0"/>
-              </a:rPr>
-              <a:t>.</a:t>
-            </a:r>
-          </a:p>
-          <a:p>
-            <a:pPr marL="342900" indent="-342900">
-              <a:buFont typeface="Arial" panose="020B0604020202020204" pitchFamily="34" charset="0"/>
-              <a:buChar char="•"/>
-            </a:pPr>
-            <a:endParaRPr lang="en-US" altLang="zh-CN" b="0" i="0" dirty="0">
-              <a:solidFill>
-                <a:schemeClr val="tx1"/>
-              </a:solidFill>
-              <a:effectLst/>
-              <a:latin typeface="Arial" panose="020B0604020202020204" pitchFamily="34" charset="0"/>
-            </a:endParaRPr>
-          </a:p>
-          <a:p>
-            <a:pPr marL="342900" indent="-342900">
-              <a:buFont typeface="Arial" panose="020B0604020202020204" pitchFamily="34" charset="0"/>
-              <a:buChar char="•"/>
-            </a:pPr>
-            <a:r>
-              <a:rPr lang="en-US" altLang="zh-CN" b="0" i="0" dirty="0">
-                <a:solidFill>
-                  <a:schemeClr val="tx1"/>
-                </a:solidFill>
-                <a:effectLst/>
-                <a:latin typeface="Arial" panose="020B0604020202020204" pitchFamily="34" charset="0"/>
-              </a:rPr>
-              <a:t>Small local models can benefit more from global aggregation by performing less global aggregation for part of larger local model parameters. </a:t>
-            </a:r>
-            <a:endParaRPr lang="en-US" dirty="0">
-              <a:solidFill>
-                <a:schemeClr val="tx1"/>
-              </a:solidFill>
-            </a:endParaRPr>
-          </a:p>
-        </p:txBody>
-      </p:sp>
-      <p:sp>
-        <p:nvSpPr>
-          <p:cNvPr id="62" name="TextBox 45">
-            <a:extLst>
-              <a:ext uri="{FF2B5EF4-FFF2-40B4-BE49-F238E27FC236}">
-                <a16:creationId xmlns:a16="http://schemas.microsoft.com/office/drawing/2014/main" id="{3DE79779-E6D5-411C-AA71-239E261DCA13}"/>
-              </a:ext>
-            </a:extLst>
-          </p:cNvPr>
-          <p:cNvSpPr txBox="1"/>
-          <p:nvPr/>
-        </p:nvSpPr>
-        <p:spPr>
-          <a:xfrm>
-            <a:off x="22641286" y="3922330"/>
-            <a:ext cx="9064534" cy="615553"/>
-          </a:xfrm>
-          <a:prstGeom prst="rect">
-            <a:avLst/>
-          </a:prstGeom>
-          <a:ln w="12700">
-            <a:miter lim="400000"/>
-          </a:ln>
-          <a:extLst>
-            <a:ext uri="{C572A759-6A51-4108-AA02-DFA0A04FC94B}">
-              <ma14:wrappingTextBoxFlag xmlns:ma14="http://schemas.microsoft.com/office/mac/drawingml/2011/main" xmlns:a14="http://schemas.microsoft.com/office/drawing/2010/main" xmlns:m="http://schemas.openxmlformats.org/officeDocument/2006/math" xmlns="" val="1"/>
-            </a:ext>
-          </a:extLst>
-        </p:spPr>
-        <p:txBody>
-          <a:bodyPr lIns="45719" rIns="45719">
-            <a:spAutoFit/>
-          </a:bodyPr>
-          <a:lstStyle>
-            <a:lvl1pPr>
-              <a:defRPr sz="3400">
-                <a:latin typeface="Arial"/>
-                <a:ea typeface="Arial"/>
-                <a:cs typeface="Arial"/>
-                <a:sym typeface="Arial"/>
-              </a:defRPr>
-            </a:lvl1pPr>
-          </a:lstStyle>
-          <a:p>
-            <a:pPr algn="ctr"/>
-            <a:r>
-              <a:rPr lang="en-US" b="1" dirty="0">
-                <a:solidFill>
-                  <a:schemeClr val="accent1"/>
-                </a:solidFill>
-              </a:rPr>
-              <a:t>Experiments</a:t>
-            </a:r>
-            <a:endParaRPr b="1" dirty="0">
-              <a:solidFill>
-                <a:schemeClr val="accent1"/>
-              </a:solidFill>
-            </a:endParaRPr>
-          </a:p>
-        </p:txBody>
-      </p:sp>
-      <p:sp>
-        <p:nvSpPr>
-          <p:cNvPr id="63" name="TextBox 45">
-            <a:extLst>
-              <a:ext uri="{FF2B5EF4-FFF2-40B4-BE49-F238E27FC236}">
-                <a16:creationId xmlns:a16="http://schemas.microsoft.com/office/drawing/2014/main" id="{2C38AF49-A5BA-4182-AAEE-297B72458E9A}"/>
-              </a:ext>
-            </a:extLst>
-          </p:cNvPr>
-          <p:cNvSpPr txBox="1"/>
-          <p:nvPr/>
-        </p:nvSpPr>
-        <p:spPr>
-          <a:xfrm>
-            <a:off x="1130068" y="12920633"/>
-            <a:ext cx="9064534" cy="615553"/>
-          </a:xfrm>
-          <a:prstGeom prst="rect">
-            <a:avLst/>
-          </a:prstGeom>
-          <a:ln w="12700">
-            <a:miter lim="400000"/>
-          </a:ln>
-          <a:extLst>
-            <a:ext uri="{C572A759-6A51-4108-AA02-DFA0A04FC94B}">
-              <ma14:wrappingTextBoxFlag xmlns:ma14="http://schemas.microsoft.com/office/mac/drawingml/2011/main" xmlns:a14="http://schemas.microsoft.com/office/drawing/2010/main" xmlns:m="http://schemas.openxmlformats.org/officeDocument/2006/math" xmlns="" val="1"/>
-            </a:ext>
-          </a:extLst>
-        </p:spPr>
-        <p:txBody>
-          <a:bodyPr lIns="45719" rIns="45719">
-            <a:spAutoFit/>
-          </a:bodyPr>
-          <a:lstStyle>
-            <a:lvl1pPr>
-              <a:defRPr sz="3400">
-                <a:latin typeface="Arial"/>
-                <a:ea typeface="Arial"/>
-                <a:cs typeface="Arial"/>
-                <a:sym typeface="Arial"/>
-              </a:defRPr>
-            </a:lvl1pPr>
-          </a:lstStyle>
-          <a:p>
-            <a:pPr algn="ctr"/>
-            <a:r>
-              <a:rPr lang="en-US" b="1" dirty="0">
-                <a:solidFill>
-                  <a:schemeClr val="accent1"/>
-                </a:solidFill>
-              </a:rPr>
-              <a:t>Motivation</a:t>
-            </a:r>
-            <a:endParaRPr b="1" dirty="0">
-              <a:solidFill>
-                <a:schemeClr val="accent1"/>
-              </a:solidFill>
-            </a:endParaRPr>
-          </a:p>
-        </p:txBody>
-      </p:sp>
-      <p:pic>
-        <p:nvPicPr>
-          <p:cNvPr id="1026" name="Picture 2">
-            <a:extLst>
-              <a:ext uri="{FF2B5EF4-FFF2-40B4-BE49-F238E27FC236}">
-                <a16:creationId xmlns:a16="http://schemas.microsoft.com/office/drawing/2014/main" id="{6ADCF2B0-72DC-4CC6-84F4-450377AE8D7B}"/>
-              </a:ext>
-            </a:extLst>
-          </p:cNvPr>
-          <p:cNvPicPr>
-            <a:picLocks noChangeAspect="1" noChangeArrowheads="1"/>
-          </p:cNvPicPr>
-          <p:nvPr/>
-        </p:nvPicPr>
-        <p:blipFill>
-          <a:blip r:embed="rId3">
-            <a:extLst>
-              <a:ext uri="{28A0092B-C50C-407E-A947-70E740481C1C}">
-                <a14:useLocalDpi xmlns:a14="http://schemas.microsoft.com/office/drawing/2010/main" val="0"/>
-              </a:ext>
-            </a:extLst>
-          </a:blip>
-          <a:srcRect/>
-          <a:stretch>
-            <a:fillRect/>
-          </a:stretch>
-        </p:blipFill>
-        <p:spPr bwMode="auto">
-          <a:xfrm>
-            <a:off x="3289166" y="19699216"/>
-            <a:ext cx="2246384" cy="2246384"/>
-          </a:xfrm>
-          <a:prstGeom prst="rect">
-            <a:avLst/>
-          </a:prstGeom>
-          <a:noFill/>
-          <a:extLst>
-            <a:ext uri="{909E8E84-426E-40DD-AFC4-6F175D3DCCD1}">
-              <a14:hiddenFill xmlns:a14="http://schemas.microsoft.com/office/drawing/2010/main">
-                <a:solidFill>
-                  <a:srgbClr val="FFFFFF"/>
-                </a:solidFill>
-              </a14:hiddenFill>
-            </a:ext>
-          </a:extLst>
-        </p:spPr>
-      </p:pic>
-      <p:sp>
-        <p:nvSpPr>
-          <p:cNvPr id="5" name="文本框 4">
-            <a:extLst>
-              <a:ext uri="{FF2B5EF4-FFF2-40B4-BE49-F238E27FC236}">
-                <a16:creationId xmlns:a16="http://schemas.microsoft.com/office/drawing/2014/main" id="{A9A29650-EF1A-438C-8A75-AD4214E24BE3}"/>
-              </a:ext>
-            </a:extLst>
-          </p:cNvPr>
-          <p:cNvSpPr txBox="1"/>
-          <p:nvPr/>
-        </p:nvSpPr>
-        <p:spPr>
-          <a:xfrm>
-            <a:off x="3775088" y="19256120"/>
-            <a:ext cx="1274539" cy="461663"/>
+            <a:off x="3409636" y="19772719"/>
+            <a:ext cx="1192902" cy="415496"/>
           </a:xfrm>
           <a:prstGeom prst="rect">
             <a:avLst/>
@@ -2485,72 +2411,25 @@
               <a:tabLst/>
             </a:pPr>
             <a:r>
-              <a:rPr lang="en-US" altLang="zh-CN" sz="2400" dirty="0">
-                <a:latin typeface="Arial"/>
-                <a:cs typeface="Arial"/>
+              <a:rPr lang="en-US" altLang="zh-CN" sz="2100" dirty="0">
+                <a:latin typeface="Arial" panose="020B0604020202020204" pitchFamily="34" charset="0"/>
+                <a:cs typeface="Arial" panose="020B0604020202020204" pitchFamily="34" charset="0"/>
               </a:rPr>
               <a:t>  Paper</a:t>
             </a:r>
-            <a:endParaRPr lang="zh-CN" altLang="en-US" sz="2400" dirty="0">
-              <a:latin typeface="Arial"/>
-              <a:cs typeface="Arial"/>
+            <a:endParaRPr lang="zh-CN" altLang="en-US" sz="2100" dirty="0">
+              <a:latin typeface="Arial" panose="020B0604020202020204" pitchFamily="34" charset="0"/>
+              <a:cs typeface="Arial" panose="020B0604020202020204" pitchFamily="34" charset="0"/>
             </a:endParaRPr>
           </a:p>
         </p:txBody>
       </p:sp>
-      <p:pic>
-        <p:nvPicPr>
-          <p:cNvPr id="1028" name="Picture 4">
+      <p:sp>
+        <p:nvSpPr>
+          <p:cNvPr id="11" name="文本框 6">
             <a:extLst>
               <a:ext uri="{FF2B5EF4-FFF2-40B4-BE49-F238E27FC236}">
-                <a16:creationId xmlns:a16="http://schemas.microsoft.com/office/drawing/2014/main" id="{FF8B7B98-5ADF-4A54-9301-7573E7004F19}"/>
-              </a:ext>
-            </a:extLst>
-          </p:cNvPr>
-          <p:cNvPicPr>
-            <a:picLocks noChangeAspect="1" noChangeArrowheads="1"/>
-          </p:cNvPicPr>
-          <p:nvPr/>
-        </p:nvPicPr>
-        <p:blipFill>
-          <a:blip r:embed="rId4">
-            <a:extLst>
-              <a:ext uri="{28A0092B-C50C-407E-A947-70E740481C1C}">
-                <a14:useLocalDpi xmlns:a14="http://schemas.microsoft.com/office/drawing/2010/main" val="0"/>
-              </a:ext>
-            </a:extLst>
-          </a:blip>
-          <a:srcRect/>
-          <a:stretch>
-            <a:fillRect/>
-          </a:stretch>
-        </p:blipFill>
-        <p:spPr bwMode="auto">
-          <a:xfrm>
-            <a:off x="6311528" y="19678865"/>
-            <a:ext cx="2246384" cy="2246384"/>
-          </a:xfrm>
-          <a:prstGeom prst="rect">
-            <a:avLst/>
-          </a:prstGeom>
-          <a:noFill/>
-          <a:extLst>
-            <a:ext uri="{909E8E84-426E-40DD-AFC4-6F175D3DCCD1}">
-              <a14:hiddenFill xmlns:a14="http://schemas.microsoft.com/office/drawing/2010/main">
-                <a:solidFill>
-                  <a:srgbClr val="FFFFFF"/>
-                </a:solidFill>
-              </a14:hiddenFill>
-            </a:ext>
-          </a:extLst>
-        </p:spPr>
-      </p:pic>
-      <p:sp>
-        <p:nvSpPr>
-          <p:cNvPr id="64" name="文本框 63">
-            <a:extLst>
-              <a:ext uri="{FF2B5EF4-FFF2-40B4-BE49-F238E27FC236}">
-                <a16:creationId xmlns:a16="http://schemas.microsoft.com/office/drawing/2014/main" id="{C32AD406-6E19-44F6-B7EC-463CA01C9EE2}"/>
+                <a16:creationId xmlns:a16="http://schemas.microsoft.com/office/drawing/2014/main" id="{8973BF4E-A26A-5786-F58F-906ED9FA3BF5}"/>
               </a:ext>
             </a:extLst>
           </p:cNvPr>
@@ -2559,8 +2438,8 @@
         </p:nvSpPr>
         <p:spPr>
           <a:xfrm>
-            <a:off x="6966750" y="19250912"/>
-            <a:ext cx="935940" cy="461663"/>
+            <a:off x="6289706" y="19772719"/>
+            <a:ext cx="869259" cy="415496"/>
           </a:xfrm>
           <a:prstGeom prst="rect">
             <a:avLst/>
@@ -2608,25 +2487,25 @@
               <a:tabLst/>
             </a:pPr>
             <a:r>
-              <a:rPr lang="en-US" altLang="zh-CN" sz="2400" dirty="0">
-                <a:latin typeface="Arial"/>
-                <a:cs typeface="Arial"/>
+              <a:rPr lang="en-US" altLang="zh-CN" sz="2100" dirty="0">
+                <a:latin typeface="Arial" panose="020B0604020202020204" pitchFamily="34" charset="0"/>
+                <a:cs typeface="Arial" panose="020B0604020202020204" pitchFamily="34" charset="0"/>
               </a:rPr>
               <a:t> Code</a:t>
             </a:r>
-            <a:endParaRPr lang="zh-CN" altLang="en-US" sz="2400" dirty="0">
-              <a:latin typeface="Arial"/>
-              <a:cs typeface="Arial"/>
+            <a:endParaRPr lang="zh-CN" altLang="en-US" sz="2100" dirty="0">
+              <a:latin typeface="Arial" panose="020B0604020202020204" pitchFamily="34" charset="0"/>
+              <a:cs typeface="Arial" panose="020B0604020202020204" pitchFamily="34" charset="0"/>
             </a:endParaRPr>
           </a:p>
         </p:txBody>
       </p:sp>
       <p:sp>
         <p:nvSpPr>
-          <p:cNvPr id="6" name="文本框 5">
+          <p:cNvPr id="14" name="文本框 13">
             <a:extLst>
               <a:ext uri="{FF2B5EF4-FFF2-40B4-BE49-F238E27FC236}">
-                <a16:creationId xmlns:a16="http://schemas.microsoft.com/office/drawing/2014/main" id="{4C5DA1EB-774A-41C4-BC2B-0B4BC04C8B76}"/>
+                <a16:creationId xmlns:a16="http://schemas.microsoft.com/office/drawing/2014/main" id="{EE687904-B5CF-9D2A-10C1-9C8AB28E77D6}"/>
               </a:ext>
             </a:extLst>
           </p:cNvPr>
@@ -2635,8 +2514,898 @@
         </p:nvSpPr>
         <p:spPr>
           <a:xfrm>
-            <a:off x="1130068" y="13697483"/>
-            <a:ext cx="9064534" cy="1061827"/>
+            <a:off x="218135" y="10864601"/>
+            <a:ext cx="11172654" cy="615551"/>
+          </a:xfrm>
+          <a:prstGeom prst="rect">
+            <a:avLst/>
+          </a:prstGeom>
+          <a:noFill/>
+          <a:ln w="76200" cap="flat">
+            <a:noFill/>
+            <a:miter lim="400000"/>
+          </a:ln>
+          <a:effectLst/>
+          <a:sp3d/>
+        </p:spPr>
+        <p:style>
+          <a:lnRef idx="0">
+            <a:scrgbClr r="0" g="0" b="0"/>
+          </a:lnRef>
+          <a:fillRef idx="0">
+            <a:scrgbClr r="0" g="0" b="0"/>
+          </a:fillRef>
+          <a:effectRef idx="0">
+            <a:scrgbClr r="0" g="0" b="0"/>
+          </a:effectRef>
+          <a:fontRef idx="none"/>
+        </p:style>
+        <p:txBody>
+          <a:bodyPr rot="0" spcFirstLastPara="1" vertOverflow="overflow" horzOverflow="overflow" vert="horz" wrap="square" lIns="45719" tIns="45719" rIns="45719" bIns="45719" numCol="1" spcCol="38100" rtlCol="0" anchor="t">
+            <a:spAutoFit/>
+          </a:bodyPr>
+          <a:lstStyle/>
+          <a:p>
+            <a:pPr marL="0" marR="0" lvl="0" indent="0" algn="ctr" defTabSz="326532" rtl="0" eaLnBrk="1" fontAlgn="auto" latinLnBrk="0" hangingPunct="0">
+              <a:lnSpc>
+                <a:spcPct val="100000"/>
+              </a:lnSpc>
+              <a:spcBef>
+                <a:spcPts val="0"/>
+              </a:spcBef>
+              <a:spcAft>
+                <a:spcPts val="0"/>
+              </a:spcAft>
+              <a:buClrTx/>
+              <a:buSzTx/>
+              <a:buFontTx/>
+              <a:buNone/>
+              <a:tabLst/>
+              <a:defRPr/>
+            </a:pPr>
+            <a:r>
+              <a:rPr kumimoji="0" lang="en-US" altLang="zh-CN" sz="3400" b="0" i="0" u="none" strike="noStrike" kern="0" cap="none" spc="0" normalizeH="0" baseline="0" noProof="0" dirty="0">
+                <a:ln>
+                  <a:noFill/>
+                </a:ln>
+                <a:solidFill>
+                  <a:schemeClr val="accent1"/>
+                </a:solidFill>
+                <a:effectLst/>
+                <a:uLnTx/>
+                <a:uFillTx/>
+                <a:latin typeface="Arial" panose="020B0604020202020204" pitchFamily="34" charset="0"/>
+                <a:cs typeface="Arial" panose="020B0604020202020204" pitchFamily="34" charset="0"/>
+                <a:sym typeface="Calibri"/>
+              </a:rPr>
+              <a:t>Motivation</a:t>
+            </a:r>
+          </a:p>
+        </p:txBody>
+      </p:sp>
+      <p:sp>
+        <p:nvSpPr>
+          <p:cNvPr id="20" name="文本框 19">
+            <a:extLst>
+              <a:ext uri="{FF2B5EF4-FFF2-40B4-BE49-F238E27FC236}">
+                <a16:creationId xmlns:a16="http://schemas.microsoft.com/office/drawing/2014/main" id="{E1B5974A-4578-35A5-AE61-C7D15C76E822}"/>
+              </a:ext>
+            </a:extLst>
+          </p:cNvPr>
+          <p:cNvSpPr txBox="1"/>
+          <p:nvPr/>
+        </p:nvSpPr>
+        <p:spPr>
+          <a:xfrm>
+            <a:off x="275394" y="11475334"/>
+            <a:ext cx="10955870" cy="817243"/>
+          </a:xfrm>
+          <a:prstGeom prst="roundRect">
+            <a:avLst/>
+          </a:prstGeom>
+          <a:ln/>
+        </p:spPr>
+        <p:style>
+          <a:lnRef idx="1">
+            <a:schemeClr val="accent4"/>
+          </a:lnRef>
+          <a:fillRef idx="2">
+            <a:schemeClr val="accent4"/>
+          </a:fillRef>
+          <a:effectRef idx="1">
+            <a:schemeClr val="accent4"/>
+          </a:effectRef>
+          <a:fontRef idx="minor">
+            <a:schemeClr val="dk1"/>
+          </a:fontRef>
+        </p:style>
+        <p:txBody>
+          <a:bodyPr rot="0" spcFirstLastPara="1" vertOverflow="overflow" horzOverflow="overflow" vert="horz" wrap="square" lIns="45719" tIns="45719" rIns="45719" bIns="45719" numCol="1" spcCol="38100" rtlCol="0" anchor="t">
+            <a:spAutoFit/>
+          </a:bodyPr>
+          <a:lstStyle/>
+          <a:p>
+            <a:pPr marL="95250" algn="ctr"/>
+            <a:r>
+              <a:rPr kumimoji="0" lang="en-US" altLang="zh-CN" sz="2100" b="1" i="1" u="none" strike="noStrike" cap="none" spc="0" normalizeH="0" baseline="0" dirty="0">
+                <a:ln>
+                  <a:noFill/>
+                </a:ln>
+                <a:solidFill>
+                  <a:srgbClr val="000000"/>
+                </a:solidFill>
+                <a:effectLst/>
+                <a:uFillTx/>
+                <a:latin typeface="Arial" panose="020B0604020202020204" pitchFamily="34" charset="0"/>
+                <a:cs typeface="Arial" panose="020B0604020202020204" pitchFamily="34" charset="0"/>
+                <a:sym typeface="Calibri"/>
+              </a:rPr>
+              <a:t>Question: </a:t>
+            </a:r>
+            <a:r>
+              <a:rPr lang="en-US" altLang="zh-CN" sz="2100" b="1" i="1" dirty="0">
+                <a:solidFill>
+                  <a:srgbClr val="000000"/>
+                </a:solidFill>
+                <a:latin typeface="Arial" panose="020B0604020202020204" pitchFamily="34" charset="0"/>
+                <a:cs typeface="Arial" panose="020B0604020202020204" pitchFamily="34" charset="0"/>
+              </a:rPr>
+              <a:t> </a:t>
+            </a:r>
+            <a:r>
+              <a:rPr lang="en-US" altLang="zh-CN" sz="2100" i="1" dirty="0">
+                <a:solidFill>
+                  <a:srgbClr val="000000"/>
+                </a:solidFill>
+                <a:latin typeface="Arial" panose="020B0604020202020204" pitchFamily="34" charset="0"/>
+                <a:cs typeface="Arial" panose="020B0604020202020204" pitchFamily="34" charset="0"/>
+              </a:rPr>
+              <a:t>A</a:t>
+            </a:r>
+            <a:r>
+              <a:rPr kumimoji="0" lang="en-US" altLang="zh-CN" sz="2100" b="0" i="1" u="none" strike="noStrike" cap="none" spc="0" normalizeH="0" baseline="0" dirty="0">
+                <a:ln>
+                  <a:noFill/>
+                </a:ln>
+                <a:solidFill>
+                  <a:srgbClr val="000000"/>
+                </a:solidFill>
+                <a:effectLst/>
+                <a:uFillTx/>
+                <a:latin typeface="Arial" panose="020B0604020202020204" pitchFamily="34" charset="0"/>
+                <a:cs typeface="Arial" panose="020B0604020202020204" pitchFamily="34" charset="0"/>
+                <a:sym typeface="Calibri"/>
+              </a:rPr>
+              <a:t> large-scale autonomous decentralized learning method that can avoid data, models, and objective functions transparency?</a:t>
+            </a:r>
+            <a:endParaRPr kumimoji="0" lang="zh-CN" altLang="en-US" sz="2100" b="0" i="0" u="none" strike="noStrike" cap="none" spc="0" normalizeH="0" baseline="0" dirty="0">
+              <a:ln>
+                <a:noFill/>
+              </a:ln>
+              <a:solidFill>
+                <a:srgbClr val="000000"/>
+              </a:solidFill>
+              <a:effectLst/>
+              <a:uFillTx/>
+              <a:latin typeface="+mn-lt"/>
+              <a:ea typeface="+mn-ea"/>
+              <a:cs typeface="+mn-cs"/>
+              <a:sym typeface="Calibri"/>
+            </a:endParaRPr>
+          </a:p>
+        </p:txBody>
+      </p:sp>
+      <p:sp>
+        <p:nvSpPr>
+          <p:cNvPr id="22" name="TextBox 54">
+            <a:extLst>
+              <a:ext uri="{FF2B5EF4-FFF2-40B4-BE49-F238E27FC236}">
+                <a16:creationId xmlns:a16="http://schemas.microsoft.com/office/drawing/2014/main" id="{918DAFB5-5124-9C72-EE94-448EF8F3B12A}"/>
+              </a:ext>
+            </a:extLst>
+          </p:cNvPr>
+          <p:cNvSpPr txBox="1"/>
+          <p:nvPr/>
+        </p:nvSpPr>
+        <p:spPr>
+          <a:xfrm>
+            <a:off x="101679" y="15641180"/>
+            <a:ext cx="11172654" cy="292388"/>
+          </a:xfrm>
+          <a:prstGeom prst="rect">
+            <a:avLst/>
+          </a:prstGeom>
+          <a:ln w="12700">
+            <a:miter lim="400000"/>
+          </a:ln>
+          <a:extLst>
+            <a:ext uri="{C572A759-6A51-4108-AA02-DFA0A04FC94B}">
+              <ma14:wrappingTextBoxFlag xmlns="" xmlns:m="http://schemas.openxmlformats.org/officeDocument/2006/math" xmlns:a14="http://schemas.microsoft.com/office/drawing/2010/main" xmlns:ma14="http://schemas.microsoft.com/office/mac/drawingml/2011/main" val="1"/>
+            </a:ext>
+          </a:extLst>
+        </p:spPr>
+        <p:txBody>
+          <a:bodyPr wrap="square" lIns="45719" rIns="45719">
+            <a:spAutoFit/>
+          </a:bodyPr>
+          <a:lstStyle>
+            <a:lvl1pPr algn="ctr">
+              <a:defRPr sz="1300">
+                <a:solidFill>
+                  <a:srgbClr val="344854"/>
+                </a:solidFill>
+                <a:latin typeface="Arial"/>
+                <a:ea typeface="Arial"/>
+                <a:cs typeface="Arial"/>
+                <a:sym typeface="Arial"/>
+              </a:defRPr>
+            </a:lvl1pPr>
+          </a:lstStyle>
+          <a:p>
+            <a:r>
+              <a:rPr lang="en-US" b="1" dirty="0">
+                <a:solidFill>
+                  <a:schemeClr val="tx1"/>
+                </a:solidFill>
+              </a:rPr>
+              <a:t>Figure 1</a:t>
+            </a:r>
+            <a:r>
+              <a:rPr lang="en-US" dirty="0">
+                <a:solidFill>
+                  <a:schemeClr val="tx1"/>
+                </a:solidFill>
+              </a:rPr>
+              <a:t>. Decentralized organizations form a community of shared interest to provide better Machine Learning-as-a-Service.</a:t>
+            </a:r>
+          </a:p>
+        </p:txBody>
+      </p:sp>
+      <p:sp>
+        <p:nvSpPr>
+          <p:cNvPr id="23" name="文本框 22">
+            <a:extLst>
+              <a:ext uri="{FF2B5EF4-FFF2-40B4-BE49-F238E27FC236}">
+                <a16:creationId xmlns:a16="http://schemas.microsoft.com/office/drawing/2014/main" id="{E81F54CC-9387-7589-687A-6EAF16CA2341}"/>
+              </a:ext>
+            </a:extLst>
+          </p:cNvPr>
+          <p:cNvSpPr txBox="1"/>
+          <p:nvPr/>
+        </p:nvSpPr>
+        <p:spPr>
+          <a:xfrm>
+            <a:off x="11599061" y="3632130"/>
+            <a:ext cx="10347301" cy="615551"/>
+          </a:xfrm>
+          <a:prstGeom prst="rect">
+            <a:avLst/>
+          </a:prstGeom>
+          <a:noFill/>
+          <a:ln w="76200" cap="flat">
+            <a:noFill/>
+            <a:miter lim="400000"/>
+          </a:ln>
+          <a:effectLst/>
+          <a:sp3d/>
+        </p:spPr>
+        <p:style>
+          <a:lnRef idx="0">
+            <a:scrgbClr r="0" g="0" b="0"/>
+          </a:lnRef>
+          <a:fillRef idx="0">
+            <a:scrgbClr r="0" g="0" b="0"/>
+          </a:fillRef>
+          <a:effectRef idx="0">
+            <a:scrgbClr r="0" g="0" b="0"/>
+          </a:effectRef>
+          <a:fontRef idx="none"/>
+        </p:style>
+        <p:txBody>
+          <a:bodyPr rot="0" spcFirstLastPara="1" vertOverflow="overflow" horzOverflow="overflow" vert="horz" wrap="square" lIns="45719" tIns="45719" rIns="45719" bIns="45719" numCol="1" spcCol="38100" rtlCol="0" anchor="t">
+            <a:spAutoFit/>
+          </a:bodyPr>
+          <a:lstStyle/>
+          <a:p>
+            <a:pPr marL="0" marR="0" lvl="0" indent="0" algn="ctr" defTabSz="326532" rtl="0" eaLnBrk="1" fontAlgn="auto" latinLnBrk="0" hangingPunct="0">
+              <a:lnSpc>
+                <a:spcPct val="100000"/>
+              </a:lnSpc>
+              <a:spcBef>
+                <a:spcPts val="0"/>
+              </a:spcBef>
+              <a:spcAft>
+                <a:spcPts val="0"/>
+              </a:spcAft>
+              <a:buClrTx/>
+              <a:buSzTx/>
+              <a:buFontTx/>
+              <a:buNone/>
+              <a:tabLst/>
+              <a:defRPr/>
+            </a:pPr>
+            <a:r>
+              <a:rPr kumimoji="0" lang="en-US" altLang="zh-CN" sz="3400" b="0" i="0" u="none" strike="noStrike" kern="0" cap="none" spc="0" normalizeH="0" baseline="0" noProof="0" dirty="0">
+                <a:ln>
+                  <a:noFill/>
+                </a:ln>
+                <a:solidFill>
+                  <a:schemeClr val="accent1"/>
+                </a:solidFill>
+                <a:effectLst/>
+                <a:uLnTx/>
+                <a:uFillTx/>
+                <a:latin typeface="Arial" panose="020B0604020202020204" pitchFamily="34" charset="0"/>
+                <a:cs typeface="Arial" panose="020B0604020202020204" pitchFamily="34" charset="0"/>
+                <a:sym typeface="Calibri"/>
+              </a:rPr>
+              <a:t>Method</a:t>
+            </a:r>
+          </a:p>
+        </p:txBody>
+      </p:sp>
+      <p:sp>
+        <p:nvSpPr>
+          <p:cNvPr id="24" name="文本框 23">
+            <a:extLst>
+              <a:ext uri="{FF2B5EF4-FFF2-40B4-BE49-F238E27FC236}">
+                <a16:creationId xmlns:a16="http://schemas.microsoft.com/office/drawing/2014/main" id="{3C4185BF-2E2D-EA8F-12E8-77444F80ED04}"/>
+              </a:ext>
+            </a:extLst>
+          </p:cNvPr>
+          <p:cNvSpPr txBox="1"/>
+          <p:nvPr/>
+        </p:nvSpPr>
+        <p:spPr>
+          <a:xfrm>
+            <a:off x="151461" y="3595613"/>
+            <a:ext cx="11057647" cy="615551"/>
+          </a:xfrm>
+          <a:prstGeom prst="rect">
+            <a:avLst/>
+          </a:prstGeom>
+          <a:noFill/>
+          <a:ln w="76200" cap="flat">
+            <a:noFill/>
+            <a:miter lim="400000"/>
+          </a:ln>
+          <a:effectLst/>
+          <a:sp3d/>
+        </p:spPr>
+        <p:style>
+          <a:lnRef idx="0">
+            <a:scrgbClr r="0" g="0" b="0"/>
+          </a:lnRef>
+          <a:fillRef idx="0">
+            <a:scrgbClr r="0" g="0" b="0"/>
+          </a:fillRef>
+          <a:effectRef idx="0">
+            <a:scrgbClr r="0" g="0" b="0"/>
+          </a:effectRef>
+          <a:fontRef idx="none"/>
+        </p:style>
+        <p:txBody>
+          <a:bodyPr rot="0" spcFirstLastPara="1" vertOverflow="overflow" horzOverflow="overflow" vert="horz" wrap="square" lIns="45719" tIns="45719" rIns="45719" bIns="45719" numCol="1" spcCol="38100" rtlCol="0" anchor="t">
+            <a:spAutoFit/>
+          </a:bodyPr>
+          <a:lstStyle/>
+          <a:p>
+            <a:pPr marL="0" marR="0" lvl="0" indent="0" algn="ctr" defTabSz="326532" rtl="0" eaLnBrk="1" fontAlgn="auto" latinLnBrk="0" hangingPunct="0">
+              <a:lnSpc>
+                <a:spcPct val="100000"/>
+              </a:lnSpc>
+              <a:spcBef>
+                <a:spcPts val="0"/>
+              </a:spcBef>
+              <a:spcAft>
+                <a:spcPts val="0"/>
+              </a:spcAft>
+              <a:buClrTx/>
+              <a:buSzTx/>
+              <a:buFontTx/>
+              <a:buNone/>
+              <a:tabLst/>
+              <a:defRPr/>
+            </a:pPr>
+            <a:r>
+              <a:rPr kumimoji="0" lang="en-US" altLang="zh-CN" sz="3400" b="0" i="0" u="none" strike="noStrike" kern="0" cap="none" spc="0" normalizeH="0" baseline="0" noProof="0" dirty="0">
+                <a:ln>
+                  <a:noFill/>
+                </a:ln>
+                <a:solidFill>
+                  <a:schemeClr val="accent1"/>
+                </a:solidFill>
+                <a:effectLst/>
+                <a:uLnTx/>
+                <a:uFillTx/>
+                <a:latin typeface="Arial" panose="020B0604020202020204" pitchFamily="34" charset="0"/>
+                <a:cs typeface="Arial" panose="020B0604020202020204" pitchFamily="34" charset="0"/>
+                <a:sym typeface="Calibri"/>
+              </a:rPr>
+              <a:t>Overview</a:t>
+            </a:r>
+          </a:p>
+        </p:txBody>
+      </p:sp>
+      <p:sp>
+        <p:nvSpPr>
+          <p:cNvPr id="56" name="TextBox 54">
+            <a:extLst>
+              <a:ext uri="{FF2B5EF4-FFF2-40B4-BE49-F238E27FC236}">
+                <a16:creationId xmlns:a16="http://schemas.microsoft.com/office/drawing/2014/main" id="{A6553FAF-4370-4F1A-B7C9-D258355D9801}"/>
+              </a:ext>
+            </a:extLst>
+          </p:cNvPr>
+          <p:cNvSpPr txBox="1"/>
+          <p:nvPr/>
+        </p:nvSpPr>
+        <p:spPr>
+          <a:xfrm>
+            <a:off x="11736193" y="8781411"/>
+            <a:ext cx="10406910" cy="292388"/>
+          </a:xfrm>
+          <a:prstGeom prst="rect">
+            <a:avLst/>
+          </a:prstGeom>
+          <a:ln w="12700">
+            <a:miter lim="400000"/>
+          </a:ln>
+          <a:extLst>
+            <a:ext uri="{C572A759-6A51-4108-AA02-DFA0A04FC94B}">
+              <ma14:wrappingTextBoxFlag xmlns="" xmlns:m="http://schemas.openxmlformats.org/officeDocument/2006/math" xmlns:a14="http://schemas.microsoft.com/office/drawing/2010/main" xmlns:ma14="http://schemas.microsoft.com/office/mac/drawingml/2011/main" val="1"/>
+            </a:ext>
+          </a:extLst>
+        </p:spPr>
+        <p:txBody>
+          <a:bodyPr wrap="square" lIns="45719" rIns="45719">
+            <a:spAutoFit/>
+          </a:bodyPr>
+          <a:lstStyle>
+            <a:lvl1pPr algn="ctr">
+              <a:defRPr sz="1300">
+                <a:solidFill>
+                  <a:srgbClr val="344854"/>
+                </a:solidFill>
+                <a:latin typeface="Arial"/>
+                <a:ea typeface="Arial"/>
+                <a:cs typeface="Arial"/>
+                <a:sym typeface="Arial"/>
+              </a:defRPr>
+            </a:lvl1pPr>
+          </a:lstStyle>
+          <a:p>
+            <a:r>
+              <a:rPr lang="en-US" b="1" dirty="0">
+                <a:solidFill>
+                  <a:schemeClr val="tx1"/>
+                </a:solidFill>
+              </a:rPr>
+              <a:t>Figure 2</a:t>
+            </a:r>
+            <a:r>
+              <a:rPr lang="en-US" dirty="0">
+                <a:solidFill>
+                  <a:schemeClr val="tx1"/>
+                </a:solidFill>
+              </a:rPr>
+              <a:t>. Illustration of organizations' vertically distributed data.</a:t>
+            </a:r>
+          </a:p>
+        </p:txBody>
+      </p:sp>
+      <p:sp>
+        <p:nvSpPr>
+          <p:cNvPr id="61" name="TextBox 54">
+            <a:extLst>
+              <a:ext uri="{FF2B5EF4-FFF2-40B4-BE49-F238E27FC236}">
+                <a16:creationId xmlns:a16="http://schemas.microsoft.com/office/drawing/2014/main" id="{7F4E1E93-F2C3-710B-7E55-66CD51F629E0}"/>
+              </a:ext>
+            </a:extLst>
+          </p:cNvPr>
+          <p:cNvSpPr txBox="1"/>
+          <p:nvPr/>
+        </p:nvSpPr>
+        <p:spPr>
+          <a:xfrm>
+            <a:off x="12146759" y="17371137"/>
+            <a:ext cx="9491714" cy="307777"/>
+          </a:xfrm>
+          <a:prstGeom prst="rect">
+            <a:avLst/>
+          </a:prstGeom>
+          <a:ln w="12700">
+            <a:miter lim="400000"/>
+          </a:ln>
+          <a:extLst>
+            <a:ext uri="{C572A759-6A51-4108-AA02-DFA0A04FC94B}">
+              <ma14:wrappingTextBoxFlag xmlns="" xmlns:m="http://schemas.openxmlformats.org/officeDocument/2006/math" xmlns:a14="http://schemas.microsoft.com/office/drawing/2010/main" xmlns:ma14="http://schemas.microsoft.com/office/mac/drawingml/2011/main" val="1"/>
+            </a:ext>
+          </a:extLst>
+        </p:spPr>
+        <p:txBody>
+          <a:bodyPr wrap="square" lIns="45719" rIns="45719">
+            <a:spAutoFit/>
+          </a:bodyPr>
+          <a:lstStyle>
+            <a:lvl1pPr algn="ctr">
+              <a:defRPr sz="1300">
+                <a:solidFill>
+                  <a:srgbClr val="344854"/>
+                </a:solidFill>
+                <a:latin typeface="Arial"/>
+                <a:ea typeface="Arial"/>
+                <a:cs typeface="Arial"/>
+                <a:sym typeface="Arial"/>
+              </a:defRPr>
+            </a:lvl1pPr>
+          </a:lstStyle>
+          <a:p>
+            <a:r>
+              <a:rPr lang="en-US" b="1" dirty="0">
+                <a:solidFill>
+                  <a:schemeClr val="tx1"/>
+                </a:solidFill>
+              </a:rPr>
+              <a:t>Figure 3</a:t>
+            </a:r>
+            <a:r>
+              <a:rPr lang="en-US" dirty="0">
+                <a:solidFill>
+                  <a:schemeClr val="tx1"/>
+                </a:solidFill>
+              </a:rPr>
+              <a:t>. </a:t>
+            </a:r>
+            <a:r>
+              <a:rPr lang="en-US" altLang="zh-CN" sz="1400" b="0" i="0" dirty="0">
+                <a:solidFill>
+                  <a:srgbClr val="000000"/>
+                </a:solidFill>
+                <a:effectLst/>
+                <a:latin typeface="NimbusRomNo9L-Regu"/>
+              </a:rPr>
+              <a:t>Learning and Prediction Stages for Gradient Assisted Learning (GAL)</a:t>
+            </a:r>
+            <a:r>
+              <a:rPr lang="en-US" altLang="zh-CN" sz="1400" dirty="0">
+                <a:solidFill>
+                  <a:srgbClr val="000000"/>
+                </a:solidFill>
+                <a:latin typeface="NimbusRomNo9L-Regu"/>
+              </a:rPr>
+              <a:t>.</a:t>
+            </a:r>
+            <a:endParaRPr lang="en-US" dirty="0">
+              <a:solidFill>
+                <a:schemeClr val="tx1"/>
+              </a:solidFill>
+            </a:endParaRPr>
+          </a:p>
+        </p:txBody>
+      </p:sp>
+      <p:sp>
+        <p:nvSpPr>
+          <p:cNvPr id="64" name="文本框 63">
+            <a:extLst>
+              <a:ext uri="{FF2B5EF4-FFF2-40B4-BE49-F238E27FC236}">
+                <a16:creationId xmlns:a16="http://schemas.microsoft.com/office/drawing/2014/main" id="{43F59D1C-D300-6AB9-293E-A9EFB3183807}"/>
+              </a:ext>
+            </a:extLst>
+          </p:cNvPr>
+          <p:cNvSpPr txBox="1"/>
+          <p:nvPr/>
+        </p:nvSpPr>
+        <p:spPr>
+          <a:xfrm>
+            <a:off x="22271090" y="3599325"/>
+            <a:ext cx="10422159" cy="615551"/>
+          </a:xfrm>
+          <a:prstGeom prst="rect">
+            <a:avLst/>
+          </a:prstGeom>
+          <a:noFill/>
+          <a:ln w="76200" cap="flat">
+            <a:noFill/>
+            <a:miter lim="400000"/>
+          </a:ln>
+          <a:effectLst/>
+          <a:sp3d/>
+        </p:spPr>
+        <p:style>
+          <a:lnRef idx="0">
+            <a:scrgbClr r="0" g="0" b="0"/>
+          </a:lnRef>
+          <a:fillRef idx="0">
+            <a:scrgbClr r="0" g="0" b="0"/>
+          </a:fillRef>
+          <a:effectRef idx="0">
+            <a:scrgbClr r="0" g="0" b="0"/>
+          </a:effectRef>
+          <a:fontRef idx="none"/>
+        </p:style>
+        <p:txBody>
+          <a:bodyPr rot="0" spcFirstLastPara="1" vertOverflow="overflow" horzOverflow="overflow" vert="horz" wrap="square" lIns="45719" tIns="45719" rIns="45719" bIns="45719" numCol="1" spcCol="38100" rtlCol="0" anchor="t">
+            <a:spAutoFit/>
+          </a:bodyPr>
+          <a:lstStyle/>
+          <a:p>
+            <a:pPr marL="0" marR="0" lvl="0" indent="0" algn="ctr" defTabSz="326532" rtl="0" eaLnBrk="1" fontAlgn="auto" latinLnBrk="0" hangingPunct="0">
+              <a:lnSpc>
+                <a:spcPct val="100000"/>
+              </a:lnSpc>
+              <a:spcBef>
+                <a:spcPts val="0"/>
+              </a:spcBef>
+              <a:spcAft>
+                <a:spcPts val="0"/>
+              </a:spcAft>
+              <a:buClrTx/>
+              <a:buSzTx/>
+              <a:buFontTx/>
+              <a:buNone/>
+              <a:tabLst/>
+              <a:defRPr/>
+            </a:pPr>
+            <a:r>
+              <a:rPr kumimoji="0" lang="en-US" altLang="zh-CN" sz="3400" b="0" i="0" u="none" strike="noStrike" kern="0" cap="none" spc="0" normalizeH="0" baseline="0" noProof="0" dirty="0">
+                <a:ln>
+                  <a:noFill/>
+                </a:ln>
+                <a:solidFill>
+                  <a:schemeClr val="accent1"/>
+                </a:solidFill>
+                <a:effectLst/>
+                <a:uLnTx/>
+                <a:uFillTx/>
+                <a:latin typeface="Arial" panose="020B0604020202020204" pitchFamily="34" charset="0"/>
+                <a:cs typeface="Arial" panose="020B0604020202020204" pitchFamily="34" charset="0"/>
+                <a:sym typeface="Calibri"/>
+              </a:rPr>
+              <a:t>Experiments</a:t>
+            </a:r>
+          </a:p>
+        </p:txBody>
+      </p:sp>
+      <mc:AlternateContent xmlns:mc="http://schemas.openxmlformats.org/markup-compatibility/2006">
+        <mc:Choice xmlns:a14="http://schemas.microsoft.com/office/drawing/2010/main" Requires="a14">
+          <p:sp>
+            <p:nvSpPr>
+              <p:cNvPr id="68" name="文本框 67">
+                <a:extLst>
+                  <a:ext uri="{FF2B5EF4-FFF2-40B4-BE49-F238E27FC236}">
+                    <a16:creationId xmlns:a16="http://schemas.microsoft.com/office/drawing/2014/main" id="{1A1EF0D5-2F7F-7C2D-6EB5-196F94B397E6}"/>
+                  </a:ext>
+                </a:extLst>
+              </p:cNvPr>
+              <p:cNvSpPr txBox="1"/>
+              <p:nvPr/>
+            </p:nvSpPr>
+            <p:spPr>
+              <a:xfrm>
+                <a:off x="11687536" y="18082571"/>
+                <a:ext cx="10158085" cy="1431159"/>
+              </a:xfrm>
+              <a:prstGeom prst="rect">
+                <a:avLst/>
+              </a:prstGeom>
+              <a:noFill/>
+              <a:ln w="12700" cap="flat">
+                <a:noFill/>
+                <a:miter lim="400000"/>
+              </a:ln>
+              <a:effectLst/>
+              <a:sp3d/>
+            </p:spPr>
+            <p:style>
+              <a:lnRef idx="0">
+                <a:scrgbClr r="0" g="0" b="0"/>
+              </a:lnRef>
+              <a:fillRef idx="0">
+                <a:scrgbClr r="0" g="0" b="0"/>
+              </a:fillRef>
+              <a:effectRef idx="0">
+                <a:scrgbClr r="0" g="0" b="0"/>
+              </a:effectRef>
+              <a:fontRef idx="none"/>
+            </p:style>
+            <p:txBody>
+              <a:bodyPr rot="0" spcFirstLastPara="1" vertOverflow="overflow" horzOverflow="overflow" vert="horz" wrap="square" lIns="45719" tIns="45719" rIns="45719" bIns="45719" numCol="1" spcCol="38100" rtlCol="0" anchor="t">
+                <a:spAutoFit/>
+              </a:bodyPr>
+              <a:lstStyle/>
+              <a:p>
+                <a:pPr algn="just"/>
+                <a:r>
+                  <a:rPr lang="en-US" altLang="zh-CN" sz="2100" dirty="0">
+                    <a:latin typeface="Arial" panose="020B0604020202020204" pitchFamily="34" charset="0"/>
+                    <a:cs typeface="Arial" panose="020B0604020202020204" pitchFamily="34" charset="0"/>
+                  </a:rPr>
+                  <a:t>We also provide an asymptotic convergence analysis for the GAL algorithm, where the goal is to minimize a loss </a:t>
+                </a:r>
+                <a14:m>
+                  <m:oMath xmlns:m="http://schemas.openxmlformats.org/officeDocument/2006/math">
+                    <m:r>
+                      <a:rPr lang="en-US" altLang="zh-CN" sz="2100" i="1" smtClean="0">
+                        <a:effectLst/>
+                        <a:latin typeface="Cambria Math" panose="02040503050406030204" pitchFamily="18" charset="0"/>
+                        <a:ea typeface="等线" panose="02010600030101010101" pitchFamily="2" charset="-122"/>
+                        <a:cs typeface="Arial" panose="020B0604020202020204" pitchFamily="34" charset="0"/>
+                      </a:rPr>
+                      <m:t>𝑓</m:t>
+                    </m:r>
+                    <m:r>
+                      <a:rPr lang="en-US" altLang="zh-CN" sz="2100">
+                        <a:effectLst/>
+                        <a:latin typeface="Cambria Math" panose="02040503050406030204" pitchFamily="18" charset="0"/>
+                        <a:ea typeface="等线" panose="02010600030101010101" pitchFamily="2" charset="-122"/>
+                        <a:cs typeface="Arial" panose="020B0604020202020204" pitchFamily="34" charset="0"/>
+                      </a:rPr>
+                      <m:t>↦</m:t>
+                    </m:r>
+                    <m:r>
+                      <a:rPr lang="en-US" altLang="zh-CN" sz="2100" i="1">
+                        <a:effectLst/>
+                        <a:latin typeface="Cambria Math" panose="02040503050406030204" pitchFamily="18" charset="0"/>
+                        <a:ea typeface="等线" panose="02010600030101010101" pitchFamily="2" charset="-122"/>
+                        <a:cs typeface="Arial" panose="020B0604020202020204" pitchFamily="34" charset="0"/>
+                      </a:rPr>
+                      <m:t>ℒ</m:t>
+                    </m:r>
+                    <m:d>
+                      <m:dPr>
+                        <m:ctrlPr>
+                          <a:rPr lang="zh-CN" altLang="zh-CN" sz="2100" i="1">
+                            <a:effectLst/>
+                            <a:latin typeface="Cambria Math" panose="02040503050406030204" pitchFamily="18" charset="0"/>
+                            <a:ea typeface="Cambria Math" panose="02040503050406030204" pitchFamily="18" charset="0"/>
+                          </a:rPr>
+                        </m:ctrlPr>
+                      </m:dPr>
+                      <m:e>
+                        <m:r>
+                          <a:rPr lang="en-US" altLang="zh-CN" sz="2100" i="1">
+                            <a:effectLst/>
+                            <a:latin typeface="Cambria Math" panose="02040503050406030204" pitchFamily="18" charset="0"/>
+                            <a:ea typeface="等线" panose="02010600030101010101" pitchFamily="2" charset="-122"/>
+                            <a:cs typeface="Arial" panose="020B0604020202020204" pitchFamily="34" charset="0"/>
+                          </a:rPr>
+                          <m:t>𝑓</m:t>
+                        </m:r>
+                      </m:e>
+                    </m:d>
+                  </m:oMath>
+                </a14:m>
+                <a:r>
+                  <a:rPr lang="en-US" altLang="zh-CN" sz="2100" dirty="0">
+                    <a:latin typeface="Arial" panose="020B0604020202020204" pitchFamily="34" charset="0"/>
+                    <a:cs typeface="Arial" panose="020B0604020202020204" pitchFamily="34" charset="0"/>
+                  </a:rPr>
+                  <a:t> over a function class through step-wise function aggregations. Because of the greedy nature of GAL, we consider the function class to be the linear span of organization-specific</a:t>
+                </a:r>
+                <a:r>
+                  <a:rPr lang="zh-CN" altLang="zh-CN" sz="2400" kern="100" dirty="0">
+                    <a:ea typeface="Cambria Math" panose="02040503050406030204" pitchFamily="18" charset="0"/>
+                    <a:cs typeface="Arial" panose="020B0604020202020204" pitchFamily="34" charset="0"/>
+                  </a:rPr>
+                  <a:t> </a:t>
+                </a:r>
+                <a14:m>
+                  <m:oMath xmlns:m="http://schemas.openxmlformats.org/officeDocument/2006/math">
+                    <m:sSub>
+                      <m:sSubPr>
+                        <m:ctrlPr>
+                          <a:rPr lang="zh-CN" altLang="zh-CN" sz="2400" i="1" kern="100">
+                            <a:latin typeface="Cambria Math" panose="02040503050406030204" pitchFamily="18" charset="0"/>
+                            <a:ea typeface="Cambria Math" panose="02040503050406030204" pitchFamily="18" charset="0"/>
+                            <a:cs typeface="Arial" panose="020B0604020202020204" pitchFamily="34" charset="0"/>
+                          </a:rPr>
+                        </m:ctrlPr>
+                      </m:sSubPr>
+                      <m:e>
+                        <m:r>
+                          <a:rPr lang="en-US" altLang="zh-CN" sz="2400" i="1" kern="100">
+                            <a:latin typeface="Cambria Math" panose="02040503050406030204" pitchFamily="18" charset="0"/>
+                            <a:ea typeface="等线" panose="02010600030101010101" pitchFamily="2" charset="-122"/>
+                            <a:cs typeface="Arial" panose="020B0604020202020204" pitchFamily="34" charset="0"/>
+                          </a:rPr>
+                          <m:t>ℱ</m:t>
+                        </m:r>
+                      </m:e>
+                      <m:sub>
+                        <m:r>
+                          <a:rPr lang="en-US" altLang="zh-CN" sz="2400" i="1" kern="100">
+                            <a:latin typeface="Cambria Math" panose="02040503050406030204" pitchFamily="18" charset="0"/>
+                            <a:ea typeface="等线" panose="02010600030101010101" pitchFamily="2" charset="-122"/>
+                            <a:cs typeface="Arial" panose="020B0604020202020204" pitchFamily="34" charset="0"/>
+                          </a:rPr>
+                          <m:t>𝑚</m:t>
+                        </m:r>
+                      </m:sub>
+                    </m:sSub>
+                  </m:oMath>
+                </a14:m>
+                <a:r>
+                  <a:rPr lang="en-US" altLang="zh-CN" sz="2100" dirty="0">
+                    <a:latin typeface="Arial" panose="020B0604020202020204" pitchFamily="34" charset="0"/>
+                    <a:cs typeface="Arial" panose="020B0604020202020204" pitchFamily="34" charset="0"/>
+                  </a:rPr>
+                  <a:t>.</a:t>
+                </a:r>
+                <a:endParaRPr lang="en-US" altLang="zh-CN" sz="2100" i="0" dirty="0">
+                  <a:effectLst/>
+                  <a:latin typeface="Arial" panose="020B0604020202020204" pitchFamily="34" charset="0"/>
+                  <a:cs typeface="Arial" panose="020B0604020202020204" pitchFamily="34" charset="0"/>
+                </a:endParaRPr>
+              </a:p>
+            </p:txBody>
+          </p:sp>
+        </mc:Choice>
+        <mc:Fallback>
+          <p:sp>
+            <p:nvSpPr>
+              <p:cNvPr id="68" name="文本框 67">
+                <a:extLst>
+                  <a:ext uri="{FF2B5EF4-FFF2-40B4-BE49-F238E27FC236}">
+                    <a16:creationId xmlns:a16="http://schemas.microsoft.com/office/drawing/2014/main" id="{1A1EF0D5-2F7F-7C2D-6EB5-196F94B397E6}"/>
+                  </a:ext>
+                </a:extLst>
+              </p:cNvPr>
+              <p:cNvSpPr txBox="1">
+                <a:spLocks noRot="1" noChangeAspect="1" noMove="1" noResize="1" noEditPoints="1" noAdjustHandles="1" noChangeArrowheads="1" noChangeShapeType="1" noTextEdit="1"/>
+              </p:cNvSpPr>
+              <p:nvPr/>
+            </p:nvSpPr>
+            <p:spPr>
+              <a:xfrm>
+                <a:off x="11687536" y="18082571"/>
+                <a:ext cx="10158085" cy="1431159"/>
+              </a:xfrm>
+              <a:prstGeom prst="rect">
+                <a:avLst/>
+              </a:prstGeom>
+              <a:blipFill>
+                <a:blip r:embed="rId8"/>
+                <a:stretch>
+                  <a:fillRect l="-1140" t="-2553" r="-1140" b="-5957"/>
+                </a:stretch>
+              </a:blipFill>
+              <a:ln w="12700" cap="flat">
+                <a:noFill/>
+                <a:miter lim="400000"/>
+              </a:ln>
+              <a:effectLst/>
+            </p:spPr>
+            <p:txBody>
+              <a:bodyPr/>
+              <a:lstStyle/>
+              <a:p>
+                <a:r>
+                  <a:rPr lang="zh-CN" altLang="en-US">
+                    <a:noFill/>
+                  </a:rPr>
+                  <a:t> </a:t>
+                </a:r>
+              </a:p>
+            </p:txBody>
+          </p:sp>
+        </mc:Fallback>
+      </mc:AlternateContent>
+      <p:sp>
+        <p:nvSpPr>
+          <p:cNvPr id="80" name="文本框 79">
+            <a:extLst>
+              <a:ext uri="{FF2B5EF4-FFF2-40B4-BE49-F238E27FC236}">
+                <a16:creationId xmlns:a16="http://schemas.microsoft.com/office/drawing/2014/main" id="{9867475D-3F0F-D006-60AB-2C7B49DDFF55}"/>
+              </a:ext>
+            </a:extLst>
+          </p:cNvPr>
+          <p:cNvSpPr txBox="1"/>
+          <p:nvPr/>
+        </p:nvSpPr>
+        <p:spPr>
+          <a:xfrm>
+            <a:off x="22374357" y="4119793"/>
+            <a:ext cx="10268650" cy="415496"/>
           </a:xfrm>
           <a:prstGeom prst="rect">
             <a:avLst/>
@@ -2667,15 +3436,2357 @@
           </a:bodyPr>
           <a:lstStyle/>
           <a:p>
+            <a:pPr marL="342900" marR="0" indent="-342900" algn="l" defTabSz="326532" rtl="0" fontAlgn="auto" latinLnBrk="0" hangingPunct="0">
+              <a:lnSpc>
+                <a:spcPct val="100000"/>
+              </a:lnSpc>
+              <a:spcBef>
+                <a:spcPts val="0"/>
+              </a:spcBef>
+              <a:spcAft>
+                <a:spcPts val="0"/>
+              </a:spcAft>
+              <a:buClrTx/>
+              <a:buSzTx/>
+              <a:buFont typeface="Arial" panose="020B0604020202020204" pitchFamily="34" charset="0"/>
+              <a:buChar char="•"/>
+              <a:tabLst/>
+            </a:pPr>
             <a:r>
-              <a:rPr lang="en-US" altLang="zh-CN" sz="2100" b="1" i="1" dirty="0">
+              <a:rPr lang="en-US" altLang="zh-CN" sz="2100" b="1" i="0" dirty="0">
+                <a:effectLst/>
+                <a:latin typeface="Arial" panose="020B0604020202020204" pitchFamily="34" charset="0"/>
+                <a:cs typeface="Arial" panose="020B0604020202020204" pitchFamily="34" charset="0"/>
+              </a:rPr>
+              <a:t>Datasets: </a:t>
+            </a:r>
+            <a:r>
+              <a:rPr lang="en-US" altLang="zh-CN" sz="2100" dirty="0">
+                <a:latin typeface="Arial" panose="020B0604020202020204" pitchFamily="34" charset="0"/>
+                <a:cs typeface="Arial" panose="020B0604020202020204" pitchFamily="34" charset="0"/>
+              </a:rPr>
+              <a:t>UCI, MNIST, CIFAR10, ModelNet40, ShapeNet55, and MIMIC3</a:t>
+            </a:r>
+            <a:endParaRPr kumimoji="0" lang="zh-CN" altLang="en-US" sz="2100" i="0" u="none" strike="noStrike" cap="none" spc="0" normalizeH="0" baseline="0" dirty="0">
+              <a:ln>
+                <a:noFill/>
+              </a:ln>
+              <a:solidFill>
+                <a:srgbClr val="000000"/>
+              </a:solidFill>
+              <a:effectLst/>
+              <a:uFillTx/>
+              <a:latin typeface="Arial" panose="020B0604020202020204" pitchFamily="34" charset="0"/>
+              <a:cs typeface="Arial" panose="020B0604020202020204" pitchFamily="34" charset="0"/>
+              <a:sym typeface="Calibri"/>
+            </a:endParaRPr>
+          </a:p>
+        </p:txBody>
+      </p:sp>
+      <mc:AlternateContent xmlns:mc="http://schemas.openxmlformats.org/markup-compatibility/2006">
+        <mc:Choice xmlns:a14="http://schemas.microsoft.com/office/drawing/2010/main" Requires="a14">
+          <p:sp>
+            <p:nvSpPr>
+              <p:cNvPr id="85" name="TextBox 54">
+                <a:extLst>
+                  <a:ext uri="{FF2B5EF4-FFF2-40B4-BE49-F238E27FC236}">
+                    <a16:creationId xmlns:a16="http://schemas.microsoft.com/office/drawing/2014/main" id="{87C585BF-38B1-F351-5D19-CDA1AD5B9D1C}"/>
+                  </a:ext>
+                </a:extLst>
+              </p:cNvPr>
+              <p:cNvSpPr txBox="1"/>
+              <p:nvPr/>
+            </p:nvSpPr>
+            <p:spPr>
+              <a:xfrm>
+                <a:off x="22242681" y="4864960"/>
+                <a:ext cx="10225339" cy="502895"/>
+              </a:xfrm>
+              <a:prstGeom prst="rect">
+                <a:avLst/>
+              </a:prstGeom>
+              <a:ln w="12700">
+                <a:miter lim="400000"/>
+              </a:ln>
+              <a:extLst>
+                <a:ext uri="{C572A759-6A51-4108-AA02-DFA0A04FC94B}">
+                  <ma14:wrappingTextBoxFlag xmlns="" xmlns:m="http://schemas.openxmlformats.org/officeDocument/2006/math" xmlns:ma14="http://schemas.microsoft.com/office/mac/drawingml/2011/main" val="1"/>
+                </a:ext>
+              </a:extLst>
+            </p:spPr>
+            <p:txBody>
+              <a:bodyPr wrap="square" lIns="45719" rIns="45719">
+                <a:spAutoFit/>
+              </a:bodyPr>
+              <a:lstStyle>
+                <a:lvl1pPr algn="ctr">
+                  <a:defRPr sz="1300">
+                    <a:solidFill>
+                      <a:srgbClr val="344854"/>
+                    </a:solidFill>
+                    <a:latin typeface="Arial"/>
+                    <a:ea typeface="Arial"/>
+                    <a:cs typeface="Arial"/>
+                    <a:sym typeface="Arial"/>
+                  </a:defRPr>
+                </a:lvl1pPr>
+              </a:lstStyle>
+              <a:p>
+                <a:r>
+                  <a:rPr lang="en-US" b="1" dirty="0">
+                    <a:solidFill>
+                      <a:schemeClr val="tx1"/>
+                    </a:solidFill>
+                  </a:rPr>
+                  <a:t>Table 1</a:t>
+                </a:r>
+                <a:r>
+                  <a:rPr lang="en-US" dirty="0">
+                    <a:solidFill>
+                      <a:schemeClr val="tx1"/>
+                    </a:solidFill>
+                  </a:rPr>
+                  <a:t>. Results of the UCI datasets (</a:t>
+                </a:r>
+                <a14:m>
+                  <m:oMath xmlns:m="http://schemas.openxmlformats.org/officeDocument/2006/math">
+                    <m:r>
+                      <a:rPr lang="en-US" altLang="zh-CN" i="1" smtClean="0">
+                        <a:solidFill>
+                          <a:schemeClr val="tx1"/>
+                        </a:solidFill>
+                        <a:effectLst/>
+                        <a:latin typeface="Cambria Math" panose="02040503050406030204" pitchFamily="18" charset="0"/>
+                        <a:ea typeface="等线" panose="02010600030101010101" pitchFamily="2" charset="-122"/>
+                        <a:cs typeface="Arial" panose="020B0604020202020204" pitchFamily="34" charset="0"/>
+                      </a:rPr>
+                      <m:t>𝑀</m:t>
+                    </m:r>
+                    <m:r>
+                      <a:rPr lang="en-US" altLang="zh-CN" i="1" smtClean="0">
+                        <a:solidFill>
+                          <a:schemeClr val="tx1"/>
+                        </a:solidFill>
+                        <a:effectLst/>
+                        <a:latin typeface="Cambria Math" panose="02040503050406030204" pitchFamily="18" charset="0"/>
+                        <a:ea typeface="等线" panose="02010600030101010101" pitchFamily="2" charset="-122"/>
+                        <a:cs typeface="Arial" panose="020B0604020202020204" pitchFamily="34" charset="0"/>
+                      </a:rPr>
+                      <m:t>=8</m:t>
+                    </m:r>
+                  </m:oMath>
+                </a14:m>
+                <a:r>
+                  <a:rPr lang="en-US" dirty="0">
+                    <a:solidFill>
+                      <a:schemeClr val="tx1"/>
+                    </a:solidFill>
+                  </a:rPr>
+                  <a:t>) with Linear, GB, SVM and GB-SVM models. </a:t>
+                </a:r>
+                <a:r>
+                  <a:rPr kumimoji="0" lang="zh-CN" altLang="en-US" b="0" i="0" u="none" strike="noStrike" kern="0" cap="none" spc="0" normalizeH="0" baseline="0" noProof="0" dirty="0">
+                    <a:ln>
+                      <a:noFill/>
+                    </a:ln>
+                    <a:solidFill>
+                      <a:schemeClr val="tx1"/>
+                    </a:solidFill>
+                    <a:effectLst/>
+                    <a:uLnTx/>
+                    <a:uFillTx/>
+                    <a:latin typeface="Arial" panose="020B0604020202020204" pitchFamily="34" charset="0"/>
+                    <a:cs typeface="Arial" panose="020B0604020202020204" pitchFamily="34" charset="0"/>
+                    <a:sym typeface="Calibri"/>
+                  </a:rPr>
+                  <a:t>an organization with little informative data and free choice of its local model (model autonomy) can leverage others' local data and models and even achieve near-oracle performance.</a:t>
+                </a:r>
+                <a:endParaRPr lang="en-US" dirty="0">
+                  <a:solidFill>
+                    <a:schemeClr val="tx1"/>
+                  </a:solidFill>
+                </a:endParaRPr>
+              </a:p>
+            </p:txBody>
+          </p:sp>
+        </mc:Choice>
+        <mc:Fallback>
+          <p:sp>
+            <p:nvSpPr>
+              <p:cNvPr id="85" name="TextBox 54">
+                <a:extLst>
+                  <a:ext uri="{FF2B5EF4-FFF2-40B4-BE49-F238E27FC236}">
+                    <a16:creationId xmlns:a16="http://schemas.microsoft.com/office/drawing/2014/main" id="{87C585BF-38B1-F351-5D19-CDA1AD5B9D1C}"/>
+                  </a:ext>
+                </a:extLst>
+              </p:cNvPr>
+              <p:cNvSpPr txBox="1">
+                <a:spLocks noRot="1" noChangeAspect="1" noMove="1" noResize="1" noEditPoints="1" noAdjustHandles="1" noChangeArrowheads="1" noChangeShapeType="1" noTextEdit="1"/>
+              </p:cNvSpPr>
+              <p:nvPr/>
+            </p:nvSpPr>
+            <p:spPr>
+              <a:xfrm>
+                <a:off x="22242681" y="4864960"/>
+                <a:ext cx="10225339" cy="502895"/>
+              </a:xfrm>
+              <a:prstGeom prst="rect">
+                <a:avLst/>
+              </a:prstGeom>
+              <a:blipFill>
+                <a:blip r:embed="rId9"/>
+                <a:stretch>
+                  <a:fillRect t="-1205" r="-119" b="-7229"/>
+                </a:stretch>
+              </a:blipFill>
+              <a:ln w="12700">
+                <a:miter lim="400000"/>
+              </a:ln>
+              <a:extLst>
+                <a:ext uri="{C572A759-6A51-4108-AA02-DFA0A04FC94B}">
+                  <ma14:wrappingTextBoxFlag xmlns="" xmlns:m="http://schemas.openxmlformats.org/officeDocument/2006/math" xmlns:a14="http://schemas.microsoft.com/office/drawing/2010/main" xmlns:ma14="http://schemas.microsoft.com/office/mac/drawingml/2011/main" val="1"/>
+                </a:ext>
+              </a:extLst>
+            </p:spPr>
+            <p:txBody>
+              <a:bodyPr/>
+              <a:lstStyle/>
+              <a:p>
+                <a:r>
+                  <a:rPr lang="zh-CN" altLang="en-US">
+                    <a:noFill/>
+                  </a:rPr>
+                  <a:t> </a:t>
+                </a:r>
+              </a:p>
+            </p:txBody>
+          </p:sp>
+        </mc:Fallback>
+      </mc:AlternateContent>
+      <p:sp>
+        <p:nvSpPr>
+          <p:cNvPr id="91" name="矩形: 圆角 90">
+            <a:extLst>
+              <a:ext uri="{FF2B5EF4-FFF2-40B4-BE49-F238E27FC236}">
+                <a16:creationId xmlns:a16="http://schemas.microsoft.com/office/drawing/2014/main" id="{BD10CCE4-AA74-97D6-1E54-A1C7CFA236D9}"/>
+              </a:ext>
+            </a:extLst>
+          </p:cNvPr>
+          <p:cNvSpPr/>
+          <p:nvPr/>
+        </p:nvSpPr>
+        <p:spPr>
+          <a:xfrm>
+            <a:off x="11599061" y="3625198"/>
+            <a:ext cx="10422159" cy="17964955"/>
+          </a:xfrm>
+          <a:prstGeom prst="roundRect">
+            <a:avLst>
+              <a:gd name="adj" fmla="val 3170"/>
+            </a:avLst>
+          </a:prstGeom>
+          <a:noFill/>
+          <a:ln w="76200" cap="flat">
+            <a:solidFill>
+              <a:schemeClr val="accent5"/>
+            </a:solidFill>
+            <a:prstDash val="solid"/>
+            <a:miter lim="800000"/>
+          </a:ln>
+          <a:effectLst/>
+          <a:sp3d/>
+        </p:spPr>
+        <p:style>
+          <a:lnRef idx="0">
+            <a:scrgbClr r="0" g="0" b="0"/>
+          </a:lnRef>
+          <a:fillRef idx="0">
+            <a:scrgbClr r="0" g="0" b="0"/>
+          </a:fillRef>
+          <a:effectRef idx="0">
+            <a:scrgbClr r="0" g="0" b="0"/>
+          </a:effectRef>
+          <a:fontRef idx="none"/>
+        </p:style>
+        <p:txBody>
+          <a:bodyPr rot="0" spcFirstLastPara="1" vertOverflow="overflow" horzOverflow="overflow" vert="horz" wrap="square" lIns="45719" tIns="45719" rIns="45719" bIns="45719" numCol="1" spcCol="38100" rtlCol="0" anchor="ctr">
+            <a:spAutoFit/>
+          </a:bodyPr>
+          <a:lstStyle/>
+          <a:p>
+            <a:pPr marL="0" marR="0" indent="0" algn="l" defTabSz="326532" rtl="0" fontAlgn="auto" latinLnBrk="0" hangingPunct="0">
+              <a:lnSpc>
+                <a:spcPct val="100000"/>
+              </a:lnSpc>
+              <a:spcBef>
+                <a:spcPts val="0"/>
+              </a:spcBef>
+              <a:spcAft>
+                <a:spcPts val="0"/>
+              </a:spcAft>
+              <a:buClrTx/>
+              <a:buSzTx/>
+              <a:buFontTx/>
+              <a:buNone/>
+              <a:tabLst/>
+            </a:pPr>
+            <a:endParaRPr kumimoji="0" lang="zh-CN" altLang="en-US" sz="1200" b="0" i="0" u="none" strike="noStrike" cap="none" spc="0" normalizeH="0" baseline="0">
+              <a:ln>
+                <a:noFill/>
+              </a:ln>
+              <a:solidFill>
+                <a:srgbClr val="000000"/>
+              </a:solidFill>
+              <a:effectLst/>
+              <a:uFillTx/>
+              <a:latin typeface="+mn-lt"/>
+              <a:ea typeface="+mn-ea"/>
+              <a:cs typeface="+mn-cs"/>
+              <a:sym typeface="Calibri"/>
+            </a:endParaRPr>
+          </a:p>
+        </p:txBody>
+      </p:sp>
+      <p:sp>
+        <p:nvSpPr>
+          <p:cNvPr id="93" name="矩形: 圆角 92">
+            <a:extLst>
+              <a:ext uri="{FF2B5EF4-FFF2-40B4-BE49-F238E27FC236}">
+                <a16:creationId xmlns:a16="http://schemas.microsoft.com/office/drawing/2014/main" id="{0D59084A-4BB9-EA0C-464D-96BEFA15D704}"/>
+              </a:ext>
+            </a:extLst>
+          </p:cNvPr>
+          <p:cNvSpPr/>
+          <p:nvPr/>
+        </p:nvSpPr>
+        <p:spPr>
+          <a:xfrm>
+            <a:off x="22232623" y="3625197"/>
+            <a:ext cx="10467642" cy="16716067"/>
+          </a:xfrm>
+          <a:prstGeom prst="roundRect">
+            <a:avLst>
+              <a:gd name="adj" fmla="val 3293"/>
+            </a:avLst>
+          </a:prstGeom>
+          <a:noFill/>
+          <a:ln w="76200" cap="flat">
+            <a:solidFill>
+              <a:schemeClr val="accent5"/>
+            </a:solidFill>
+            <a:prstDash val="solid"/>
+            <a:miter lim="800000"/>
+          </a:ln>
+          <a:effectLst/>
+          <a:sp3d/>
+        </p:spPr>
+        <p:style>
+          <a:lnRef idx="0">
+            <a:scrgbClr r="0" g="0" b="0"/>
+          </a:lnRef>
+          <a:fillRef idx="0">
+            <a:scrgbClr r="0" g="0" b="0"/>
+          </a:fillRef>
+          <a:effectRef idx="0">
+            <a:scrgbClr r="0" g="0" b="0"/>
+          </a:effectRef>
+          <a:fontRef idx="none"/>
+        </p:style>
+        <p:txBody>
+          <a:bodyPr rot="0" spcFirstLastPara="1" vertOverflow="overflow" horzOverflow="overflow" vert="horz" wrap="square" lIns="45719" tIns="45719" rIns="45719" bIns="45719" numCol="1" spcCol="38100" rtlCol="0" anchor="ctr">
+            <a:spAutoFit/>
+          </a:bodyPr>
+          <a:lstStyle/>
+          <a:p>
+            <a:pPr marL="0" marR="0" indent="0" algn="l" defTabSz="326532" rtl="0" fontAlgn="auto" latinLnBrk="0" hangingPunct="0">
+              <a:lnSpc>
+                <a:spcPct val="100000"/>
+              </a:lnSpc>
+              <a:spcBef>
+                <a:spcPts val="0"/>
+              </a:spcBef>
+              <a:spcAft>
+                <a:spcPts val="0"/>
+              </a:spcAft>
+              <a:buClrTx/>
+              <a:buSzTx/>
+              <a:buFontTx/>
+              <a:buNone/>
+              <a:tabLst/>
+            </a:pPr>
+            <a:endParaRPr kumimoji="0" lang="zh-CN" altLang="en-US" sz="1200" b="0" i="0" u="none" strike="noStrike" cap="none" spc="0" normalizeH="0" baseline="0">
+              <a:ln>
+                <a:noFill/>
+              </a:ln>
+              <a:solidFill>
+                <a:srgbClr val="000000"/>
+              </a:solidFill>
+              <a:effectLst/>
+              <a:uFillTx/>
+              <a:latin typeface="+mn-lt"/>
+              <a:ea typeface="+mn-ea"/>
+              <a:cs typeface="+mn-cs"/>
+              <a:sym typeface="Calibri"/>
+            </a:endParaRPr>
+          </a:p>
+        </p:txBody>
+      </p:sp>
+      <p:sp>
+        <p:nvSpPr>
+          <p:cNvPr id="8" name="矩形: 圆角 7">
+            <a:extLst>
+              <a:ext uri="{FF2B5EF4-FFF2-40B4-BE49-F238E27FC236}">
+                <a16:creationId xmlns:a16="http://schemas.microsoft.com/office/drawing/2014/main" id="{86B69F61-CA5E-1D66-8E0D-890F416A0236}"/>
+              </a:ext>
+            </a:extLst>
+          </p:cNvPr>
+          <p:cNvSpPr/>
+          <p:nvPr/>
+        </p:nvSpPr>
+        <p:spPr>
+          <a:xfrm>
+            <a:off x="150639" y="3625198"/>
+            <a:ext cx="11226961" cy="7114425"/>
+          </a:xfrm>
+          <a:prstGeom prst="roundRect">
+            <a:avLst>
+              <a:gd name="adj" fmla="val 5306"/>
+            </a:avLst>
+          </a:prstGeom>
+          <a:noFill/>
+          <a:ln w="76200" cap="flat">
+            <a:solidFill>
+              <a:schemeClr val="accent5"/>
+            </a:solidFill>
+            <a:prstDash val="solid"/>
+            <a:miter lim="800000"/>
+          </a:ln>
+          <a:effectLst/>
+          <a:sp3d/>
+        </p:spPr>
+        <p:style>
+          <a:lnRef idx="0">
+            <a:scrgbClr r="0" g="0" b="0"/>
+          </a:lnRef>
+          <a:fillRef idx="0">
+            <a:scrgbClr r="0" g="0" b="0"/>
+          </a:fillRef>
+          <a:effectRef idx="0">
+            <a:scrgbClr r="0" g="0" b="0"/>
+          </a:effectRef>
+          <a:fontRef idx="none"/>
+        </p:style>
+        <p:txBody>
+          <a:bodyPr rot="0" spcFirstLastPara="1" vertOverflow="overflow" horzOverflow="overflow" vert="horz" wrap="square" lIns="45719" tIns="45719" rIns="45719" bIns="45719" numCol="1" spcCol="38100" rtlCol="0" anchor="ctr">
+            <a:spAutoFit/>
+          </a:bodyPr>
+          <a:lstStyle/>
+          <a:p>
+            <a:pPr marL="0" marR="0" indent="0" algn="l" defTabSz="326532" rtl="0" fontAlgn="auto" latinLnBrk="0" hangingPunct="0">
+              <a:lnSpc>
+                <a:spcPct val="100000"/>
+              </a:lnSpc>
+              <a:spcBef>
+                <a:spcPts val="0"/>
+              </a:spcBef>
+              <a:spcAft>
+                <a:spcPts val="0"/>
+              </a:spcAft>
+              <a:buClrTx/>
+              <a:buSzTx/>
+              <a:buFontTx/>
+              <a:buNone/>
+              <a:tabLst/>
+            </a:pPr>
+            <a:endParaRPr kumimoji="0" lang="zh-CN" altLang="en-US" sz="1200" b="0" i="0" u="none" strike="noStrike" cap="none" spc="0" normalizeH="0" baseline="0">
+              <a:ln>
+                <a:noFill/>
+              </a:ln>
+              <a:solidFill>
+                <a:srgbClr val="000000"/>
+              </a:solidFill>
+              <a:effectLst/>
+              <a:uFillTx/>
+              <a:latin typeface="+mn-lt"/>
+              <a:ea typeface="+mn-ea"/>
+              <a:cs typeface="+mn-cs"/>
+              <a:sym typeface="Calibri"/>
+            </a:endParaRPr>
+          </a:p>
+        </p:txBody>
+      </p:sp>
+      <p:pic>
+        <p:nvPicPr>
+          <p:cNvPr id="12" name="图片 11">
+            <a:extLst>
+              <a:ext uri="{FF2B5EF4-FFF2-40B4-BE49-F238E27FC236}">
+                <a16:creationId xmlns:a16="http://schemas.microsoft.com/office/drawing/2014/main" id="{DCFFAD4A-8A15-3F5B-FEE2-EEBBBB4EC9B6}"/>
+              </a:ext>
+            </a:extLst>
+          </p:cNvPr>
+          <p:cNvPicPr>
+            <a:picLocks noChangeAspect="1"/>
+          </p:cNvPicPr>
+          <p:nvPr/>
+        </p:nvPicPr>
+        <p:blipFill>
+          <a:blip r:embed="rId10"/>
+          <a:stretch>
+            <a:fillRect/>
+          </a:stretch>
+        </p:blipFill>
+        <p:spPr>
+          <a:xfrm>
+            <a:off x="4103229" y="12313382"/>
+            <a:ext cx="3621407" cy="3340875"/>
+          </a:xfrm>
+          <a:prstGeom prst="rect">
+            <a:avLst/>
+          </a:prstGeom>
+        </p:spPr>
+      </p:pic>
+      <p:sp>
+        <p:nvSpPr>
+          <p:cNvPr id="15" name="文本框 14">
+            <a:extLst>
+              <a:ext uri="{FF2B5EF4-FFF2-40B4-BE49-F238E27FC236}">
+                <a16:creationId xmlns:a16="http://schemas.microsoft.com/office/drawing/2014/main" id="{13646C4D-2E9D-01C4-8CC0-06B9CC4D3921}"/>
+              </a:ext>
+            </a:extLst>
+          </p:cNvPr>
+          <p:cNvSpPr txBox="1"/>
+          <p:nvPr/>
+        </p:nvSpPr>
+        <p:spPr>
+          <a:xfrm>
+            <a:off x="291725" y="17055439"/>
+            <a:ext cx="10918776" cy="2536654"/>
+          </a:xfrm>
+          <a:prstGeom prst="roundRect">
+            <a:avLst>
+              <a:gd name="adj" fmla="val 12822"/>
+            </a:avLst>
+          </a:prstGeom>
+          <a:ln/>
+        </p:spPr>
+        <p:style>
+          <a:lnRef idx="1">
+            <a:schemeClr val="accent5"/>
+          </a:lnRef>
+          <a:fillRef idx="2">
+            <a:schemeClr val="accent5"/>
+          </a:fillRef>
+          <a:effectRef idx="1">
+            <a:schemeClr val="accent5"/>
+          </a:effectRef>
+          <a:fontRef idx="minor">
+            <a:schemeClr val="dk1"/>
+          </a:fontRef>
+        </p:style>
+        <p:txBody>
+          <a:bodyPr rot="0" spcFirstLastPara="1" vertOverflow="overflow" horzOverflow="overflow" vert="horz" wrap="square" lIns="45719" tIns="45719" rIns="45719" bIns="45719" numCol="1" spcCol="38100" rtlCol="0" anchor="t">
+            <a:spAutoFit/>
+          </a:bodyPr>
+          <a:lstStyle/>
+          <a:p>
+            <a:pPr marL="263525" marR="0" lvl="0" indent="0" algn="l" defTabSz="326532" rtl="0" eaLnBrk="1" fontAlgn="auto" latinLnBrk="0" hangingPunct="0">
+              <a:lnSpc>
+                <a:spcPct val="100000"/>
+              </a:lnSpc>
+              <a:spcBef>
+                <a:spcPts val="0"/>
+              </a:spcBef>
+              <a:spcAft>
+                <a:spcPts val="0"/>
+              </a:spcAft>
+              <a:buClrTx/>
+              <a:buSzTx/>
+              <a:buFontTx/>
+              <a:buNone/>
+              <a:tabLst/>
+              <a:defRPr/>
+            </a:pPr>
+            <a:r>
+              <a:rPr kumimoji="0" lang="en-US" altLang="zh-CN" sz="2100" b="1" i="0" u="none" strike="noStrike" kern="0" cap="none" spc="0" normalizeH="0" baseline="0" noProof="0" dirty="0">
+                <a:ln>
+                  <a:noFill/>
+                </a:ln>
                 <a:solidFill>
-                  <a:srgbClr val="0070C0"/>
+                  <a:srgbClr val="000000"/>
                 </a:solidFill>
+                <a:effectLst/>
+                <a:uLnTx/>
+                <a:uFillTx/>
+                <a:latin typeface="Arial" panose="020B0604020202020204" pitchFamily="34" charset="0"/>
+                <a:cs typeface="Arial" panose="020B0604020202020204" pitchFamily="34" charset="0"/>
+                <a:sym typeface="Calibri"/>
+              </a:rPr>
+              <a:t>Examples:</a:t>
+            </a:r>
+          </a:p>
+          <a:p>
+            <a:pPr marL="606425" marR="0" lvl="0" indent="-342900" algn="l" defTabSz="326532" rtl="0" eaLnBrk="1" fontAlgn="auto" latinLnBrk="0" hangingPunct="0">
+              <a:lnSpc>
+                <a:spcPct val="100000"/>
+              </a:lnSpc>
+              <a:spcBef>
+                <a:spcPts val="0"/>
+              </a:spcBef>
+              <a:spcAft>
+                <a:spcPts val="0"/>
+              </a:spcAft>
+              <a:buClrTx/>
+              <a:buSzTx/>
+              <a:buFont typeface="Arial" panose="020B0604020202020204" pitchFamily="34" charset="0"/>
+              <a:buChar char="•"/>
+              <a:tabLst/>
+              <a:defRPr/>
+            </a:pPr>
+            <a:r>
+              <a:rPr kumimoji="0" lang="en-US" altLang="zh-CN" sz="2100" b="0" i="0" u="none" strike="noStrike" kern="0" cap="none" spc="0" normalizeH="0" baseline="0" noProof="0" dirty="0">
+                <a:ln>
+                  <a:noFill/>
+                </a:ln>
+                <a:solidFill>
+                  <a:srgbClr val="000000"/>
+                </a:solidFill>
+                <a:effectLst/>
+                <a:uLnTx/>
+                <a:uFillTx/>
+                <a:latin typeface="Arial" panose="020B0604020202020204" pitchFamily="34" charset="0"/>
+                <a:cs typeface="Arial" panose="020B0604020202020204" pitchFamily="34" charset="0"/>
+                <a:sym typeface="Calibri"/>
+              </a:rPr>
+              <a:t>A medical institute may be helped by multiple clinical laboratories and pharmaceutical entities to improve clinical treatment and facilitate scientific research.</a:t>
+            </a:r>
+          </a:p>
+          <a:p>
+            <a:pPr marL="606425" marR="0" lvl="0" indent="-342900" algn="l" defTabSz="326532" rtl="0" eaLnBrk="1" fontAlgn="auto" latinLnBrk="0" hangingPunct="0">
+              <a:lnSpc>
+                <a:spcPct val="100000"/>
+              </a:lnSpc>
+              <a:spcBef>
+                <a:spcPts val="0"/>
+              </a:spcBef>
+              <a:spcAft>
+                <a:spcPts val="0"/>
+              </a:spcAft>
+              <a:buClrTx/>
+              <a:buSzTx/>
+              <a:buFont typeface="Arial" panose="020B0604020202020204" pitchFamily="34" charset="0"/>
+              <a:buChar char="•"/>
+              <a:tabLst/>
+              <a:defRPr/>
+            </a:pPr>
+            <a:r>
+              <a:rPr kumimoji="0" lang="en-US" altLang="zh-CN" sz="2100" b="0" i="0" u="none" strike="noStrike" kern="0" cap="none" spc="0" normalizeH="0" baseline="0" noProof="0" dirty="0">
+                <a:ln>
+                  <a:noFill/>
+                </a:ln>
+                <a:solidFill>
+                  <a:srgbClr val="000000"/>
+                </a:solidFill>
+                <a:effectLst/>
+                <a:uLnTx/>
+                <a:uFillTx/>
+                <a:latin typeface="Arial" panose="020B0604020202020204" pitchFamily="34" charset="0"/>
+                <a:cs typeface="Arial" panose="020B0604020202020204" pitchFamily="34" charset="0"/>
+                <a:sym typeface="Calibri"/>
+              </a:rPr>
+              <a:t>Financial organizations may collaborate with universities and insurance companies to predict loan default rate.</a:t>
+            </a:r>
+          </a:p>
+          <a:p>
+            <a:pPr marL="606425" marR="0" lvl="0" indent="-342900" algn="l" defTabSz="326532" rtl="0" eaLnBrk="1" fontAlgn="auto" latinLnBrk="0" hangingPunct="0">
+              <a:lnSpc>
+                <a:spcPct val="100000"/>
+              </a:lnSpc>
+              <a:spcBef>
+                <a:spcPts val="0"/>
+              </a:spcBef>
+              <a:spcAft>
+                <a:spcPts val="0"/>
+              </a:spcAft>
+              <a:buClrTx/>
+              <a:buSzTx/>
+              <a:buFont typeface="Arial" panose="020B0604020202020204" pitchFamily="34" charset="0"/>
+              <a:buChar char="•"/>
+              <a:tabLst/>
+              <a:defRPr/>
+            </a:pPr>
+            <a:r>
+              <a:rPr lang="en-US" altLang="zh-CN" sz="2100" dirty="0">
+                <a:solidFill>
+                  <a:srgbClr val="000000"/>
+                </a:solidFill>
+                <a:latin typeface="Arial" panose="020B0604020202020204" pitchFamily="34" charset="0"/>
+                <a:ea typeface="+mn-ea"/>
+                <a:cs typeface="Arial" panose="020B0604020202020204" pitchFamily="34" charset="0"/>
+              </a:rPr>
+              <a:t>Supply chain </a:t>
+            </a:r>
+            <a:r>
+              <a:rPr lang="en-US" altLang="zh-CN" sz="2100" dirty="0">
+                <a:solidFill>
+                  <a:srgbClr val="000000"/>
+                </a:solidFill>
+                <a:latin typeface="Arial" panose="020B0604020202020204" pitchFamily="34" charset="0"/>
+                <a:cs typeface="Arial" panose="020B0604020202020204" pitchFamily="34" charset="0"/>
+              </a:rPr>
+              <a:t>management </a:t>
+            </a:r>
+            <a:r>
+              <a:rPr lang="en-US" altLang="zh-CN" sz="2100" dirty="0">
+                <a:solidFill>
+                  <a:srgbClr val="000000"/>
+                </a:solidFill>
+                <a:latin typeface="Arial" panose="020B0604020202020204" pitchFamily="34" charset="0"/>
+                <a:ea typeface="+mn-ea"/>
+                <a:cs typeface="Arial" panose="020B0604020202020204" pitchFamily="34" charset="0"/>
+              </a:rPr>
+              <a:t>can leverage decentralized manufacturing data to forecast future production and demand.</a:t>
+            </a:r>
+            <a:endParaRPr kumimoji="0" lang="zh-CN" altLang="en-US" sz="1200" b="0" i="0" u="none" strike="noStrike" cap="none" spc="0" normalizeH="0" baseline="0" dirty="0">
+              <a:ln>
+                <a:noFill/>
+              </a:ln>
+              <a:solidFill>
+                <a:srgbClr val="000000"/>
+              </a:solidFill>
+              <a:effectLst/>
+              <a:uFillTx/>
+              <a:latin typeface="+mn-lt"/>
+              <a:ea typeface="+mn-ea"/>
+              <a:cs typeface="+mn-cs"/>
+              <a:sym typeface="Calibri"/>
+            </a:endParaRPr>
+          </a:p>
+        </p:txBody>
+      </p:sp>
+      <p:sp>
+        <p:nvSpPr>
+          <p:cNvPr id="17" name="矩形: 圆角 16">
+            <a:extLst>
+              <a:ext uri="{FF2B5EF4-FFF2-40B4-BE49-F238E27FC236}">
+                <a16:creationId xmlns:a16="http://schemas.microsoft.com/office/drawing/2014/main" id="{139C1FD1-6DA1-FF26-D0A1-B5099DACF9AF}"/>
+              </a:ext>
+            </a:extLst>
+          </p:cNvPr>
+          <p:cNvSpPr/>
+          <p:nvPr/>
+        </p:nvSpPr>
+        <p:spPr>
+          <a:xfrm>
+            <a:off x="150640" y="10902950"/>
+            <a:ext cx="11211712" cy="8869769"/>
+          </a:xfrm>
+          <a:prstGeom prst="roundRect">
+            <a:avLst>
+              <a:gd name="adj" fmla="val 4123"/>
+            </a:avLst>
+          </a:prstGeom>
+          <a:noFill/>
+          <a:ln w="76200" cap="flat">
+            <a:solidFill>
+              <a:schemeClr val="accent5"/>
+            </a:solidFill>
+            <a:prstDash val="solid"/>
+            <a:miter lim="800000"/>
+          </a:ln>
+          <a:effectLst/>
+          <a:sp3d/>
+        </p:spPr>
+        <p:style>
+          <a:lnRef idx="0">
+            <a:scrgbClr r="0" g="0" b="0"/>
+          </a:lnRef>
+          <a:fillRef idx="0">
+            <a:scrgbClr r="0" g="0" b="0"/>
+          </a:fillRef>
+          <a:effectRef idx="0">
+            <a:scrgbClr r="0" g="0" b="0"/>
+          </a:effectRef>
+          <a:fontRef idx="none"/>
+        </p:style>
+        <p:txBody>
+          <a:bodyPr rot="0" spcFirstLastPara="1" vertOverflow="overflow" horzOverflow="overflow" vert="horz" wrap="square" lIns="45719" tIns="45719" rIns="45719" bIns="45719" numCol="1" spcCol="38100" rtlCol="0" anchor="ctr">
+            <a:spAutoFit/>
+          </a:bodyPr>
+          <a:lstStyle/>
+          <a:p>
+            <a:pPr marL="0" marR="0" indent="0" algn="l" defTabSz="326532" rtl="0" fontAlgn="auto" latinLnBrk="0" hangingPunct="0">
+              <a:lnSpc>
+                <a:spcPct val="100000"/>
+              </a:lnSpc>
+              <a:spcBef>
+                <a:spcPts val="0"/>
+              </a:spcBef>
+              <a:spcAft>
+                <a:spcPts val="0"/>
+              </a:spcAft>
+              <a:buClrTx/>
+              <a:buSzTx/>
+              <a:buFontTx/>
+              <a:buNone/>
+              <a:tabLst/>
+            </a:pPr>
+            <a:endParaRPr kumimoji="0" lang="zh-CN" altLang="en-US" sz="1200" b="0" i="0" u="none" strike="noStrike" cap="none" spc="0" normalizeH="0" baseline="0">
+              <a:ln>
+                <a:noFill/>
+              </a:ln>
+              <a:solidFill>
+                <a:srgbClr val="000000"/>
+              </a:solidFill>
+              <a:effectLst/>
+              <a:uFillTx/>
+              <a:latin typeface="+mn-lt"/>
+              <a:ea typeface="+mn-ea"/>
+              <a:cs typeface="+mn-cs"/>
+              <a:sym typeface="Calibri"/>
+            </a:endParaRPr>
+          </a:p>
+        </p:txBody>
+      </p:sp>
+      <p:pic>
+        <p:nvPicPr>
+          <p:cNvPr id="26" name="图片 25">
+            <a:extLst>
+              <a:ext uri="{FF2B5EF4-FFF2-40B4-BE49-F238E27FC236}">
+                <a16:creationId xmlns:a16="http://schemas.microsoft.com/office/drawing/2014/main" id="{560F3072-DC10-7C88-B7D8-5A7AEEBADF97}"/>
+              </a:ext>
+            </a:extLst>
+          </p:cNvPr>
+          <p:cNvPicPr>
+            <a:picLocks noChangeAspect="1"/>
+          </p:cNvPicPr>
+          <p:nvPr/>
+        </p:nvPicPr>
+        <p:blipFill>
+          <a:blip r:embed="rId11"/>
+          <a:stretch>
+            <a:fillRect/>
+          </a:stretch>
+        </p:blipFill>
+        <p:spPr>
+          <a:xfrm>
+            <a:off x="14718277" y="6951405"/>
+            <a:ext cx="4249219" cy="1856968"/>
+          </a:xfrm>
+          <a:prstGeom prst="rect">
+            <a:avLst/>
+          </a:prstGeom>
+        </p:spPr>
+      </p:pic>
+      <mc:AlternateContent xmlns:mc="http://schemas.openxmlformats.org/markup-compatibility/2006">
+        <mc:Choice xmlns:a14="http://schemas.microsoft.com/office/drawing/2010/main" Requires="a14">
+          <p:sp>
+            <p:nvSpPr>
+              <p:cNvPr id="27" name="文本框 26">
+                <a:extLst>
+                  <a:ext uri="{FF2B5EF4-FFF2-40B4-BE49-F238E27FC236}">
+                    <a16:creationId xmlns:a16="http://schemas.microsoft.com/office/drawing/2014/main" id="{7FFBF49F-B80B-69AE-1A87-003A08A44249}"/>
+                  </a:ext>
+                </a:extLst>
+              </p:cNvPr>
+              <p:cNvSpPr txBox="1"/>
+              <p:nvPr/>
+            </p:nvSpPr>
+            <p:spPr>
+              <a:xfrm>
+                <a:off x="11702328" y="4569912"/>
+                <a:ext cx="10291340" cy="2379945"/>
+              </a:xfrm>
+              <a:prstGeom prst="rect">
+                <a:avLst/>
+              </a:prstGeom>
+              <a:noFill/>
+              <a:ln w="12700" cap="flat">
+                <a:noFill/>
+                <a:miter lim="400000"/>
+              </a:ln>
+              <a:effectLst/>
+              <a:sp3d/>
+            </p:spPr>
+            <p:style>
+              <a:lnRef idx="0">
+                <a:scrgbClr r="0" g="0" b="0"/>
+              </a:lnRef>
+              <a:fillRef idx="0">
+                <a:scrgbClr r="0" g="0" b="0"/>
+              </a:fillRef>
+              <a:effectRef idx="0">
+                <a:scrgbClr r="0" g="0" b="0"/>
+              </a:effectRef>
+              <a:fontRef idx="none"/>
+            </p:style>
+            <p:txBody>
+              <a:bodyPr rot="0" spcFirstLastPara="1" vertOverflow="overflow" horzOverflow="overflow" vert="horz" wrap="square" lIns="45719" tIns="45719" rIns="45719" bIns="45719" numCol="1" spcCol="38100" rtlCol="0" anchor="t">
+                <a:spAutoFit/>
+              </a:bodyPr>
+              <a:lstStyle/>
+              <a:p>
+                <a:pPr marL="342900" indent="-342900">
+                  <a:buFont typeface="Arial" panose="020B0604020202020204" pitchFamily="34" charset="0"/>
+                  <a:buChar char="•"/>
+                </a:pPr>
+                <a:r>
+                  <a:rPr lang="en-US" altLang="zh-CN" sz="2100" i="0" dirty="0">
+                    <a:effectLst/>
+                    <a:latin typeface="Arial" panose="020B0604020202020204" pitchFamily="34" charset="0"/>
+                    <a:cs typeface="Arial" panose="020B0604020202020204" pitchFamily="34" charset="0"/>
+                  </a:rPr>
+                  <a:t>Suppose that there are </a:t>
+                </a:r>
+                <a14:m>
+                  <m:oMath xmlns:m="http://schemas.openxmlformats.org/officeDocument/2006/math">
+                    <m:r>
+                      <a:rPr lang="en-US" altLang="zh-CN" sz="2100" i="1" smtClean="0">
+                        <a:effectLst/>
+                        <a:latin typeface="Cambria Math" panose="02040503050406030204" pitchFamily="18" charset="0"/>
+                        <a:ea typeface="等线" panose="02010600030101010101" pitchFamily="2" charset="-122"/>
+                        <a:cs typeface="Arial" panose="020B0604020202020204" pitchFamily="34" charset="0"/>
+                      </a:rPr>
+                      <m:t>𝑁</m:t>
+                    </m:r>
+                  </m:oMath>
+                </a14:m>
+                <a:r>
+                  <a:rPr lang="en-US" altLang="zh-CN" sz="2100" i="0" dirty="0">
+                    <a:effectLst/>
+                    <a:latin typeface="Arial" panose="020B0604020202020204" pitchFamily="34" charset="0"/>
+                    <a:cs typeface="Arial" panose="020B0604020202020204" pitchFamily="34" charset="0"/>
+                  </a:rPr>
+                  <a:t> data observations independently drawn from a joint distribution </a:t>
+                </a:r>
+                <a14:m>
+                  <m:oMath xmlns:m="http://schemas.openxmlformats.org/officeDocument/2006/math">
+                    <m:sSub>
+                      <m:sSubPr>
+                        <m:ctrlPr>
+                          <a:rPr lang="zh-CN" altLang="zh-CN" sz="2100" i="1">
+                            <a:latin typeface="Cambria Math" panose="02040503050406030204" pitchFamily="18" charset="0"/>
+                            <a:ea typeface="Cambria Math" panose="02040503050406030204" pitchFamily="18" charset="0"/>
+                          </a:rPr>
+                        </m:ctrlPr>
+                      </m:sSubPr>
+                      <m:e>
+                        <m:r>
+                          <a:rPr lang="en-US" altLang="zh-CN" sz="2100" i="1">
+                            <a:latin typeface="Cambria Math" panose="02040503050406030204" pitchFamily="18" charset="0"/>
+                            <a:ea typeface="等线" panose="02010600030101010101" pitchFamily="2" charset="-122"/>
+                            <a:cs typeface="Arial" panose="020B0604020202020204" pitchFamily="34" charset="0"/>
+                          </a:rPr>
+                          <m:t>𝑝</m:t>
+                        </m:r>
+                      </m:e>
+                      <m:sub>
+                        <m:r>
+                          <a:rPr lang="en-US" altLang="zh-CN" sz="2100" i="1">
+                            <a:latin typeface="Cambria Math" panose="02040503050406030204" pitchFamily="18" charset="0"/>
+                            <a:ea typeface="等线" panose="02010600030101010101" pitchFamily="2" charset="-122"/>
+                            <a:cs typeface="Arial" panose="020B0604020202020204" pitchFamily="34" charset="0"/>
+                          </a:rPr>
+                          <m:t>𝑥𝑦</m:t>
+                        </m:r>
+                      </m:sub>
+                    </m:sSub>
+                    <m:r>
+                      <a:rPr lang="en-US" altLang="zh-CN" sz="2100" i="1">
+                        <a:latin typeface="Cambria Math" panose="02040503050406030204" pitchFamily="18" charset="0"/>
+                        <a:ea typeface="等线" panose="02010600030101010101" pitchFamily="2" charset="-122"/>
+                        <a:cs typeface="Arial" panose="020B0604020202020204" pitchFamily="34" charset="0"/>
+                      </a:rPr>
+                      <m:t>=</m:t>
+                    </m:r>
+                    <m:sSub>
+                      <m:sSubPr>
+                        <m:ctrlPr>
+                          <a:rPr lang="zh-CN" altLang="zh-CN" sz="2100" i="1">
+                            <a:latin typeface="Cambria Math" panose="02040503050406030204" pitchFamily="18" charset="0"/>
+                            <a:ea typeface="Cambria Math" panose="02040503050406030204" pitchFamily="18" charset="0"/>
+                          </a:rPr>
+                        </m:ctrlPr>
+                      </m:sSubPr>
+                      <m:e>
+                        <m:r>
+                          <a:rPr lang="en-US" altLang="zh-CN" sz="2100" i="1">
+                            <a:latin typeface="Cambria Math" panose="02040503050406030204" pitchFamily="18" charset="0"/>
+                            <a:ea typeface="等线" panose="02010600030101010101" pitchFamily="2" charset="-122"/>
+                            <a:cs typeface="Arial" panose="020B0604020202020204" pitchFamily="34" charset="0"/>
+                          </a:rPr>
+                          <m:t>𝑝</m:t>
+                        </m:r>
+                      </m:e>
+                      <m:sub>
+                        <m:r>
+                          <a:rPr lang="en-US" altLang="zh-CN" sz="2100" i="1">
+                            <a:latin typeface="Cambria Math" panose="02040503050406030204" pitchFamily="18" charset="0"/>
+                            <a:ea typeface="等线" panose="02010600030101010101" pitchFamily="2" charset="-122"/>
+                            <a:cs typeface="Arial" panose="020B0604020202020204" pitchFamily="34" charset="0"/>
+                          </a:rPr>
+                          <m:t>𝑥</m:t>
+                        </m:r>
+                      </m:sub>
+                    </m:sSub>
+                    <m:sSub>
+                      <m:sSubPr>
+                        <m:ctrlPr>
+                          <a:rPr lang="zh-CN" altLang="zh-CN" sz="2100" i="1">
+                            <a:latin typeface="Cambria Math" panose="02040503050406030204" pitchFamily="18" charset="0"/>
+                            <a:ea typeface="Cambria Math" panose="02040503050406030204" pitchFamily="18" charset="0"/>
+                          </a:rPr>
+                        </m:ctrlPr>
+                      </m:sSubPr>
+                      <m:e>
+                        <m:r>
+                          <a:rPr lang="en-US" altLang="zh-CN" sz="2100" i="1">
+                            <a:latin typeface="Cambria Math" panose="02040503050406030204" pitchFamily="18" charset="0"/>
+                            <a:ea typeface="等线" panose="02010600030101010101" pitchFamily="2" charset="-122"/>
+                            <a:cs typeface="Arial" panose="020B0604020202020204" pitchFamily="34" charset="0"/>
+                          </a:rPr>
+                          <m:t>𝑝</m:t>
+                        </m:r>
+                      </m:e>
+                      <m:sub>
+                        <m:r>
+                          <a:rPr lang="en-US" altLang="zh-CN" sz="2100" i="1">
+                            <a:latin typeface="Cambria Math" panose="02040503050406030204" pitchFamily="18" charset="0"/>
+                            <a:ea typeface="等线" panose="02010600030101010101" pitchFamily="2" charset="-122"/>
+                            <a:cs typeface="Arial" panose="020B0604020202020204" pitchFamily="34" charset="0"/>
+                          </a:rPr>
+                          <m:t>𝑦</m:t>
+                        </m:r>
+                        <m:r>
+                          <a:rPr lang="zh-CN" altLang="zh-CN" sz="2100">
+                            <a:latin typeface="Cambria Math" panose="02040503050406030204" pitchFamily="18" charset="0"/>
+                            <a:ea typeface="等线" panose="02010600030101010101" pitchFamily="2" charset="-122"/>
+                            <a:cs typeface="Arial" panose="020B0604020202020204" pitchFamily="34" charset="0"/>
+                          </a:rPr>
+                          <m:t>∣</m:t>
+                        </m:r>
+                        <m:r>
+                          <a:rPr lang="en-US" altLang="zh-CN" sz="2100" i="1">
+                            <a:latin typeface="Cambria Math" panose="02040503050406030204" pitchFamily="18" charset="0"/>
+                            <a:ea typeface="等线" panose="02010600030101010101" pitchFamily="2" charset="-122"/>
+                            <a:cs typeface="Arial" panose="020B0604020202020204" pitchFamily="34" charset="0"/>
+                          </a:rPr>
+                          <m:t>𝑥</m:t>
+                        </m:r>
+                      </m:sub>
+                    </m:sSub>
+                  </m:oMath>
+                </a14:m>
+                <a:r>
+                  <a:rPr lang="en-US" altLang="zh-CN" sz="2100" i="0" dirty="0">
+                    <a:effectLst/>
+                    <a:latin typeface="Arial" panose="020B0604020202020204" pitchFamily="34" charset="0"/>
+                    <a:cs typeface="Arial" panose="020B0604020202020204" pitchFamily="34" charset="0"/>
+                  </a:rPr>
+                  <a:t>, where </a:t>
+                </a:r>
+                <a14:m>
+                  <m:oMath xmlns:m="http://schemas.openxmlformats.org/officeDocument/2006/math">
+                    <m:r>
+                      <a:rPr lang="en-US" altLang="zh-CN" sz="2100" i="1">
+                        <a:latin typeface="Cambria Math" panose="02040503050406030204" pitchFamily="18" charset="0"/>
+                        <a:ea typeface="等线" panose="02010600030101010101" pitchFamily="2" charset="-122"/>
+                        <a:cs typeface="Arial" panose="020B0604020202020204" pitchFamily="34" charset="0"/>
+                      </a:rPr>
+                      <m:t>𝑦</m:t>
+                    </m:r>
+                    <m:r>
+                      <a:rPr lang="zh-CN" altLang="zh-CN" sz="2100">
+                        <a:latin typeface="Cambria Math" panose="02040503050406030204" pitchFamily="18" charset="0"/>
+                        <a:ea typeface="等线" panose="02010600030101010101" pitchFamily="2" charset="-122"/>
+                        <a:cs typeface="Arial" panose="020B0604020202020204" pitchFamily="34" charset="0"/>
+                      </a:rPr>
+                      <m:t>∈</m:t>
+                    </m:r>
+                    <m:r>
+                      <a:rPr lang="en-US" altLang="zh-CN" sz="2100" b="0" i="1" smtClean="0">
+                        <a:latin typeface="Cambria Math" panose="02040503050406030204" pitchFamily="18" charset="0"/>
+                        <a:ea typeface="等线" panose="02010600030101010101" pitchFamily="2" charset="-122"/>
+                        <a:cs typeface="Arial" panose="020B0604020202020204" pitchFamily="34" charset="0"/>
+                      </a:rPr>
+                      <m:t>𝑌</m:t>
+                    </m:r>
+                  </m:oMath>
+                </a14:m>
+                <a:r>
+                  <a:rPr lang="en-US" altLang="zh-CN" sz="2100" i="0" dirty="0">
+                    <a:effectLst/>
+                    <a:latin typeface="Arial" panose="020B0604020202020204" pitchFamily="34" charset="0"/>
+                    <a:cs typeface="Arial" panose="020B0604020202020204" pitchFamily="34" charset="0"/>
+                  </a:rPr>
+                  <a:t> and </a:t>
+                </a:r>
+                <a14:m>
+                  <m:oMath xmlns:m="http://schemas.openxmlformats.org/officeDocument/2006/math">
+                    <m:r>
+                      <a:rPr lang="en-US" altLang="zh-CN" sz="2100" i="1">
+                        <a:latin typeface="Cambria Math" panose="02040503050406030204" pitchFamily="18" charset="0"/>
+                        <a:ea typeface="等线" panose="02010600030101010101" pitchFamily="2" charset="-122"/>
+                        <a:cs typeface="Arial" panose="020B0604020202020204" pitchFamily="34" charset="0"/>
+                      </a:rPr>
+                      <m:t>𝑥</m:t>
+                    </m:r>
+                    <m:r>
+                      <a:rPr lang="zh-CN" altLang="zh-CN" sz="2100">
+                        <a:latin typeface="Cambria Math" panose="02040503050406030204" pitchFamily="18" charset="0"/>
+                        <a:ea typeface="等线" panose="02010600030101010101" pitchFamily="2" charset="-122"/>
+                        <a:cs typeface="Arial" panose="020B0604020202020204" pitchFamily="34" charset="0"/>
+                      </a:rPr>
+                      <m:t>∈</m:t>
+                    </m:r>
+                    <m:sSup>
+                      <m:sSupPr>
+                        <m:ctrlPr>
+                          <a:rPr lang="zh-CN" altLang="zh-CN" sz="2100" i="1">
+                            <a:latin typeface="Cambria Math" panose="02040503050406030204" pitchFamily="18" charset="0"/>
+                            <a:ea typeface="Cambria Math" panose="02040503050406030204" pitchFamily="18" charset="0"/>
+                          </a:rPr>
+                        </m:ctrlPr>
+                      </m:sSupPr>
+                      <m:e>
+                        <m:r>
+                          <a:rPr lang="en-US" altLang="zh-CN" sz="2100" i="1">
+                            <a:latin typeface="Cambria Math" panose="02040503050406030204" pitchFamily="18" charset="0"/>
+                            <a:ea typeface="等线" panose="02010600030101010101" pitchFamily="2" charset="-122"/>
+                            <a:cs typeface="Arial" panose="020B0604020202020204" pitchFamily="34" charset="0"/>
+                          </a:rPr>
+                          <m:t>ℝ</m:t>
+                        </m:r>
+                      </m:e>
+                      <m:sup>
+                        <m:r>
+                          <a:rPr lang="en-US" altLang="zh-CN" sz="2100" b="0" i="1" smtClean="0">
+                            <a:latin typeface="Cambria Math" panose="02040503050406030204" pitchFamily="18" charset="0"/>
+                            <a:ea typeface="等线" panose="02010600030101010101" pitchFamily="2" charset="-122"/>
+                            <a:cs typeface="Arial" panose="020B0604020202020204" pitchFamily="34" charset="0"/>
+                          </a:rPr>
+                          <m:t>𝑑</m:t>
+                        </m:r>
+                      </m:sup>
+                    </m:sSup>
+                  </m:oMath>
+                </a14:m>
+                <a:r>
+                  <a:rPr lang="en-US" altLang="zh-CN" sz="2100" i="0" dirty="0">
+                    <a:effectLst/>
+                    <a:latin typeface="Arial" panose="020B0604020202020204" pitchFamily="34" charset="0"/>
+                    <a:cs typeface="Arial" panose="020B0604020202020204" pitchFamily="34" charset="0"/>
+                  </a:rPr>
+                  <a:t> respectively represent the task label and feature variables, and </a:t>
+                </a:r>
+                <a14:m>
+                  <m:oMath xmlns:m="http://schemas.openxmlformats.org/officeDocument/2006/math">
+                    <m:r>
+                      <a:rPr lang="en-US" altLang="zh-CN" sz="2100" i="1">
+                        <a:latin typeface="Cambria Math" panose="02040503050406030204" pitchFamily="18" charset="0"/>
+                        <a:ea typeface="等线" panose="02010600030101010101" pitchFamily="2" charset="-122"/>
+                        <a:cs typeface="Arial" panose="020B0604020202020204" pitchFamily="34" charset="0"/>
+                      </a:rPr>
+                      <m:t>𝑑</m:t>
+                    </m:r>
+                    <m:r>
+                      <a:rPr lang="en-US" altLang="zh-CN" sz="2100" i="1">
+                        <a:latin typeface="Cambria Math" panose="02040503050406030204" pitchFamily="18" charset="0"/>
+                        <a:ea typeface="等线" panose="02010600030101010101" pitchFamily="2" charset="-122"/>
+                        <a:cs typeface="Arial" panose="020B0604020202020204" pitchFamily="34" charset="0"/>
+                      </a:rPr>
+                      <m:t> </m:t>
+                    </m:r>
+                  </m:oMath>
+                </a14:m>
+                <a:r>
+                  <a:rPr lang="en-US" altLang="zh-CN" sz="2100" i="0" dirty="0">
+                    <a:effectLst/>
+                    <a:latin typeface="Arial" panose="020B0604020202020204" pitchFamily="34" charset="0"/>
+                    <a:cs typeface="Arial" panose="020B0604020202020204" pitchFamily="34" charset="0"/>
+                  </a:rPr>
+                  <a:t>is the number of features.</a:t>
+                </a:r>
+              </a:p>
+              <a:p>
+                <a:pPr marL="342900" indent="-342900">
+                  <a:buFont typeface="Arial" panose="020B0604020202020204" pitchFamily="34" charset="0"/>
+                  <a:buChar char="•"/>
+                </a:pPr>
+                <a:r>
+                  <a:rPr kumimoji="0" lang="en-US" altLang="zh-CN" sz="2100" i="0" u="none" strike="noStrike" cap="none" spc="0" normalizeH="0" baseline="0" dirty="0">
+                    <a:ln>
+                      <a:noFill/>
+                    </a:ln>
+                    <a:solidFill>
+                      <a:srgbClr val="000000"/>
+                    </a:solidFill>
+                    <a:effectLst/>
+                    <a:uFillTx/>
+                    <a:latin typeface="Arial" panose="020B0604020202020204" pitchFamily="34" charset="0"/>
+                    <a:cs typeface="Arial" panose="020B0604020202020204" pitchFamily="34" charset="0"/>
+                    <a:sym typeface="Calibri"/>
+                  </a:rPr>
+                  <a:t>Suppose that there are </a:t>
+                </a:r>
+                <a14:m>
+                  <m:oMath xmlns:m="http://schemas.openxmlformats.org/officeDocument/2006/math">
+                    <m:r>
+                      <a:rPr lang="en-US" altLang="zh-CN" sz="2100" i="1" smtClean="0">
+                        <a:effectLst/>
+                        <a:latin typeface="Cambria Math" panose="02040503050406030204" pitchFamily="18" charset="0"/>
+                        <a:ea typeface="等线" panose="02010600030101010101" pitchFamily="2" charset="-122"/>
+                        <a:cs typeface="Arial" panose="020B0604020202020204" pitchFamily="34" charset="0"/>
+                      </a:rPr>
+                      <m:t>𝑀</m:t>
+                    </m:r>
+                  </m:oMath>
+                </a14:m>
+                <a:r>
+                  <a:rPr kumimoji="0" lang="en-US" altLang="zh-CN" sz="2100" i="0" u="none" strike="noStrike" cap="none" spc="0" normalizeH="0" baseline="0" dirty="0">
+                    <a:ln>
+                      <a:noFill/>
+                    </a:ln>
+                    <a:solidFill>
+                      <a:srgbClr val="000000"/>
+                    </a:solidFill>
+                    <a:effectLst/>
+                    <a:uFillTx/>
+                    <a:latin typeface="Arial" panose="020B0604020202020204" pitchFamily="34" charset="0"/>
+                    <a:cs typeface="Arial" panose="020B0604020202020204" pitchFamily="34" charset="0"/>
+                    <a:sym typeface="Calibri"/>
+                  </a:rPr>
+                  <a:t> organizations. Each organization </a:t>
+                </a:r>
+                <a14:m>
+                  <m:oMath xmlns:m="http://schemas.openxmlformats.org/officeDocument/2006/math">
+                    <m:r>
+                      <a:rPr lang="en-US" altLang="zh-CN" sz="2100" i="1">
+                        <a:latin typeface="Cambria Math" panose="02040503050406030204" pitchFamily="18" charset="0"/>
+                        <a:ea typeface="等线" panose="02010600030101010101" pitchFamily="2" charset="-122"/>
+                        <a:cs typeface="Arial" panose="020B0604020202020204" pitchFamily="34" charset="0"/>
+                      </a:rPr>
+                      <m:t>𝑚</m:t>
+                    </m:r>
+                  </m:oMath>
+                </a14:m>
+                <a:r>
+                  <a:rPr kumimoji="0" lang="en-US" altLang="zh-CN" sz="2100" i="0" u="none" strike="noStrike" cap="none" spc="0" normalizeH="0" baseline="0" dirty="0">
+                    <a:ln>
+                      <a:noFill/>
+                    </a:ln>
+                    <a:solidFill>
+                      <a:srgbClr val="000000"/>
+                    </a:solidFill>
+                    <a:effectLst/>
+                    <a:uFillTx/>
+                    <a:latin typeface="Arial" panose="020B0604020202020204" pitchFamily="34" charset="0"/>
+                    <a:cs typeface="Arial" panose="020B0604020202020204" pitchFamily="34" charset="0"/>
+                    <a:sym typeface="Calibri"/>
+                  </a:rPr>
+                  <a:t> only holds </a:t>
+                </a:r>
+                <a14:m>
+                  <m:oMath xmlns:m="http://schemas.openxmlformats.org/officeDocument/2006/math">
+                    <m:sSub>
+                      <m:sSubPr>
+                        <m:ctrlPr>
+                          <a:rPr lang="zh-CN" altLang="zh-CN" sz="2100" i="1">
+                            <a:latin typeface="Cambria Math" panose="02040503050406030204" pitchFamily="18" charset="0"/>
+                            <a:ea typeface="Cambria Math" panose="02040503050406030204" pitchFamily="18" charset="0"/>
+                          </a:rPr>
+                        </m:ctrlPr>
+                      </m:sSubPr>
+                      <m:e>
+                        <m:r>
+                          <a:rPr lang="en-US" altLang="zh-CN" sz="2100" i="1">
+                            <a:latin typeface="Cambria Math" panose="02040503050406030204" pitchFamily="18" charset="0"/>
+                            <a:ea typeface="等线" panose="02010600030101010101" pitchFamily="2" charset="-122"/>
+                            <a:cs typeface="Arial" panose="020B0604020202020204" pitchFamily="34" charset="0"/>
+                          </a:rPr>
+                          <m:t>𝑋</m:t>
+                        </m:r>
+                      </m:e>
+                      <m:sub>
+                        <m:r>
+                          <a:rPr lang="en-US" altLang="zh-CN" sz="2100" i="1">
+                            <a:latin typeface="Cambria Math" panose="02040503050406030204" pitchFamily="18" charset="0"/>
+                            <a:ea typeface="等线" panose="02010600030101010101" pitchFamily="2" charset="-122"/>
+                            <a:cs typeface="Arial" panose="020B0604020202020204" pitchFamily="34" charset="0"/>
+                          </a:rPr>
+                          <m:t>𝑚</m:t>
+                        </m:r>
+                      </m:sub>
+                    </m:sSub>
+                  </m:oMath>
+                </a14:m>
+                <a:r>
+                  <a:rPr kumimoji="0" lang="en-US" altLang="zh-CN" sz="2100" i="0" u="none" strike="noStrike" cap="none" spc="0" normalizeH="0" baseline="0" dirty="0">
+                    <a:ln>
+                      <a:noFill/>
+                    </a:ln>
+                    <a:solidFill>
+                      <a:srgbClr val="000000"/>
+                    </a:solidFill>
+                    <a:effectLst/>
+                    <a:uFillTx/>
+                    <a:latin typeface="Arial" panose="020B0604020202020204" pitchFamily="34" charset="0"/>
+                    <a:cs typeface="Arial" panose="020B0604020202020204" pitchFamily="34" charset="0"/>
+                    <a:sym typeface="Calibri"/>
+                  </a:rPr>
+                  <a:t>, a sub-vector of </a:t>
+                </a:r>
+                <a14:m>
+                  <m:oMath xmlns:m="http://schemas.openxmlformats.org/officeDocument/2006/math">
+                    <m:r>
+                      <a:rPr lang="en-US" altLang="zh-CN" sz="2100" i="1">
+                        <a:latin typeface="Cambria Math" panose="02040503050406030204" pitchFamily="18" charset="0"/>
+                        <a:ea typeface="等线" panose="02010600030101010101" pitchFamily="2" charset="-122"/>
+                        <a:cs typeface="Arial" panose="020B0604020202020204" pitchFamily="34" charset="0"/>
+                      </a:rPr>
+                      <m:t>𝑋</m:t>
+                    </m:r>
+                  </m:oMath>
+                </a14:m>
+                <a:r>
+                  <a:rPr lang="en-US" altLang="zh-CN" sz="2100" dirty="0">
+                    <a:latin typeface="Arial" panose="020B0604020202020204" pitchFamily="34" charset="0"/>
+                    <a:cs typeface="Arial" panose="020B0604020202020204" pitchFamily="34" charset="0"/>
+                  </a:rPr>
+                  <a:t>. Alice, the organization to be assisted, has local data </a:t>
+                </a:r>
+                <a14:m>
+                  <m:oMath xmlns:m="http://schemas.openxmlformats.org/officeDocument/2006/math">
+                    <m:sSub>
+                      <m:sSubPr>
+                        <m:ctrlPr>
+                          <a:rPr lang="zh-CN" altLang="zh-CN" sz="2100" i="1">
+                            <a:latin typeface="Cambria Math" panose="02040503050406030204" pitchFamily="18" charset="0"/>
+                            <a:ea typeface="Cambria Math" panose="02040503050406030204" pitchFamily="18" charset="0"/>
+                          </a:rPr>
+                        </m:ctrlPr>
+                      </m:sSubPr>
+                      <m:e>
+                        <m:r>
+                          <a:rPr lang="en-US" altLang="zh-CN" sz="2100" i="1">
+                            <a:latin typeface="Cambria Math" panose="02040503050406030204" pitchFamily="18" charset="0"/>
+                            <a:ea typeface="等线" panose="02010600030101010101" pitchFamily="2" charset="-122"/>
+                            <a:cs typeface="Arial" panose="020B0604020202020204" pitchFamily="34" charset="0"/>
+                          </a:rPr>
+                          <m:t>𝑥</m:t>
+                        </m:r>
+                      </m:e>
+                      <m:sub>
+                        <m:r>
+                          <a:rPr lang="en-US" altLang="zh-CN" sz="2100" i="1">
+                            <a:latin typeface="Cambria Math" panose="02040503050406030204" pitchFamily="18" charset="0"/>
+                            <a:ea typeface="等线" panose="02010600030101010101" pitchFamily="2" charset="-122"/>
+                            <a:cs typeface="Arial" panose="020B0604020202020204" pitchFamily="34" charset="0"/>
+                          </a:rPr>
+                          <m:t>1</m:t>
+                        </m:r>
+                      </m:sub>
+                    </m:sSub>
+                  </m:oMath>
+                </a14:m>
+                <a:r>
+                  <a:rPr lang="en-US" altLang="zh-CN" sz="2100" dirty="0">
+                    <a:latin typeface="Arial" panose="020B0604020202020204" pitchFamily="34" charset="0"/>
+                    <a:cs typeface="Arial" panose="020B0604020202020204" pitchFamily="34" charset="0"/>
+                  </a:rPr>
+                  <a:t> and task label </a:t>
+                </a:r>
+                <a14:m>
+                  <m:oMath xmlns:m="http://schemas.openxmlformats.org/officeDocument/2006/math">
+                    <m:sSub>
+                      <m:sSubPr>
+                        <m:ctrlPr>
+                          <a:rPr lang="zh-CN" altLang="zh-CN" sz="2100" i="1">
+                            <a:latin typeface="Cambria Math" panose="02040503050406030204" pitchFamily="18" charset="0"/>
+                            <a:ea typeface="Cambria Math" panose="02040503050406030204" pitchFamily="18" charset="0"/>
+                          </a:rPr>
+                        </m:ctrlPr>
+                      </m:sSubPr>
+                      <m:e>
+                        <m:r>
+                          <a:rPr lang="en-US" altLang="zh-CN" sz="2100" i="1">
+                            <a:latin typeface="Cambria Math" panose="02040503050406030204" pitchFamily="18" charset="0"/>
+                            <a:ea typeface="等线" panose="02010600030101010101" pitchFamily="2" charset="-122"/>
+                            <a:cs typeface="Arial" panose="020B0604020202020204" pitchFamily="34" charset="0"/>
+                          </a:rPr>
+                          <m:t>𝑦</m:t>
+                        </m:r>
+                      </m:e>
+                      <m:sub>
+                        <m:r>
+                          <a:rPr lang="en-US" altLang="zh-CN" sz="2100" i="1">
+                            <a:latin typeface="Cambria Math" panose="02040503050406030204" pitchFamily="18" charset="0"/>
+                            <a:ea typeface="等线" panose="02010600030101010101" pitchFamily="2" charset="-122"/>
+                            <a:cs typeface="Arial" panose="020B0604020202020204" pitchFamily="34" charset="0"/>
+                          </a:rPr>
+                          <m:t>1</m:t>
+                        </m:r>
+                      </m:sub>
+                    </m:sSub>
+                  </m:oMath>
+                </a14:m>
+                <a:r>
+                  <a:rPr lang="en-US" altLang="zh-CN" sz="2100" dirty="0">
+                    <a:latin typeface="Arial" panose="020B0604020202020204" pitchFamily="34" charset="0"/>
+                    <a:cs typeface="Arial" panose="020B0604020202020204" pitchFamily="34" charset="0"/>
+                  </a:rPr>
+                  <a:t>, while other </a:t>
+                </a:r>
+                <a14:m>
+                  <m:oMath xmlns:m="http://schemas.openxmlformats.org/officeDocument/2006/math">
+                    <m:r>
+                      <a:rPr lang="en-US" altLang="zh-CN" sz="2100" i="1">
+                        <a:latin typeface="Cambria Math" panose="02040503050406030204" pitchFamily="18" charset="0"/>
+                        <a:ea typeface="等线" panose="02010600030101010101" pitchFamily="2" charset="-122"/>
+                        <a:cs typeface="Arial" panose="020B0604020202020204" pitchFamily="34" charset="0"/>
+                      </a:rPr>
+                      <m:t>𝑀</m:t>
+                    </m:r>
+                    <m:r>
+                      <a:rPr lang="en-US" altLang="zh-CN" sz="2100" i="1">
+                        <a:latin typeface="Cambria Math" panose="02040503050406030204" pitchFamily="18" charset="0"/>
+                        <a:ea typeface="等线" panose="02010600030101010101" pitchFamily="2" charset="-122"/>
+                        <a:cs typeface="Arial" panose="020B0604020202020204" pitchFamily="34" charset="0"/>
+                      </a:rPr>
+                      <m:t>−1 </m:t>
+                    </m:r>
+                  </m:oMath>
+                </a14:m>
+                <a:r>
+                  <a:rPr lang="en-US" altLang="zh-CN" sz="2100" dirty="0">
+                    <a:latin typeface="Arial" panose="020B0604020202020204" pitchFamily="34" charset="0"/>
+                    <a:cs typeface="Arial" panose="020B0604020202020204" pitchFamily="34" charset="0"/>
+                  </a:rPr>
+                  <a:t>organizations are collaborators which assist Alice and have local data </a:t>
+                </a:r>
+                <a14:m>
+                  <m:oMath xmlns:m="http://schemas.openxmlformats.org/officeDocument/2006/math">
+                    <m:sSub>
+                      <m:sSubPr>
+                        <m:ctrlPr>
+                          <a:rPr lang="zh-CN" altLang="zh-CN" sz="2100" i="1">
+                            <a:latin typeface="Cambria Math" panose="02040503050406030204" pitchFamily="18" charset="0"/>
+                            <a:ea typeface="Cambria Math" panose="02040503050406030204" pitchFamily="18" charset="0"/>
+                          </a:rPr>
+                        </m:ctrlPr>
+                      </m:sSubPr>
+                      <m:e>
+                        <m:r>
+                          <a:rPr lang="en-US" altLang="zh-CN" sz="2100" i="1">
+                            <a:latin typeface="Cambria Math" panose="02040503050406030204" pitchFamily="18" charset="0"/>
+                            <a:ea typeface="等线" panose="02010600030101010101" pitchFamily="2" charset="-122"/>
+                            <a:cs typeface="Arial" panose="020B0604020202020204" pitchFamily="34" charset="0"/>
+                          </a:rPr>
+                          <m:t>𝑥</m:t>
+                        </m:r>
+                      </m:e>
+                      <m:sub>
+                        <m:r>
+                          <a:rPr lang="en-US" altLang="zh-CN" sz="2100" i="1">
+                            <a:latin typeface="Cambria Math" panose="02040503050406030204" pitchFamily="18" charset="0"/>
+                            <a:ea typeface="等线" panose="02010600030101010101" pitchFamily="2" charset="-122"/>
+                            <a:cs typeface="Arial" panose="020B0604020202020204" pitchFamily="34" charset="0"/>
+                          </a:rPr>
+                          <m:t>2</m:t>
+                        </m:r>
+                      </m:sub>
+                    </m:sSub>
+                    <m:r>
+                      <a:rPr lang="zh-CN" altLang="zh-CN" sz="2100">
+                        <a:latin typeface="Cambria Math" panose="02040503050406030204" pitchFamily="18" charset="0"/>
+                        <a:ea typeface="等线" panose="02010600030101010101" pitchFamily="2" charset="-122"/>
+                        <a:cs typeface="Arial" panose="020B0604020202020204" pitchFamily="34" charset="0"/>
+                      </a:rPr>
+                      <m:t>…</m:t>
+                    </m:r>
+                    <m:sSub>
+                      <m:sSubPr>
+                        <m:ctrlPr>
+                          <a:rPr lang="zh-CN" altLang="zh-CN" sz="2100" i="1">
+                            <a:latin typeface="Cambria Math" panose="02040503050406030204" pitchFamily="18" charset="0"/>
+                            <a:ea typeface="Cambria Math" panose="02040503050406030204" pitchFamily="18" charset="0"/>
+                          </a:rPr>
+                        </m:ctrlPr>
+                      </m:sSubPr>
+                      <m:e>
+                        <m:r>
+                          <a:rPr lang="en-US" altLang="zh-CN" sz="2100" i="1">
+                            <a:latin typeface="Cambria Math" panose="02040503050406030204" pitchFamily="18" charset="0"/>
+                            <a:ea typeface="等线" panose="02010600030101010101" pitchFamily="2" charset="-122"/>
+                            <a:cs typeface="Arial" panose="020B0604020202020204" pitchFamily="34" charset="0"/>
+                          </a:rPr>
+                          <m:t>𝑥</m:t>
+                        </m:r>
+                      </m:e>
+                      <m:sub>
+                        <m:r>
+                          <a:rPr lang="en-US" altLang="zh-CN" sz="2100" i="1">
+                            <a:latin typeface="Cambria Math" panose="02040503050406030204" pitchFamily="18" charset="0"/>
+                            <a:ea typeface="等线" panose="02010600030101010101" pitchFamily="2" charset="-122"/>
+                            <a:cs typeface="Arial" panose="020B0604020202020204" pitchFamily="34" charset="0"/>
+                          </a:rPr>
+                          <m:t>𝑀</m:t>
+                        </m:r>
+                      </m:sub>
+                    </m:sSub>
+                  </m:oMath>
+                </a14:m>
+                <a:r>
+                  <a:rPr lang="en-US" altLang="zh-CN" sz="2100" dirty="0">
+                    <a:latin typeface="Arial" panose="020B0604020202020204" pitchFamily="34" charset="0"/>
+                    <a:cs typeface="Arial" panose="020B0604020202020204" pitchFamily="34" charset="0"/>
+                  </a:rPr>
+                  <a:t>.</a:t>
+                </a:r>
+                <a:endParaRPr kumimoji="0" lang="zh-CN" altLang="en-US" sz="2100" i="0" u="none" strike="noStrike" cap="none" spc="0" normalizeH="0" baseline="0" dirty="0">
+                  <a:ln>
+                    <a:noFill/>
+                  </a:ln>
+                  <a:solidFill>
+                    <a:srgbClr val="000000"/>
+                  </a:solidFill>
+                  <a:effectLst/>
+                  <a:uFillTx/>
+                  <a:latin typeface="Arial" panose="020B0604020202020204" pitchFamily="34" charset="0"/>
+                  <a:cs typeface="Arial" panose="020B0604020202020204" pitchFamily="34" charset="0"/>
+                  <a:sym typeface="Calibri"/>
+                </a:endParaRPr>
+              </a:p>
+            </p:txBody>
+          </p:sp>
+        </mc:Choice>
+        <mc:Fallback>
+          <p:sp>
+            <p:nvSpPr>
+              <p:cNvPr id="27" name="文本框 26">
+                <a:extLst>
+                  <a:ext uri="{FF2B5EF4-FFF2-40B4-BE49-F238E27FC236}">
+                    <a16:creationId xmlns:a16="http://schemas.microsoft.com/office/drawing/2014/main" id="{7FFBF49F-B80B-69AE-1A87-003A08A44249}"/>
+                  </a:ext>
+                </a:extLst>
+              </p:cNvPr>
+              <p:cNvSpPr txBox="1">
+                <a:spLocks noRot="1" noChangeAspect="1" noMove="1" noResize="1" noEditPoints="1" noAdjustHandles="1" noChangeArrowheads="1" noChangeShapeType="1" noTextEdit="1"/>
+              </p:cNvSpPr>
+              <p:nvPr/>
+            </p:nvSpPr>
+            <p:spPr>
+              <a:xfrm>
+                <a:off x="11702328" y="4569912"/>
+                <a:ext cx="10291340" cy="2379945"/>
+              </a:xfrm>
+              <a:prstGeom prst="rect">
+                <a:avLst/>
+              </a:prstGeom>
+              <a:blipFill>
+                <a:blip r:embed="rId12"/>
+                <a:stretch>
+                  <a:fillRect l="-1066" t="-1795" r="-1066" b="-4103"/>
+                </a:stretch>
+              </a:blipFill>
+              <a:ln w="12700" cap="flat">
+                <a:noFill/>
+                <a:miter lim="400000"/>
+              </a:ln>
+              <a:effectLst/>
+            </p:spPr>
+            <p:txBody>
+              <a:bodyPr/>
+              <a:lstStyle/>
+              <a:p>
+                <a:r>
+                  <a:rPr lang="zh-CN" altLang="en-US">
+                    <a:noFill/>
+                  </a:rPr>
+                  <a:t> </a:t>
+                </a:r>
+              </a:p>
+            </p:txBody>
+          </p:sp>
+        </mc:Fallback>
+      </mc:AlternateContent>
+      <p:pic>
+        <p:nvPicPr>
+          <p:cNvPr id="29" name="图片 28">
+            <a:extLst>
+              <a:ext uri="{FF2B5EF4-FFF2-40B4-BE49-F238E27FC236}">
+                <a16:creationId xmlns:a16="http://schemas.microsoft.com/office/drawing/2014/main" id="{45846376-4A6F-2B05-04A6-15DED7637125}"/>
+              </a:ext>
+            </a:extLst>
+          </p:cNvPr>
+          <p:cNvPicPr>
+            <a:picLocks noChangeAspect="1"/>
+          </p:cNvPicPr>
+          <p:nvPr/>
+        </p:nvPicPr>
+        <p:blipFill>
+          <a:blip r:embed="rId13"/>
+          <a:stretch>
+            <a:fillRect/>
+          </a:stretch>
+        </p:blipFill>
+        <p:spPr>
+          <a:xfrm>
+            <a:off x="11700402" y="14403159"/>
+            <a:ext cx="10101538" cy="2967978"/>
+          </a:xfrm>
+          <a:prstGeom prst="rect">
+            <a:avLst/>
+          </a:prstGeom>
+        </p:spPr>
+      </p:pic>
+      <p:sp>
+        <p:nvSpPr>
+          <p:cNvPr id="31" name="文本框 30">
+            <a:extLst>
+              <a:ext uri="{FF2B5EF4-FFF2-40B4-BE49-F238E27FC236}">
+                <a16:creationId xmlns:a16="http://schemas.microsoft.com/office/drawing/2014/main" id="{F02C79B6-9B79-9CFC-C8BD-083503DE1FD9}"/>
+              </a:ext>
+            </a:extLst>
+          </p:cNvPr>
+          <p:cNvSpPr txBox="1"/>
+          <p:nvPr/>
+        </p:nvSpPr>
+        <p:spPr>
+          <a:xfrm>
+            <a:off x="11702328" y="9043274"/>
+            <a:ext cx="10291340" cy="415496"/>
+          </a:xfrm>
+          <a:prstGeom prst="rect">
+            <a:avLst/>
+          </a:prstGeom>
+          <a:noFill/>
+          <a:ln w="12700" cap="flat">
+            <a:noFill/>
+            <a:miter lim="400000"/>
+          </a:ln>
+          <a:effectLst/>
+          <a:sp3d/>
+        </p:spPr>
+        <p:style>
+          <a:lnRef idx="0">
+            <a:scrgbClr r="0" g="0" b="0"/>
+          </a:lnRef>
+          <a:fillRef idx="0">
+            <a:scrgbClr r="0" g="0" b="0"/>
+          </a:fillRef>
+          <a:effectRef idx="0">
+            <a:scrgbClr r="0" g="0" b="0"/>
+          </a:effectRef>
+          <a:fontRef idx="none"/>
+        </p:style>
+        <p:txBody>
+          <a:bodyPr rot="0" spcFirstLastPara="1" vertOverflow="overflow" horzOverflow="overflow" vert="horz" wrap="square" lIns="45719" tIns="45719" rIns="45719" bIns="45719" numCol="1" spcCol="38100" rtlCol="0" anchor="t">
+            <a:spAutoFit/>
+          </a:bodyPr>
+          <a:lstStyle/>
+          <a:p>
+            <a:pPr marL="342900" indent="-342900">
+              <a:buFont typeface="Arial" panose="020B0604020202020204" pitchFamily="34" charset="0"/>
+              <a:buChar char="•"/>
+            </a:pPr>
+            <a:r>
+              <a:rPr kumimoji="0" lang="en-US" altLang="zh-CN" sz="2100" i="0" u="none" strike="noStrike" cap="none" spc="0" normalizeH="0" baseline="0" dirty="0">
+                <a:ln>
+                  <a:noFill/>
+                </a:ln>
+                <a:solidFill>
+                  <a:srgbClr val="000000"/>
+                </a:solidFill>
+                <a:effectLst/>
+                <a:uFillTx/>
+                <a:latin typeface="Arial" panose="020B0604020202020204" pitchFamily="34" charset="0"/>
+                <a:cs typeface="Arial" panose="020B0604020202020204" pitchFamily="34" charset="0"/>
+                <a:sym typeface="Calibri"/>
+              </a:rPr>
+              <a:t>Objectives </a:t>
+            </a:r>
+            <a:r>
+              <a:rPr lang="en-US" altLang="zh-CN" sz="2100" dirty="0">
+                <a:latin typeface="Arial" panose="020B0604020202020204" pitchFamily="34" charset="0"/>
+                <a:cs typeface="Arial" panose="020B0604020202020204" pitchFamily="34" charset="0"/>
+              </a:rPr>
+              <a:t>(Alice, Oracle) </a:t>
+            </a:r>
+            <a:r>
+              <a:rPr kumimoji="0" lang="en-US" altLang="zh-CN" sz="2100" i="0" u="none" strike="noStrike" cap="none" spc="0" normalizeH="0" baseline="0" dirty="0">
+                <a:ln>
+                  <a:noFill/>
+                </a:ln>
+                <a:solidFill>
+                  <a:srgbClr val="000000"/>
+                </a:solidFill>
+                <a:effectLst/>
+                <a:uFillTx/>
+                <a:latin typeface="Arial" panose="020B0604020202020204" pitchFamily="34" charset="0"/>
+                <a:cs typeface="Arial" panose="020B0604020202020204" pitchFamily="34" charset="0"/>
+                <a:sym typeface="Calibri"/>
+              </a:rPr>
+              <a:t>:</a:t>
+            </a:r>
+            <a:endParaRPr kumimoji="0" lang="zh-CN" altLang="en-US" sz="2100" i="0" u="none" strike="noStrike" cap="none" spc="0" normalizeH="0" baseline="0" dirty="0">
+              <a:ln>
+                <a:noFill/>
+              </a:ln>
+              <a:solidFill>
+                <a:srgbClr val="000000"/>
+              </a:solidFill>
+              <a:effectLst/>
+              <a:uFillTx/>
+              <a:latin typeface="Arial" panose="020B0604020202020204" pitchFamily="34" charset="0"/>
+              <a:cs typeface="Arial" panose="020B0604020202020204" pitchFamily="34" charset="0"/>
+              <a:sym typeface="Calibri"/>
+            </a:endParaRPr>
+          </a:p>
+        </p:txBody>
+      </p:sp>
+      <p:pic>
+        <p:nvPicPr>
+          <p:cNvPr id="33" name="图片 32">
+            <a:extLst>
+              <a:ext uri="{FF2B5EF4-FFF2-40B4-BE49-F238E27FC236}">
+                <a16:creationId xmlns:a16="http://schemas.microsoft.com/office/drawing/2014/main" id="{C416EC07-6F5A-76AC-5DEA-1118E5752F3E}"/>
+              </a:ext>
+            </a:extLst>
+          </p:cNvPr>
+          <p:cNvPicPr>
+            <a:picLocks noChangeAspect="1"/>
+          </p:cNvPicPr>
+          <p:nvPr/>
+        </p:nvPicPr>
+        <p:blipFill>
+          <a:blip r:embed="rId14"/>
+          <a:stretch>
+            <a:fillRect/>
+          </a:stretch>
+        </p:blipFill>
+        <p:spPr>
+          <a:xfrm>
+            <a:off x="12613453" y="9480282"/>
+            <a:ext cx="4196687" cy="594349"/>
+          </a:xfrm>
+          <a:prstGeom prst="rect">
+            <a:avLst/>
+          </a:prstGeom>
+        </p:spPr>
+      </p:pic>
+      <p:sp>
+        <p:nvSpPr>
+          <p:cNvPr id="34" name="文本框 33">
+            <a:extLst>
+              <a:ext uri="{FF2B5EF4-FFF2-40B4-BE49-F238E27FC236}">
+                <a16:creationId xmlns:a16="http://schemas.microsoft.com/office/drawing/2014/main" id="{3B885E7F-B98B-3030-DEB3-8085B912C79A}"/>
+              </a:ext>
+            </a:extLst>
+          </p:cNvPr>
+          <p:cNvSpPr txBox="1"/>
+          <p:nvPr/>
+        </p:nvSpPr>
+        <p:spPr>
+          <a:xfrm>
+            <a:off x="11702328" y="10040258"/>
+            <a:ext cx="10291340" cy="415496"/>
+          </a:xfrm>
+          <a:prstGeom prst="rect">
+            <a:avLst/>
+          </a:prstGeom>
+          <a:noFill/>
+          <a:ln w="12700" cap="flat">
+            <a:noFill/>
+            <a:miter lim="400000"/>
+          </a:ln>
+          <a:effectLst/>
+          <a:sp3d/>
+        </p:spPr>
+        <p:style>
+          <a:lnRef idx="0">
+            <a:scrgbClr r="0" g="0" b="0"/>
+          </a:lnRef>
+          <a:fillRef idx="0">
+            <a:scrgbClr r="0" g="0" b="0"/>
+          </a:fillRef>
+          <a:effectRef idx="0">
+            <a:scrgbClr r="0" g="0" b="0"/>
+          </a:effectRef>
+          <a:fontRef idx="none"/>
+        </p:style>
+        <p:txBody>
+          <a:bodyPr rot="0" spcFirstLastPara="1" vertOverflow="overflow" horzOverflow="overflow" vert="horz" wrap="square" lIns="45719" tIns="45719" rIns="45719" bIns="45719" numCol="1" spcCol="38100" rtlCol="0" anchor="t">
+            <a:spAutoFit/>
+          </a:bodyPr>
+          <a:lstStyle/>
+          <a:p>
+            <a:pPr marL="342900" indent="-342900">
+              <a:buFont typeface="Arial" panose="020B0604020202020204" pitchFamily="34" charset="0"/>
+              <a:buChar char="•"/>
+            </a:pPr>
+            <a:r>
+              <a:rPr kumimoji="0" lang="en-US" altLang="zh-CN" sz="2100" i="0" u="none" strike="noStrike" cap="none" spc="0" normalizeH="0" baseline="0" dirty="0">
+                <a:ln>
+                  <a:noFill/>
+                </a:ln>
+                <a:solidFill>
+                  <a:srgbClr val="000000"/>
+                </a:solidFill>
+                <a:effectLst/>
+                <a:uFillTx/>
+                <a:latin typeface="Arial" panose="020B0604020202020204" pitchFamily="34" charset="0"/>
+                <a:cs typeface="Arial" panose="020B0604020202020204" pitchFamily="34" charset="0"/>
+                <a:sym typeface="Calibri"/>
+              </a:rPr>
+              <a:t>GAL Objective:</a:t>
+            </a:r>
+            <a:endParaRPr kumimoji="0" lang="zh-CN" altLang="en-US" sz="2100" i="0" u="none" strike="noStrike" cap="none" spc="0" normalizeH="0" baseline="0" dirty="0">
+              <a:ln>
+                <a:noFill/>
+              </a:ln>
+              <a:solidFill>
+                <a:srgbClr val="000000"/>
+              </a:solidFill>
+              <a:effectLst/>
+              <a:uFillTx/>
+              <a:latin typeface="Arial" panose="020B0604020202020204" pitchFamily="34" charset="0"/>
+              <a:cs typeface="Arial" panose="020B0604020202020204" pitchFamily="34" charset="0"/>
+              <a:sym typeface="Calibri"/>
+            </a:endParaRPr>
+          </a:p>
+        </p:txBody>
+      </p:sp>
+      <p:pic>
+        <p:nvPicPr>
+          <p:cNvPr id="36" name="图片 35">
+            <a:extLst>
+              <a:ext uri="{FF2B5EF4-FFF2-40B4-BE49-F238E27FC236}">
+                <a16:creationId xmlns:a16="http://schemas.microsoft.com/office/drawing/2014/main" id="{D0DA1728-4CD0-AC1F-DCA4-3939DC5595AE}"/>
+              </a:ext>
+            </a:extLst>
+          </p:cNvPr>
+          <p:cNvPicPr>
+            <a:picLocks noChangeAspect="1"/>
+          </p:cNvPicPr>
+          <p:nvPr/>
+        </p:nvPicPr>
+        <p:blipFill>
+          <a:blip r:embed="rId15"/>
+          <a:stretch>
+            <a:fillRect/>
+          </a:stretch>
+        </p:blipFill>
+        <p:spPr>
+          <a:xfrm>
+            <a:off x="17124732" y="9466823"/>
+            <a:ext cx="3622755" cy="506915"/>
+          </a:xfrm>
+          <a:prstGeom prst="rect">
+            <a:avLst/>
+          </a:prstGeom>
+        </p:spPr>
+      </p:pic>
+      <p:pic>
+        <p:nvPicPr>
+          <p:cNvPr id="41" name="图片 40">
+            <a:extLst>
+              <a:ext uri="{FF2B5EF4-FFF2-40B4-BE49-F238E27FC236}">
+                <a16:creationId xmlns:a16="http://schemas.microsoft.com/office/drawing/2014/main" id="{01787105-DF36-9E05-EB68-8C59E32E886D}"/>
+              </a:ext>
+            </a:extLst>
+          </p:cNvPr>
+          <p:cNvPicPr>
+            <a:picLocks noChangeAspect="1"/>
+          </p:cNvPicPr>
+          <p:nvPr/>
+        </p:nvPicPr>
+        <p:blipFill>
+          <a:blip r:embed="rId16"/>
+          <a:stretch>
+            <a:fillRect/>
+          </a:stretch>
+        </p:blipFill>
+        <p:spPr>
+          <a:xfrm>
+            <a:off x="13949391" y="10401507"/>
+            <a:ext cx="5886450" cy="698326"/>
+          </a:xfrm>
+          <a:prstGeom prst="rect">
+            <a:avLst/>
+          </a:prstGeom>
+        </p:spPr>
+      </p:pic>
+      <p:sp>
+        <p:nvSpPr>
+          <p:cNvPr id="43" name="TextBox 44">
+            <a:extLst>
+              <a:ext uri="{FF2B5EF4-FFF2-40B4-BE49-F238E27FC236}">
+                <a16:creationId xmlns:a16="http://schemas.microsoft.com/office/drawing/2014/main" id="{DF03EEA1-58C7-B5B7-4ECE-008B688F79C5}"/>
+              </a:ext>
+            </a:extLst>
+          </p:cNvPr>
+          <p:cNvSpPr txBox="1"/>
+          <p:nvPr/>
+        </p:nvSpPr>
+        <p:spPr>
+          <a:xfrm>
+            <a:off x="11687536" y="11099833"/>
+            <a:ext cx="9064533" cy="415498"/>
+          </a:xfrm>
+          <a:prstGeom prst="rect">
+            <a:avLst/>
+          </a:prstGeom>
+          <a:ln w="12700">
+            <a:miter lim="400000"/>
+          </a:ln>
+          <a:extLst>
+            <a:ext uri="{C572A759-6A51-4108-AA02-DFA0A04FC94B}">
+              <ma14:wrappingTextBoxFlag xmlns="" xmlns:m="http://schemas.openxmlformats.org/officeDocument/2006/math" xmlns:a14="http://schemas.microsoft.com/office/drawing/2010/main" xmlns:ma14="http://schemas.microsoft.com/office/mac/drawingml/2011/main" val="1"/>
+            </a:ext>
+          </a:extLst>
+        </p:spPr>
+        <p:txBody>
+          <a:bodyPr wrap="square" lIns="45719" rIns="45719">
+            <a:spAutoFit/>
+          </a:bodyPr>
+          <a:lstStyle>
+            <a:lvl1pPr>
+              <a:defRPr sz="2100">
                 <a:latin typeface="Arial"/>
+                <a:ea typeface="Arial"/>
                 <a:cs typeface="Arial"/>
+                <a:sym typeface="Arial"/>
+              </a:defRPr>
+            </a:lvl1pPr>
+          </a:lstStyle>
+          <a:p>
+            <a:r>
+              <a:rPr lang="en-US" b="1" i="1" dirty="0">
+                <a:solidFill>
+                  <a:schemeClr val="accent1"/>
+                </a:solidFill>
               </a:rPr>
-              <a:t>Local models must share the same architecture as the global model in federated learning?</a:t>
+              <a:t>The</a:t>
+            </a:r>
+            <a:r>
+              <a:rPr lang="zh-CN" altLang="en-US" b="1" i="1" dirty="0">
+                <a:solidFill>
+                  <a:schemeClr val="accent1"/>
+                </a:solidFill>
+              </a:rPr>
+              <a:t> </a:t>
+            </a:r>
+            <a:r>
+              <a:rPr lang="en-US" altLang="zh-CN" b="1" i="1" dirty="0">
+                <a:solidFill>
+                  <a:schemeClr val="accent1"/>
+                </a:solidFill>
+              </a:rPr>
+              <a:t>GAL</a:t>
+            </a:r>
+            <a:r>
+              <a:rPr lang="zh-CN" altLang="en-US" b="1" i="1" dirty="0">
+                <a:solidFill>
+                  <a:schemeClr val="accent1"/>
+                </a:solidFill>
+              </a:rPr>
+              <a:t> </a:t>
+            </a:r>
+            <a:r>
+              <a:rPr lang="en-US" altLang="zh-CN" b="1" i="1" dirty="0">
+                <a:solidFill>
+                  <a:schemeClr val="accent1"/>
+                </a:solidFill>
+              </a:rPr>
+              <a:t>algorithm</a:t>
+            </a:r>
+            <a:endParaRPr lang="fr-FR" b="1" i="1" dirty="0">
+              <a:solidFill>
+                <a:schemeClr val="accent1"/>
+              </a:solidFill>
+            </a:endParaRPr>
+          </a:p>
+        </p:txBody>
+      </p:sp>
+      <p:pic>
+        <p:nvPicPr>
+          <p:cNvPr id="45" name="图片 44">
+            <a:extLst>
+              <a:ext uri="{FF2B5EF4-FFF2-40B4-BE49-F238E27FC236}">
+                <a16:creationId xmlns:a16="http://schemas.microsoft.com/office/drawing/2014/main" id="{2F992E51-D6C7-C6BA-8E50-DC6FBC7E1D2D}"/>
+              </a:ext>
+            </a:extLst>
+          </p:cNvPr>
+          <p:cNvPicPr>
+            <a:picLocks noChangeAspect="1"/>
+          </p:cNvPicPr>
+          <p:nvPr/>
+        </p:nvPicPr>
+        <p:blipFill>
+          <a:blip r:embed="rId17"/>
+          <a:stretch>
+            <a:fillRect/>
+          </a:stretch>
+        </p:blipFill>
+        <p:spPr>
+          <a:xfrm>
+            <a:off x="18499255" y="11299432"/>
+            <a:ext cx="2847707" cy="670049"/>
+          </a:xfrm>
+          <a:prstGeom prst="rect">
+            <a:avLst/>
+          </a:prstGeom>
+        </p:spPr>
+      </p:pic>
+      <p:sp>
+        <p:nvSpPr>
+          <p:cNvPr id="46" name="文本框 45">
+            <a:extLst>
+              <a:ext uri="{FF2B5EF4-FFF2-40B4-BE49-F238E27FC236}">
+                <a16:creationId xmlns:a16="http://schemas.microsoft.com/office/drawing/2014/main" id="{251A6509-4529-B6BF-2B00-9F2E5BB2A31C}"/>
+              </a:ext>
+            </a:extLst>
+          </p:cNvPr>
+          <p:cNvSpPr txBox="1"/>
+          <p:nvPr/>
+        </p:nvSpPr>
+        <p:spPr>
+          <a:xfrm>
+            <a:off x="11682954" y="11426709"/>
+            <a:ext cx="10291340" cy="415496"/>
+          </a:xfrm>
+          <a:prstGeom prst="rect">
+            <a:avLst/>
+          </a:prstGeom>
+          <a:noFill/>
+          <a:ln w="12700" cap="flat">
+            <a:noFill/>
+            <a:miter lim="400000"/>
+          </a:ln>
+          <a:effectLst/>
+          <a:sp3d/>
+        </p:spPr>
+        <p:style>
+          <a:lnRef idx="0">
+            <a:scrgbClr r="0" g="0" b="0"/>
+          </a:lnRef>
+          <a:fillRef idx="0">
+            <a:scrgbClr r="0" g="0" b="0"/>
+          </a:fillRef>
+          <a:effectRef idx="0">
+            <a:scrgbClr r="0" g="0" b="0"/>
+          </a:effectRef>
+          <a:fontRef idx="none"/>
+        </p:style>
+        <p:txBody>
+          <a:bodyPr rot="0" spcFirstLastPara="1" vertOverflow="overflow" horzOverflow="overflow" vert="horz" wrap="square" lIns="45719" tIns="45719" rIns="45719" bIns="45719" numCol="1" spcCol="38100" rtlCol="0" anchor="t">
+            <a:spAutoFit/>
+          </a:bodyPr>
+          <a:lstStyle/>
+          <a:p>
+            <a:pPr marL="342900" indent="-342900">
+              <a:buFont typeface="Arial" panose="020B0604020202020204" pitchFamily="34" charset="0"/>
+              <a:buChar char="•"/>
+            </a:pPr>
+            <a:r>
+              <a:rPr lang="en-US" altLang="zh-CN" sz="2100" dirty="0">
+                <a:latin typeface="Arial" panose="020B0604020202020204" pitchFamily="34" charset="0"/>
+                <a:cs typeface="Arial" panose="020B0604020202020204" pitchFamily="34" charset="0"/>
+              </a:rPr>
+              <a:t>Local organizations iteratively fit the pseudo-residuals</a:t>
+            </a:r>
+          </a:p>
+        </p:txBody>
+      </p:sp>
+      <p:pic>
+        <p:nvPicPr>
+          <p:cNvPr id="52" name="图片 51">
+            <a:extLst>
+              <a:ext uri="{FF2B5EF4-FFF2-40B4-BE49-F238E27FC236}">
+                <a16:creationId xmlns:a16="http://schemas.microsoft.com/office/drawing/2014/main" id="{63FCD8A5-D130-A287-150C-8D0DF5C835AD}"/>
+              </a:ext>
+            </a:extLst>
+          </p:cNvPr>
+          <p:cNvPicPr>
+            <a:picLocks noChangeAspect="1"/>
+          </p:cNvPicPr>
+          <p:nvPr/>
+        </p:nvPicPr>
+        <p:blipFill rotWithShape="1">
+          <a:blip r:embed="rId18"/>
+          <a:srcRect t="3644"/>
+          <a:stretch/>
+        </p:blipFill>
+        <p:spPr>
+          <a:xfrm>
+            <a:off x="14029826" y="12255579"/>
+            <a:ext cx="5366780" cy="486339"/>
+          </a:xfrm>
+          <a:prstGeom prst="rect">
+            <a:avLst/>
+          </a:prstGeom>
+        </p:spPr>
+      </p:pic>
+      <p:pic>
+        <p:nvPicPr>
+          <p:cNvPr id="58" name="图片 57">
+            <a:extLst>
+              <a:ext uri="{FF2B5EF4-FFF2-40B4-BE49-F238E27FC236}">
+                <a16:creationId xmlns:a16="http://schemas.microsoft.com/office/drawing/2014/main" id="{F87CAA8E-269F-4C2B-4126-87DAA2CACF1A}"/>
+              </a:ext>
+            </a:extLst>
+          </p:cNvPr>
+          <p:cNvPicPr>
+            <a:picLocks noChangeAspect="1"/>
+          </p:cNvPicPr>
+          <p:nvPr/>
+        </p:nvPicPr>
+        <p:blipFill>
+          <a:blip r:embed="rId19"/>
+          <a:stretch>
+            <a:fillRect/>
+          </a:stretch>
+        </p:blipFill>
+        <p:spPr>
+          <a:xfrm>
+            <a:off x="13754656" y="13123969"/>
+            <a:ext cx="6110968" cy="450219"/>
+          </a:xfrm>
+          <a:prstGeom prst="rect">
+            <a:avLst/>
+          </a:prstGeom>
+        </p:spPr>
+      </p:pic>
+      <p:sp>
+        <p:nvSpPr>
+          <p:cNvPr id="63" name="TextBox 44">
+            <a:extLst>
+              <a:ext uri="{FF2B5EF4-FFF2-40B4-BE49-F238E27FC236}">
+                <a16:creationId xmlns:a16="http://schemas.microsoft.com/office/drawing/2014/main" id="{78E6178F-76B8-05E0-134D-251501771C6F}"/>
+              </a:ext>
+            </a:extLst>
+          </p:cNvPr>
+          <p:cNvSpPr txBox="1"/>
+          <p:nvPr/>
+        </p:nvSpPr>
+        <p:spPr>
+          <a:xfrm>
+            <a:off x="11736193" y="17690700"/>
+            <a:ext cx="9064533" cy="415498"/>
+          </a:xfrm>
+          <a:prstGeom prst="rect">
+            <a:avLst/>
+          </a:prstGeom>
+          <a:ln w="12700">
+            <a:miter lim="400000"/>
+          </a:ln>
+          <a:extLst>
+            <a:ext uri="{C572A759-6A51-4108-AA02-DFA0A04FC94B}">
+              <ma14:wrappingTextBoxFlag xmlns="" xmlns:m="http://schemas.openxmlformats.org/officeDocument/2006/math" xmlns:a14="http://schemas.microsoft.com/office/drawing/2010/main" xmlns:ma14="http://schemas.microsoft.com/office/mac/drawingml/2011/main" val="1"/>
+            </a:ext>
+          </a:extLst>
+        </p:spPr>
+        <p:txBody>
+          <a:bodyPr wrap="square" lIns="45719" rIns="45719">
+            <a:spAutoFit/>
+          </a:bodyPr>
+          <a:lstStyle>
+            <a:lvl1pPr>
+              <a:defRPr sz="2100">
+                <a:latin typeface="Arial"/>
+                <a:ea typeface="Arial"/>
+                <a:cs typeface="Arial"/>
+                <a:sym typeface="Arial"/>
+              </a:defRPr>
+            </a:lvl1pPr>
+          </a:lstStyle>
+          <a:p>
+            <a:r>
+              <a:rPr lang="en-US" b="1" i="1" dirty="0">
+                <a:solidFill>
+                  <a:schemeClr val="accent1"/>
+                </a:solidFill>
+              </a:rPr>
+              <a:t>T</a:t>
+            </a:r>
+            <a:r>
+              <a:rPr lang="en-US" altLang="zh-CN" b="1" i="1" dirty="0">
+                <a:solidFill>
+                  <a:schemeClr val="accent1"/>
+                </a:solidFill>
+              </a:rPr>
+              <a:t>heoretical analysis</a:t>
+            </a:r>
+            <a:endParaRPr lang="fr-FR" b="1" i="1" dirty="0">
+              <a:solidFill>
+                <a:schemeClr val="accent1"/>
+              </a:solidFill>
+            </a:endParaRPr>
+          </a:p>
+        </p:txBody>
+      </p:sp>
+      <p:sp>
+        <p:nvSpPr>
+          <p:cNvPr id="66" name="文本框 65">
+            <a:extLst>
+              <a:ext uri="{FF2B5EF4-FFF2-40B4-BE49-F238E27FC236}">
+                <a16:creationId xmlns:a16="http://schemas.microsoft.com/office/drawing/2014/main" id="{4B0995C9-C35F-D6F5-E24F-7278C38C133D}"/>
+              </a:ext>
+            </a:extLst>
+          </p:cNvPr>
+          <p:cNvSpPr txBox="1"/>
+          <p:nvPr/>
+        </p:nvSpPr>
+        <p:spPr>
+          <a:xfrm>
+            <a:off x="11687536" y="11873528"/>
+            <a:ext cx="10186842" cy="415496"/>
+          </a:xfrm>
+          <a:prstGeom prst="rect">
+            <a:avLst/>
+          </a:prstGeom>
+          <a:noFill/>
+          <a:ln w="12700" cap="flat">
+            <a:noFill/>
+            <a:miter lim="400000"/>
+          </a:ln>
+          <a:effectLst/>
+          <a:sp3d/>
+        </p:spPr>
+        <p:style>
+          <a:lnRef idx="0">
+            <a:scrgbClr r="0" g="0" b="0"/>
+          </a:lnRef>
+          <a:fillRef idx="0">
+            <a:scrgbClr r="0" g="0" b="0"/>
+          </a:fillRef>
+          <a:effectRef idx="0">
+            <a:scrgbClr r="0" g="0" b="0"/>
+          </a:effectRef>
+          <a:fontRef idx="none"/>
+        </p:style>
+        <p:txBody>
+          <a:bodyPr rot="0" spcFirstLastPara="1" vertOverflow="overflow" horzOverflow="overflow" vert="horz" wrap="square" lIns="45719" tIns="45719" rIns="45719" bIns="45719" numCol="1" spcCol="38100" rtlCol="0" anchor="t">
+            <a:spAutoFit/>
+          </a:bodyPr>
+          <a:lstStyle/>
+          <a:p>
+            <a:pPr marL="342900" marR="0" lvl="0" indent="-342900" algn="l" defTabSz="326532" rtl="0" eaLnBrk="1" fontAlgn="auto" latinLnBrk="0" hangingPunct="0">
+              <a:lnSpc>
+                <a:spcPct val="100000"/>
+              </a:lnSpc>
+              <a:spcBef>
+                <a:spcPts val="0"/>
+              </a:spcBef>
+              <a:spcAft>
+                <a:spcPts val="0"/>
+              </a:spcAft>
+              <a:buClrTx/>
+              <a:buSzTx/>
+              <a:buFont typeface="Arial" panose="020B0604020202020204" pitchFamily="34" charset="0"/>
+              <a:buChar char="•"/>
+              <a:tabLst/>
+              <a:defRPr/>
+            </a:pPr>
+            <a:r>
+              <a:rPr kumimoji="0" lang="en-US" altLang="zh-CN" sz="2100" b="0" i="0" u="none" strike="noStrike" kern="0" cap="none" spc="0" normalizeH="0" baseline="0" noProof="0" dirty="0">
+                <a:ln>
+                  <a:noFill/>
+                </a:ln>
+                <a:solidFill>
+                  <a:srgbClr val="000000"/>
+                </a:solidFill>
+                <a:effectLst/>
+                <a:uLnTx/>
+                <a:uFillTx/>
+                <a:latin typeface="Arial" panose="020B0604020202020204" pitchFamily="34" charset="0"/>
+                <a:cs typeface="Arial" panose="020B0604020202020204" pitchFamily="34" charset="0"/>
+                <a:sym typeface="Calibri"/>
+              </a:rPr>
+              <a:t>Optimize the gradient assistance weights</a:t>
+            </a:r>
+          </a:p>
+        </p:txBody>
+      </p:sp>
+      <p:sp>
+        <p:nvSpPr>
+          <p:cNvPr id="69" name="文本框 68">
+            <a:extLst>
+              <a:ext uri="{FF2B5EF4-FFF2-40B4-BE49-F238E27FC236}">
+                <a16:creationId xmlns:a16="http://schemas.microsoft.com/office/drawing/2014/main" id="{8BAA1955-1AD8-CD90-7DAE-27EB0097074E}"/>
+              </a:ext>
+            </a:extLst>
+          </p:cNvPr>
+          <p:cNvSpPr txBox="1"/>
+          <p:nvPr/>
+        </p:nvSpPr>
+        <p:spPr>
+          <a:xfrm>
+            <a:off x="11687536" y="12722079"/>
+            <a:ext cx="10186842" cy="600162"/>
+          </a:xfrm>
+          <a:prstGeom prst="rect">
+            <a:avLst/>
+          </a:prstGeom>
+          <a:noFill/>
+          <a:ln w="12700" cap="flat">
+            <a:noFill/>
+            <a:miter lim="400000"/>
+          </a:ln>
+          <a:effectLst/>
+          <a:sp3d/>
+        </p:spPr>
+        <p:style>
+          <a:lnRef idx="0">
+            <a:scrgbClr r="0" g="0" b="0"/>
+          </a:lnRef>
+          <a:fillRef idx="0">
+            <a:scrgbClr r="0" g="0" b="0"/>
+          </a:fillRef>
+          <a:effectRef idx="0">
+            <a:scrgbClr r="0" g="0" b="0"/>
+          </a:effectRef>
+          <a:fontRef idx="none"/>
+        </p:style>
+        <p:txBody>
+          <a:bodyPr rot="0" spcFirstLastPara="1" vertOverflow="overflow" horzOverflow="overflow" vert="horz" wrap="square" lIns="45719" tIns="45719" rIns="45719" bIns="45719" numCol="1" spcCol="38100" rtlCol="0" anchor="t">
+            <a:spAutoFit/>
+          </a:bodyPr>
+          <a:lstStyle/>
+          <a:p>
+            <a:pPr marL="342900" marR="0" lvl="0" indent="-342900" algn="l" defTabSz="326532" rtl="0" eaLnBrk="1" fontAlgn="auto" latinLnBrk="0" hangingPunct="0">
+              <a:lnSpc>
+                <a:spcPct val="100000"/>
+              </a:lnSpc>
+              <a:spcBef>
+                <a:spcPts val="0"/>
+              </a:spcBef>
+              <a:spcAft>
+                <a:spcPts val="0"/>
+              </a:spcAft>
+              <a:buClrTx/>
+              <a:buSzTx/>
+              <a:buFont typeface="Arial" panose="020B0604020202020204" pitchFamily="34" charset="0"/>
+              <a:buChar char="•"/>
+              <a:tabLst/>
+              <a:defRPr/>
+            </a:pPr>
+            <a:r>
+              <a:rPr kumimoji="0" lang="en-US" altLang="zh-CN" sz="2100" b="0" i="0" u="none" strike="noStrike" kern="0" cap="none" spc="0" normalizeH="0" baseline="0" noProof="0" dirty="0">
+                <a:ln>
+                  <a:noFill/>
+                </a:ln>
+                <a:solidFill>
+                  <a:srgbClr val="000000"/>
+                </a:solidFill>
+                <a:effectLst/>
+                <a:uLnTx/>
+                <a:uFillTx/>
+                <a:latin typeface="Arial" panose="020B0604020202020204" pitchFamily="34" charset="0"/>
+                <a:cs typeface="Arial" panose="020B0604020202020204" pitchFamily="34" charset="0"/>
+                <a:sym typeface="Calibri"/>
+              </a:rPr>
+              <a:t>Line-search for the gradient assisted learning rate</a:t>
             </a:r>
           </a:p>
           <a:p>
@@ -2695,22 +5806,140 @@
               <a:buNone/>
               <a:tabLst/>
             </a:pPr>
-            <a:endParaRPr lang="zh-CN" altLang="en-US" sz="2100" b="1" dirty="0">
+            <a:endParaRPr kumimoji="0" lang="zh-CN" altLang="en-US" sz="1200" b="0" i="0" u="none" strike="noStrike" cap="none" spc="0" normalizeH="0" baseline="0" dirty="0">
+              <a:ln>
+                <a:noFill/>
+              </a:ln>
               <a:solidFill>
-                <a:srgbClr val="0070C0"/>
+                <a:srgbClr val="000000"/>
               </a:solidFill>
-              <a:latin typeface="Arial"/>
-              <a:cs typeface="Arial"/>
+              <a:effectLst/>
+              <a:uFillTx/>
+              <a:latin typeface="+mn-lt"/>
+              <a:ea typeface="+mn-ea"/>
+              <a:cs typeface="+mn-cs"/>
+              <a:sym typeface="Calibri"/>
+            </a:endParaRPr>
+          </a:p>
+        </p:txBody>
+      </p:sp>
+      <p:sp>
+        <p:nvSpPr>
+          <p:cNvPr id="76" name="文本框 75">
+            <a:extLst>
+              <a:ext uri="{FF2B5EF4-FFF2-40B4-BE49-F238E27FC236}">
+                <a16:creationId xmlns:a16="http://schemas.microsoft.com/office/drawing/2014/main" id="{F7CF9DA2-CCBF-AF2D-9301-890F6DECFD87}"/>
+              </a:ext>
+            </a:extLst>
+          </p:cNvPr>
+          <p:cNvSpPr txBox="1"/>
+          <p:nvPr/>
+        </p:nvSpPr>
+        <p:spPr>
+          <a:xfrm>
+            <a:off x="11669458" y="13506378"/>
+            <a:ext cx="8331200" cy="415498"/>
+          </a:xfrm>
+          <a:prstGeom prst="rect">
+            <a:avLst/>
+          </a:prstGeom>
+          <a:noFill/>
+          <a:ln w="12700" cap="flat">
+            <a:noFill/>
+            <a:miter lim="400000"/>
+          </a:ln>
+          <a:effectLst/>
+          <a:sp3d/>
+        </p:spPr>
+        <p:style>
+          <a:lnRef idx="0">
+            <a:scrgbClr r="0" g="0" b="0"/>
+          </a:lnRef>
+          <a:fillRef idx="0">
+            <a:scrgbClr r="0" g="0" b="0"/>
+          </a:fillRef>
+          <a:effectRef idx="0">
+            <a:scrgbClr r="0" g="0" b="0"/>
+          </a:effectRef>
+          <a:fontRef idx="none"/>
+        </p:style>
+        <p:txBody>
+          <a:bodyPr wrap="square">
+            <a:spAutoFit/>
+          </a:bodyPr>
+          <a:lstStyle/>
+          <a:p>
+            <a:pPr marL="342900" marR="0" lvl="0" indent="-342900" algn="l" defTabSz="326532" rtl="0" eaLnBrk="1" fontAlgn="auto" latinLnBrk="0" hangingPunct="0">
+              <a:lnSpc>
+                <a:spcPct val="100000"/>
+              </a:lnSpc>
+              <a:spcBef>
+                <a:spcPts val="0"/>
+              </a:spcBef>
+              <a:spcAft>
+                <a:spcPts val="0"/>
+              </a:spcAft>
+              <a:buClrTx/>
+              <a:buSzTx/>
+              <a:buFont typeface="Arial" panose="020B0604020202020204" pitchFamily="34" charset="0"/>
+              <a:buChar char="•"/>
+              <a:tabLst/>
+              <a:defRPr/>
+            </a:pPr>
+            <a:r>
+              <a:rPr kumimoji="0" lang="en-US" altLang="zh-CN" sz="2100" b="0" i="0" u="none" strike="noStrike" kern="0" cap="none" spc="0" normalizeH="0" baseline="0" noProof="0" dirty="0">
+                <a:ln>
+                  <a:noFill/>
+                </a:ln>
+                <a:solidFill>
+                  <a:srgbClr val="000000"/>
+                </a:solidFill>
+                <a:effectLst/>
+                <a:uLnTx/>
+                <a:uFillTx/>
+                <a:latin typeface="Arial" panose="020B0604020202020204" pitchFamily="34" charset="0"/>
+                <a:cs typeface="Arial" panose="020B0604020202020204" pitchFamily="34" charset="0"/>
+                <a:sym typeface="Calibri"/>
+              </a:rPr>
+              <a:t>Alice perform a functional gradient </a:t>
+            </a:r>
+            <a:r>
+              <a:rPr lang="en-US" altLang="zh-CN" sz="2100" b="0" i="0" dirty="0">
+                <a:solidFill>
+                  <a:srgbClr val="000000"/>
+                </a:solidFill>
+                <a:effectLst/>
+                <a:latin typeface="NimbusRomNo9L-Regu"/>
+              </a:rPr>
+              <a:t>descent step in the form of</a:t>
+            </a:r>
+            <a:r>
+              <a:rPr lang="en-US" altLang="zh-CN" sz="2100" dirty="0"/>
+              <a:t> </a:t>
+            </a:r>
+            <a:endParaRPr kumimoji="0" lang="zh-CN" altLang="en-US" sz="2100" b="0" i="0" u="none" strike="noStrike" kern="0" cap="none" spc="0" normalizeH="0" baseline="0" noProof="0" dirty="0">
+              <a:ln>
+                <a:noFill/>
+              </a:ln>
+              <a:solidFill>
+                <a:srgbClr val="000000"/>
+              </a:solidFill>
+              <a:effectLst/>
+              <a:uLnTx/>
+              <a:uFillTx/>
+              <a:latin typeface="Arial" panose="020B0604020202020204" pitchFamily="34" charset="0"/>
+              <a:cs typeface="Arial" panose="020B0604020202020204" pitchFamily="34" charset="0"/>
+              <a:sym typeface="Calibri"/>
             </a:endParaRPr>
           </a:p>
         </p:txBody>
       </p:sp>
       <p:pic>
         <p:nvPicPr>
-          <p:cNvPr id="11" name="图片 10">
+          <p:cNvPr id="78" name="图片 77">
             <a:extLst>
               <a:ext uri="{FF2B5EF4-FFF2-40B4-BE49-F238E27FC236}">
-                <a16:creationId xmlns:a16="http://schemas.microsoft.com/office/drawing/2014/main" id="{43E23FD1-F2EA-4595-82A7-0F549B43BDFF}"/>
+                <a16:creationId xmlns:a16="http://schemas.microsoft.com/office/drawing/2014/main" id="{8706AE4E-2D19-AEC8-4A15-F4562FE34F1D}"/>
               </a:ext>
             </a:extLst>
           </p:cNvPr>
@@ -2720,15 +5949,119 @@
           <p:nvPr/>
         </p:nvPicPr>
         <p:blipFill>
-          <a:blip r:embed="rId5"/>
+          <a:blip r:embed="rId20"/>
           <a:stretch>
             <a:fillRect/>
           </a:stretch>
         </p:blipFill>
         <p:spPr>
           <a:xfrm>
-            <a:off x="3190312" y="14386238"/>
-            <a:ext cx="4857556" cy="3400289"/>
+            <a:off x="13353957" y="13918481"/>
+            <a:ext cx="6534150" cy="495300"/>
+          </a:xfrm>
+          <a:prstGeom prst="rect">
+            <a:avLst/>
+          </a:prstGeom>
+        </p:spPr>
+      </p:pic>
+      <p:pic>
+        <p:nvPicPr>
+          <p:cNvPr id="83" name="图片 82">
+            <a:extLst>
+              <a:ext uri="{FF2B5EF4-FFF2-40B4-BE49-F238E27FC236}">
+                <a16:creationId xmlns:a16="http://schemas.microsoft.com/office/drawing/2014/main" id="{36DFE220-63EF-E4B1-D1A6-0253BC499B77}"/>
+              </a:ext>
+            </a:extLst>
+          </p:cNvPr>
+          <p:cNvPicPr>
+            <a:picLocks noChangeAspect="1"/>
+          </p:cNvPicPr>
+          <p:nvPr/>
+        </p:nvPicPr>
+        <p:blipFill>
+          <a:blip r:embed="rId21"/>
+          <a:stretch>
+            <a:fillRect/>
+          </a:stretch>
+        </p:blipFill>
+        <p:spPr>
+          <a:xfrm>
+            <a:off x="11969071" y="20008798"/>
+            <a:ext cx="9623771" cy="1439966"/>
+          </a:xfrm>
+          <a:prstGeom prst="rect">
+            <a:avLst/>
+          </a:prstGeom>
+          <a:ln w="38100" cap="sq">
+            <a:solidFill>
+              <a:srgbClr val="000000"/>
+            </a:solidFill>
+            <a:prstDash val="solid"/>
+            <a:miter lim="800000"/>
+          </a:ln>
+          <a:effectLst>
+            <a:outerShdw blurRad="50800" dist="38100" dir="2700000" algn="tl" rotWithShape="0">
+              <a:srgbClr val="000000">
+                <a:alpha val="43000"/>
+              </a:srgbClr>
+            </a:outerShdw>
+          </a:effectLst>
+        </p:spPr>
+      </p:pic>
+      <p:pic>
+        <p:nvPicPr>
+          <p:cNvPr id="92" name="图片 91">
+            <a:extLst>
+              <a:ext uri="{FF2B5EF4-FFF2-40B4-BE49-F238E27FC236}">
+                <a16:creationId xmlns:a16="http://schemas.microsoft.com/office/drawing/2014/main" id="{D6EC7AAC-7E5D-5E8D-DC1A-8ABEF07A156B}"/>
+              </a:ext>
+            </a:extLst>
+          </p:cNvPr>
+          <p:cNvPicPr>
+            <a:picLocks noChangeAspect="1"/>
+          </p:cNvPicPr>
+          <p:nvPr/>
+        </p:nvPicPr>
+        <p:blipFill>
+          <a:blip r:embed="rId22"/>
+          <a:stretch>
+            <a:fillRect/>
+          </a:stretch>
+        </p:blipFill>
+        <p:spPr>
+          <a:xfrm>
+            <a:off x="14469497" y="19444399"/>
+            <a:ext cx="4660332" cy="536068"/>
+          </a:xfrm>
+          <a:prstGeom prst="rect">
+            <a:avLst/>
+          </a:prstGeom>
+        </p:spPr>
+      </p:pic>
+      <p:pic>
+        <p:nvPicPr>
+          <p:cNvPr id="95" name="图片 94">
+            <a:extLst>
+              <a:ext uri="{FF2B5EF4-FFF2-40B4-BE49-F238E27FC236}">
+                <a16:creationId xmlns:a16="http://schemas.microsoft.com/office/drawing/2014/main" id="{4B83C0CF-9720-C470-6776-34B4E005CBA7}"/>
+              </a:ext>
+            </a:extLst>
+          </p:cNvPr>
+          <p:cNvPicPr>
+            <a:picLocks noChangeAspect="1"/>
+          </p:cNvPicPr>
+          <p:nvPr/>
+        </p:nvPicPr>
+        <p:blipFill>
+          <a:blip r:embed="rId23"/>
+          <a:stretch>
+            <a:fillRect/>
+          </a:stretch>
+        </p:blipFill>
+        <p:spPr>
+          <a:xfrm>
+            <a:off x="22604269" y="5350568"/>
+            <a:ext cx="9491714" cy="2420387"/>
           </a:xfrm>
           <a:prstGeom prst="rect">
             <a:avLst/>
@@ -2737,10 +6070,10 @@
       </p:pic>
       <p:sp>
         <p:nvSpPr>
-          <p:cNvPr id="68" name="TextBox 54">
+          <p:cNvPr id="96" name="TextBox 44">
             <a:extLst>
               <a:ext uri="{FF2B5EF4-FFF2-40B4-BE49-F238E27FC236}">
-                <a16:creationId xmlns:a16="http://schemas.microsoft.com/office/drawing/2014/main" id="{82943404-426B-4675-AAED-502FF3BBC060}"/>
+                <a16:creationId xmlns:a16="http://schemas.microsoft.com/office/drawing/2014/main" id="{9E626886-2BA4-3BDE-2344-B2FA82D52253}"/>
               </a:ext>
             </a:extLst>
           </p:cNvPr>
@@ -2749,8 +6082,8 @@
         </p:nvSpPr>
         <p:spPr>
           <a:xfrm>
-            <a:off x="1130068" y="18067696"/>
-            <a:ext cx="9029701" cy="738664"/>
+            <a:off x="22360943" y="4477090"/>
+            <a:ext cx="9064533" cy="415498"/>
           </a:xfrm>
           <a:prstGeom prst="rect">
             <a:avLst/>
@@ -2760,12 +6093,170 @@
           </a:ln>
           <a:extLst>
             <a:ext uri="{C572A759-6A51-4108-AA02-DFA0A04FC94B}">
-              <ma14:wrappingTextBoxFlag xmlns:ma14="http://schemas.microsoft.com/office/mac/drawingml/2011/main" xmlns:a14="http://schemas.microsoft.com/office/drawing/2010/main" xmlns:m="http://schemas.openxmlformats.org/officeDocument/2006/math" xmlns="" val="1"/>
+              <ma14:wrappingTextBoxFlag xmlns="" xmlns:m="http://schemas.openxmlformats.org/officeDocument/2006/math" xmlns:a14="http://schemas.microsoft.com/office/drawing/2010/main" xmlns:ma14="http://schemas.microsoft.com/office/mac/drawingml/2011/main" val="1"/>
             </a:ext>
           </a:extLst>
         </p:spPr>
         <p:txBody>
-          <a:bodyPr lIns="45719" rIns="45719">
+          <a:bodyPr wrap="square" lIns="45719" rIns="45719">
+            <a:spAutoFit/>
+          </a:bodyPr>
+          <a:lstStyle>
+            <a:lvl1pPr>
+              <a:defRPr sz="2100">
+                <a:latin typeface="Arial"/>
+                <a:ea typeface="Arial"/>
+                <a:cs typeface="Arial"/>
+                <a:sym typeface="Arial"/>
+              </a:defRPr>
+            </a:lvl1pPr>
+          </a:lstStyle>
+          <a:p>
+            <a:r>
+              <a:rPr lang="en-US" b="1" i="1" dirty="0">
+                <a:solidFill>
+                  <a:schemeClr val="accent1"/>
+                </a:solidFill>
+              </a:rPr>
+              <a:t>M</a:t>
+            </a:r>
+            <a:r>
+              <a:rPr lang="en-US" altLang="zh-CN" b="1" i="1" dirty="0">
+                <a:solidFill>
+                  <a:schemeClr val="accent1"/>
+                </a:solidFill>
+              </a:rPr>
+              <a:t>odel Autonomy</a:t>
+            </a:r>
+            <a:endParaRPr lang="fr-FR" b="1" i="1" dirty="0">
+              <a:solidFill>
+                <a:schemeClr val="accent1"/>
+              </a:solidFill>
+            </a:endParaRPr>
+          </a:p>
+        </p:txBody>
+      </p:sp>
+      <p:sp>
+        <p:nvSpPr>
+          <p:cNvPr id="99" name="TextBox 44">
+            <a:extLst>
+              <a:ext uri="{FF2B5EF4-FFF2-40B4-BE49-F238E27FC236}">
+                <a16:creationId xmlns:a16="http://schemas.microsoft.com/office/drawing/2014/main" id="{9551065F-D3A7-760F-E32B-8EF587D6AB72}"/>
+              </a:ext>
+            </a:extLst>
+          </p:cNvPr>
+          <p:cNvSpPr txBox="1"/>
+          <p:nvPr/>
+        </p:nvSpPr>
+        <p:spPr>
+          <a:xfrm>
+            <a:off x="22345947" y="7727674"/>
+            <a:ext cx="9064533" cy="415498"/>
+          </a:xfrm>
+          <a:prstGeom prst="rect">
+            <a:avLst/>
+          </a:prstGeom>
+          <a:ln w="12700">
+            <a:miter lim="400000"/>
+          </a:ln>
+          <a:extLst>
+            <a:ext uri="{C572A759-6A51-4108-AA02-DFA0A04FC94B}">
+              <ma14:wrappingTextBoxFlag xmlns="" xmlns:m="http://schemas.openxmlformats.org/officeDocument/2006/math" xmlns:a14="http://schemas.microsoft.com/office/drawing/2010/main" xmlns:ma14="http://schemas.microsoft.com/office/mac/drawingml/2011/main" val="1"/>
+            </a:ext>
+          </a:extLst>
+        </p:spPr>
+        <p:txBody>
+          <a:bodyPr wrap="square" lIns="45719" rIns="45719">
+            <a:spAutoFit/>
+          </a:bodyPr>
+          <a:lstStyle>
+            <a:lvl1pPr>
+              <a:defRPr sz="2100">
+                <a:latin typeface="Arial"/>
+                <a:ea typeface="Arial"/>
+                <a:cs typeface="Arial"/>
+                <a:sym typeface="Arial"/>
+              </a:defRPr>
+            </a:lvl1pPr>
+          </a:lstStyle>
+          <a:p>
+            <a:r>
+              <a:rPr lang="en-US" b="1" i="1" dirty="0">
+                <a:solidFill>
+                  <a:schemeClr val="accent1"/>
+                </a:solidFill>
+              </a:rPr>
+              <a:t>Deep Model Sharing</a:t>
+            </a:r>
+            <a:endParaRPr lang="fr-FR" b="1" i="1" dirty="0">
+              <a:solidFill>
+                <a:schemeClr val="accent1"/>
+              </a:solidFill>
+            </a:endParaRPr>
+          </a:p>
+        </p:txBody>
+      </p:sp>
+      <p:pic>
+        <p:nvPicPr>
+          <p:cNvPr id="101" name="图片 100">
+            <a:extLst>
+              <a:ext uri="{FF2B5EF4-FFF2-40B4-BE49-F238E27FC236}">
+                <a16:creationId xmlns:a16="http://schemas.microsoft.com/office/drawing/2014/main" id="{FFA5B66A-55F6-E5C7-499B-4E29A95294DA}"/>
+              </a:ext>
+            </a:extLst>
+          </p:cNvPr>
+          <p:cNvPicPr>
+            <a:picLocks noChangeAspect="1"/>
+          </p:cNvPicPr>
+          <p:nvPr/>
+        </p:nvPicPr>
+        <p:blipFill>
+          <a:blip r:embed="rId24"/>
+          <a:stretch>
+            <a:fillRect/>
+          </a:stretch>
+        </p:blipFill>
+        <p:spPr>
+          <a:xfrm>
+            <a:off x="24673981" y="15875343"/>
+            <a:ext cx="5669401" cy="2023106"/>
+          </a:xfrm>
+          <a:prstGeom prst="rect">
+            <a:avLst/>
+          </a:prstGeom>
+        </p:spPr>
+      </p:pic>
+      <p:sp>
+        <p:nvSpPr>
+          <p:cNvPr id="102" name="TextBox 54">
+            <a:extLst>
+              <a:ext uri="{FF2B5EF4-FFF2-40B4-BE49-F238E27FC236}">
+                <a16:creationId xmlns:a16="http://schemas.microsoft.com/office/drawing/2014/main" id="{85366F4C-A30E-993F-8A22-A85F72CD6E42}"/>
+              </a:ext>
+            </a:extLst>
+          </p:cNvPr>
+          <p:cNvSpPr txBox="1"/>
+          <p:nvPr/>
+        </p:nvSpPr>
+        <p:spPr>
+          <a:xfrm>
+            <a:off x="22378279" y="15636306"/>
+            <a:ext cx="10225339" cy="292388"/>
+          </a:xfrm>
+          <a:prstGeom prst="rect">
+            <a:avLst/>
+          </a:prstGeom>
+          <a:ln w="12700">
+            <a:miter lim="400000"/>
+          </a:ln>
+          <a:extLst>
+            <a:ext uri="{C572A759-6A51-4108-AA02-DFA0A04FC94B}">
+              <ma14:wrappingTextBoxFlag xmlns="" xmlns:m="http://schemas.openxmlformats.org/officeDocument/2006/math" xmlns:a14="http://schemas.microsoft.com/office/drawing/2010/main" xmlns:ma14="http://schemas.microsoft.com/office/mac/drawingml/2011/main" val="1"/>
+            </a:ext>
+          </a:extLst>
+        </p:spPr>
+        <p:txBody>
+          <a:bodyPr wrap="square" lIns="45719" rIns="45719">
             <a:spAutoFit/>
           </a:bodyPr>
           <a:lstStyle>
@@ -2783,38 +6274,52 @@
           </a:lstStyle>
           <a:p>
             <a:r>
-              <a:rPr lang="en-US" sz="2100" dirty="0">
+              <a:rPr lang="en-US" b="1" dirty="0">
                 <a:solidFill>
                   <a:schemeClr val="tx1"/>
                 </a:solidFill>
+                <a:latin typeface="Arial" panose="020B0604020202020204" pitchFamily="34" charset="0"/>
+                <a:cs typeface="Arial" panose="020B0604020202020204" pitchFamily="34" charset="0"/>
               </a:rPr>
-              <a:t>Figure 1. The computation and communication capabilities of each </a:t>
+              <a:t>Table 3</a:t>
             </a:r>
             <a:r>
-              <a:rPr lang="en-US" altLang="zh-CN" sz="2100" dirty="0">
+              <a:rPr lang="en-US" dirty="0">
                 <a:solidFill>
                   <a:schemeClr val="tx1"/>
                 </a:solidFill>
+                <a:latin typeface="Arial" panose="020B0604020202020204" pitchFamily="34" charset="0"/>
+                <a:cs typeface="Arial" panose="020B0604020202020204" pitchFamily="34" charset="0"/>
               </a:rPr>
-              <a:t>local </a:t>
+              <a:t>. </a:t>
             </a:r>
             <a:r>
-              <a:rPr lang="en-US" sz="2100" dirty="0">
+              <a:rPr lang="en-US" altLang="zh-CN" b="0" i="0" dirty="0">
                 <a:solidFill>
-                  <a:schemeClr val="tx1"/>
+                  <a:srgbClr val="000000"/>
                 </a:solidFill>
+                <a:effectLst/>
+                <a:latin typeface="Arial" panose="020B0604020202020204" pitchFamily="34" charset="0"/>
+                <a:cs typeface="Arial" panose="020B0604020202020204" pitchFamily="34" charset="0"/>
               </a:rPr>
-              <a:t>client may vary significantly and even dynamically.</a:t>
+              <a:t>Results of case studies of 3D object recognition and medical time series forecasting.</a:t>
             </a:r>
+            <a:endParaRPr lang="en-US" dirty="0">
+              <a:solidFill>
+                <a:schemeClr val="tx1"/>
+              </a:solidFill>
+              <a:latin typeface="Arial" panose="020B0604020202020204" pitchFamily="34" charset="0"/>
+              <a:cs typeface="Arial" panose="020B0604020202020204" pitchFamily="34" charset="0"/>
+            </a:endParaRPr>
           </a:p>
         </p:txBody>
       </p:sp>
       <p:sp>
         <p:nvSpPr>
-          <p:cNvPr id="69" name="TextBox 39">
+          <p:cNvPr id="103" name="TextBox 44">
             <a:extLst>
               <a:ext uri="{FF2B5EF4-FFF2-40B4-BE49-F238E27FC236}">
-                <a16:creationId xmlns:a16="http://schemas.microsoft.com/office/drawing/2014/main" id="{50AC2547-8495-49CE-90B5-5E8689B1AE5F}"/>
+                <a16:creationId xmlns:a16="http://schemas.microsoft.com/office/drawing/2014/main" id="{106180A7-B5D4-249A-35DB-EC389A1784B7}"/>
               </a:ext>
             </a:extLst>
           </p:cNvPr>
@@ -2823,8 +6328,8 @@
         </p:nvSpPr>
         <p:spPr>
           <a:xfrm>
-            <a:off x="11709970" y="16122208"/>
-            <a:ext cx="9064534" cy="5485861"/>
+            <a:off x="22378279" y="15219335"/>
+            <a:ext cx="9064533" cy="415498"/>
           </a:xfrm>
           <a:prstGeom prst="rect">
             <a:avLst/>
@@ -2834,23 +6339,17 @@
           </a:ln>
           <a:extLst>
             <a:ext uri="{C572A759-6A51-4108-AA02-DFA0A04FC94B}">
-              <ma14:wrappingTextBoxFlag xmlns:ma14="http://schemas.microsoft.com/office/mac/drawingml/2011/main" xmlns:a14="http://schemas.microsoft.com/office/drawing/2010/main" xmlns:m="http://schemas.openxmlformats.org/officeDocument/2006/math" xmlns="" val="1"/>
+              <ma14:wrappingTextBoxFlag xmlns="" xmlns:m="http://schemas.openxmlformats.org/officeDocument/2006/math" xmlns:a14="http://schemas.microsoft.com/office/drawing/2010/main" xmlns:ma14="http://schemas.microsoft.com/office/mac/drawingml/2011/main" val="1"/>
             </a:ext>
           </a:extLst>
         </p:spPr>
         <p:txBody>
-          <a:bodyPr lIns="45719" rIns="45719">
+          <a:bodyPr wrap="square" lIns="45719" rIns="45719">
             <a:spAutoFit/>
           </a:bodyPr>
           <a:lstStyle>
             <a:lvl1pPr>
-              <a:lnSpc>
-                <a:spcPct val="120000"/>
-              </a:lnSpc>
               <a:defRPr sz="2100">
-                <a:solidFill>
-                  <a:srgbClr val="344854"/>
-                </a:solidFill>
                 <a:latin typeface="Arial"/>
                 <a:ea typeface="Arial"/>
                 <a:cs typeface="Arial"/>
@@ -2859,196 +6358,36 @@
             </a:lvl1pPr>
           </a:lstStyle>
           <a:p>
-            <a:pPr marL="342900" indent="-342900">
-              <a:buFont typeface="Arial" panose="020B0604020202020204" pitchFamily="34" charset="0"/>
-              <a:buChar char="•"/>
-            </a:pPr>
             <a:r>
-              <a:rPr lang="en-US" altLang="zh-CN" b="1" i="1" dirty="0">
+              <a:rPr lang="en-US" b="1" i="1" dirty="0">
                 <a:solidFill>
                   <a:schemeClr val="accent1"/>
                 </a:solidFill>
-                <a:latin typeface="Arial" panose="020B0604020202020204" pitchFamily="34" charset="0"/>
               </a:rPr>
-              <a:t>S</a:t>
+              <a:t>C</a:t>
             </a:r>
             <a:r>
               <a:rPr lang="en-US" altLang="zh-CN" b="1" i="1" dirty="0">
                 <a:solidFill>
                   <a:schemeClr val="accent1"/>
                 </a:solidFill>
-                <a:effectLst/>
-                <a:latin typeface="Arial" panose="020B0604020202020204" pitchFamily="34" charset="0"/>
               </a:rPr>
-              <a:t>tatic Batch Normalization (</a:t>
+              <a:t>ase Studies</a:t>
             </a:r>
-            <a:r>
-              <a:rPr lang="en-US" altLang="zh-CN" b="1" i="1" dirty="0" err="1">
-                <a:solidFill>
-                  <a:schemeClr val="accent1"/>
-                </a:solidFill>
-                <a:effectLst/>
-                <a:latin typeface="Arial" panose="020B0604020202020204" pitchFamily="34" charset="0"/>
-              </a:rPr>
-              <a:t>sBN</a:t>
-            </a:r>
-            <a:r>
-              <a:rPr lang="en-US" altLang="zh-CN" b="1" i="1" dirty="0">
-                <a:solidFill>
-                  <a:schemeClr val="accent1"/>
-                </a:solidFill>
-                <a:effectLst/>
-                <a:latin typeface="Arial" panose="020B0604020202020204" pitchFamily="34" charset="0"/>
-              </a:rPr>
-              <a:t>)</a:t>
-            </a:r>
-            <a:r>
-              <a:rPr lang="en-US" altLang="zh-CN" b="1" i="0" dirty="0">
-                <a:solidFill>
-                  <a:schemeClr val="accent1"/>
-                </a:solidFill>
-                <a:effectLst/>
-                <a:latin typeface="Arial" panose="020B0604020202020204" pitchFamily="34" charset="0"/>
-              </a:rPr>
-              <a:t> </a:t>
-            </a:r>
-            <a:r>
-              <a:rPr lang="en-US" altLang="zh-CN" i="0" dirty="0">
-                <a:solidFill>
-                  <a:schemeClr val="tx1"/>
-                </a:solidFill>
-                <a:effectLst/>
-                <a:latin typeface="Arial" panose="020B0604020202020204" pitchFamily="34" charset="0"/>
-              </a:rPr>
-              <a:t>does not track running estimates and simply normalize batch data. After the training process finishes, the server sequentially query local clients and cumulatively update global BN statistics.</a:t>
-            </a:r>
-          </a:p>
-          <a:p>
-            <a:pPr marL="342900" indent="-342900">
-              <a:buFont typeface="Arial" panose="020B0604020202020204" pitchFamily="34" charset="0"/>
-              <a:buChar char="•"/>
-            </a:pPr>
-            <a:endParaRPr lang="en-US" altLang="zh-CN" dirty="0">
-              <a:solidFill>
-                <a:schemeClr val="tx1"/>
-              </a:solidFill>
-              <a:latin typeface="Arial" panose="020B0604020202020204" pitchFamily="34" charset="0"/>
-            </a:endParaRPr>
-          </a:p>
-          <a:p>
-            <a:pPr marL="342900" indent="-342900">
-              <a:buFont typeface="Arial" panose="020B0604020202020204" pitchFamily="34" charset="0"/>
-              <a:buChar char="•"/>
-            </a:pPr>
-            <a:r>
-              <a:rPr lang="en-US" altLang="zh-CN" b="1" i="1" dirty="0">
-                <a:solidFill>
-                  <a:schemeClr val="accent1"/>
-                </a:solidFill>
-                <a:latin typeface="Arial" panose="020B0604020202020204" pitchFamily="34" charset="0"/>
-              </a:rPr>
-              <a:t>Scaler</a:t>
-            </a:r>
-            <a:r>
-              <a:rPr lang="en-US" altLang="zh-CN" dirty="0">
-                <a:solidFill>
-                  <a:schemeClr val="tx1"/>
-                </a:solidFill>
-                <a:latin typeface="Arial" panose="020B0604020202020204" pitchFamily="34" charset="0"/>
-              </a:rPr>
-              <a:t> scales representations during the training phase and the global model can be directly used for inference without scaling.</a:t>
-            </a:r>
-          </a:p>
-          <a:p>
-            <a:pPr marL="342900" indent="-342900">
-              <a:buFont typeface="Arial" panose="020B0604020202020204" pitchFamily="34" charset="0"/>
-              <a:buChar char="•"/>
-            </a:pPr>
-            <a:endParaRPr lang="en-US" altLang="zh-CN" dirty="0">
-              <a:solidFill>
-                <a:schemeClr val="tx1"/>
-              </a:solidFill>
-              <a:latin typeface="Arial" panose="020B0604020202020204" pitchFamily="34" charset="0"/>
-            </a:endParaRPr>
-          </a:p>
-          <a:p>
-            <a:pPr marL="342900" indent="-342900">
-              <a:buFont typeface="Arial" panose="020B0604020202020204" pitchFamily="34" charset="0"/>
-              <a:buChar char="•"/>
-            </a:pPr>
-            <a:endParaRPr lang="en-US" altLang="zh-CN" dirty="0">
-              <a:solidFill>
-                <a:schemeClr val="tx1"/>
-              </a:solidFill>
-              <a:latin typeface="Arial" panose="020B0604020202020204" pitchFamily="34" charset="0"/>
-            </a:endParaRPr>
-          </a:p>
-          <a:p>
-            <a:pPr marL="342900" indent="-342900">
-              <a:buFont typeface="Arial" panose="020B0604020202020204" pitchFamily="34" charset="0"/>
-              <a:buChar char="•"/>
-            </a:pPr>
-            <a:endParaRPr lang="en-US" altLang="zh-CN" b="1" i="1" dirty="0">
+            <a:endParaRPr lang="fr-FR" b="1" i="1" dirty="0">
               <a:solidFill>
                 <a:schemeClr val="accent1"/>
               </a:solidFill>
-              <a:effectLst/>
-              <a:latin typeface="Arial" panose="020B0604020202020204" pitchFamily="34" charset="0"/>
             </a:endParaRPr>
-          </a:p>
-          <a:p>
-            <a:pPr marL="342900" indent="-342900">
-              <a:buFont typeface="Arial" panose="020B0604020202020204" pitchFamily="34" charset="0"/>
-              <a:buChar char="•"/>
-            </a:pPr>
-            <a:r>
-              <a:rPr lang="en-US" altLang="zh-CN" b="1" i="1" dirty="0">
-                <a:solidFill>
-                  <a:schemeClr val="accent1"/>
-                </a:solidFill>
-                <a:effectLst/>
-                <a:latin typeface="Arial" panose="020B0604020202020204" pitchFamily="34" charset="0"/>
-              </a:rPr>
-              <a:t>Masked Cross-Entropy Loss</a:t>
-            </a:r>
-            <a:r>
-              <a:rPr lang="en-US" altLang="zh-CN" i="1" dirty="0">
-                <a:solidFill>
-                  <a:schemeClr val="accent1"/>
-                </a:solidFill>
-                <a:effectLst/>
-                <a:latin typeface="Arial" panose="020B0604020202020204" pitchFamily="34" charset="0"/>
-              </a:rPr>
-              <a:t> </a:t>
-            </a:r>
-            <a:r>
-              <a:rPr lang="en-US" altLang="zh-CN" i="0" dirty="0">
-                <a:solidFill>
-                  <a:schemeClr val="tx1"/>
-                </a:solidFill>
-                <a:effectLst/>
-                <a:latin typeface="Arial" panose="020B0604020202020204" pitchFamily="34" charset="0"/>
-              </a:rPr>
-              <a:t>replaces the last layer outputs that are not associated with local labels with </a:t>
-            </a:r>
-            <a:r>
-              <a:rPr lang="en-US" altLang="zh-CN" dirty="0">
-                <a:solidFill>
-                  <a:schemeClr val="tx1"/>
-                </a:solidFill>
-                <a:latin typeface="Arial" panose="020B0604020202020204" pitchFamily="34" charset="0"/>
-              </a:rPr>
-              <a:t>zero significantly improve local performance and moderately global performance of balanced non-IID data partition task. </a:t>
-            </a:r>
           </a:p>
         </p:txBody>
       </p:sp>
       <p:pic>
         <p:nvPicPr>
-          <p:cNvPr id="13" name="图片 12">
+          <p:cNvPr id="105" name="图片 104">
             <a:extLst>
               <a:ext uri="{FF2B5EF4-FFF2-40B4-BE49-F238E27FC236}">
-                <a16:creationId xmlns:a16="http://schemas.microsoft.com/office/drawing/2014/main" id="{4F23DAB9-3F6D-4578-9FD9-4DA3F8FD02D9}"/>
+                <a16:creationId xmlns:a16="http://schemas.microsoft.com/office/drawing/2014/main" id="{27A9722F-E9C2-A8D1-E319-0998B903ED7B}"/>
               </a:ext>
             </a:extLst>
           </p:cNvPr>
@@ -3058,27 +6397,446 @@
           <p:nvPr/>
         </p:nvPicPr>
         <p:blipFill>
-          <a:blip r:embed="rId6"/>
+          <a:blip r:embed="rId25"/>
           <a:stretch>
             <a:fillRect/>
           </a:stretch>
         </p:blipFill>
         <p:spPr>
           <a:xfrm>
-            <a:off x="13567135" y="19026566"/>
-            <a:ext cx="5193186" cy="594964"/>
+            <a:off x="23582456" y="10109946"/>
+            <a:ext cx="7856434" cy="4158922"/>
           </a:xfrm>
           <a:prstGeom prst="rect">
             <a:avLst/>
           </a:prstGeom>
         </p:spPr>
       </p:pic>
+      <mc:AlternateContent xmlns:mc="http://schemas.openxmlformats.org/markup-compatibility/2006">
+        <mc:Choice xmlns:a14="http://schemas.microsoft.com/office/drawing/2010/main" Requires="a14">
+          <p:sp>
+            <p:nvSpPr>
+              <p:cNvPr id="106" name="TextBox 54">
+                <a:extLst>
+                  <a:ext uri="{FF2B5EF4-FFF2-40B4-BE49-F238E27FC236}">
+                    <a16:creationId xmlns:a16="http://schemas.microsoft.com/office/drawing/2014/main" id="{FB455611-3011-4127-EE46-1E8E13CFF4B0}"/>
+                  </a:ext>
+                </a:extLst>
+              </p:cNvPr>
+              <p:cNvSpPr txBox="1"/>
+              <p:nvPr/>
+            </p:nvSpPr>
+            <p:spPr>
+              <a:xfrm>
+                <a:off x="22360943" y="14355433"/>
+                <a:ext cx="10332306" cy="903261"/>
+              </a:xfrm>
+              <a:prstGeom prst="rect">
+                <a:avLst/>
+              </a:prstGeom>
+              <a:ln w="12700">
+                <a:miter lim="400000"/>
+              </a:ln>
+              <a:extLst>
+                <a:ext uri="{C572A759-6A51-4108-AA02-DFA0A04FC94B}">
+                  <ma14:wrappingTextBoxFlag xmlns="" xmlns:m="http://schemas.openxmlformats.org/officeDocument/2006/math" xmlns:ma14="http://schemas.microsoft.com/office/mac/drawingml/2011/main" val="1"/>
+                </a:ext>
+              </a:extLst>
+            </p:spPr>
+            <p:txBody>
+              <a:bodyPr wrap="square" lIns="45719" rIns="45719">
+                <a:spAutoFit/>
+              </a:bodyPr>
+              <a:lstStyle>
+                <a:lvl1pPr algn="ctr">
+                  <a:defRPr sz="1300">
+                    <a:solidFill>
+                      <a:srgbClr val="344854"/>
+                    </a:solidFill>
+                    <a:latin typeface="Arial"/>
+                    <a:ea typeface="Arial"/>
+                    <a:cs typeface="Arial"/>
+                    <a:sym typeface="Arial"/>
+                  </a:defRPr>
+                </a:lvl1pPr>
+              </a:lstStyle>
+              <a:p>
+                <a:r>
+                  <a:rPr lang="en-US" b="1" dirty="0">
+                    <a:solidFill>
+                      <a:schemeClr val="tx1"/>
+                    </a:solidFill>
+                  </a:rPr>
+                  <a:t>Figure 4</a:t>
+                </a:r>
+                <a:r>
+                  <a:rPr lang="en-US" dirty="0">
+                    <a:solidFill>
+                      <a:schemeClr val="tx1"/>
+                    </a:solidFill>
+                  </a:rPr>
+                  <a:t>. </a:t>
+                </a:r>
+                <a:r>
+                  <a:rPr lang="en-US" altLang="zh-CN" b="0" i="0" dirty="0">
+                    <a:solidFill>
+                      <a:schemeClr val="tx1"/>
+                    </a:solidFill>
+                    <a:effectLst/>
+                    <a:latin typeface="NimbusRomNo9L-Regu"/>
+                  </a:rPr>
+                  <a:t>Results of the CIFAR10 (a-c) (</a:t>
+                </a:r>
+                <a14:m>
+                  <m:oMath xmlns:m="http://schemas.openxmlformats.org/officeDocument/2006/math">
+                    <m:r>
+                      <a:rPr lang="en-US" altLang="zh-CN" i="1" smtClean="0">
+                        <a:solidFill>
+                          <a:schemeClr val="tx1"/>
+                        </a:solidFill>
+                        <a:effectLst/>
+                        <a:latin typeface="Cambria Math" panose="02040503050406030204" pitchFamily="18" charset="0"/>
+                        <a:ea typeface="等线" panose="02010600030101010101" pitchFamily="2" charset="-122"/>
+                        <a:cs typeface="Arial" panose="020B0604020202020204" pitchFamily="34" charset="0"/>
+                      </a:rPr>
+                      <m:t>𝑀</m:t>
+                    </m:r>
+                    <m:r>
+                      <a:rPr lang="en-US" altLang="zh-CN" i="1" smtClean="0">
+                        <a:solidFill>
+                          <a:schemeClr val="tx1"/>
+                        </a:solidFill>
+                        <a:effectLst/>
+                        <a:latin typeface="Cambria Math" panose="02040503050406030204" pitchFamily="18" charset="0"/>
+                        <a:ea typeface="等线" panose="02010600030101010101" pitchFamily="2" charset="-122"/>
+                        <a:cs typeface="Arial" panose="020B0604020202020204" pitchFamily="34" charset="0"/>
+                      </a:rPr>
+                      <m:t>=8</m:t>
+                    </m:r>
+                  </m:oMath>
+                </a14:m>
+                <a:r>
+                  <a:rPr lang="en-US" altLang="zh-CN" b="0" i="0" dirty="0">
+                    <a:solidFill>
+                      <a:schemeClr val="tx1"/>
+                    </a:solidFill>
+                    <a:effectLst/>
+                    <a:latin typeface="NimbusRomNo9L-Regu"/>
+                  </a:rPr>
+                  <a:t>) and MIMICL (d-f) (</a:t>
+                </a:r>
+                <a14:m>
+                  <m:oMath xmlns:m="http://schemas.openxmlformats.org/officeDocument/2006/math">
+                    <m:r>
+                      <a:rPr lang="en-US" altLang="zh-CN" i="1">
+                        <a:solidFill>
+                          <a:schemeClr val="tx1"/>
+                        </a:solidFill>
+                        <a:latin typeface="Cambria Math" panose="02040503050406030204" pitchFamily="18" charset="0"/>
+                        <a:ea typeface="等线" panose="02010600030101010101" pitchFamily="2" charset="-122"/>
+                        <a:cs typeface="Arial" panose="020B0604020202020204" pitchFamily="34" charset="0"/>
+                      </a:rPr>
+                      <m:t>𝑀</m:t>
+                    </m:r>
+                    <m:r>
+                      <a:rPr lang="en-US" altLang="zh-CN" i="1">
+                        <a:solidFill>
+                          <a:schemeClr val="tx1"/>
+                        </a:solidFill>
+                        <a:latin typeface="Cambria Math" panose="02040503050406030204" pitchFamily="18" charset="0"/>
+                        <a:ea typeface="等线" panose="02010600030101010101" pitchFamily="2" charset="-122"/>
+                        <a:cs typeface="Arial" panose="020B0604020202020204" pitchFamily="34" charset="0"/>
+                      </a:rPr>
+                      <m:t>=4</m:t>
+                    </m:r>
+                  </m:oMath>
+                </a14:m>
+                <a:r>
+                  <a:rPr lang="en-US" altLang="zh-CN" b="0" i="0" dirty="0">
+                    <a:solidFill>
+                      <a:schemeClr val="tx1"/>
+                    </a:solidFill>
+                    <a:effectLst/>
+                    <a:latin typeface="NimbusRomNo9L-Regu"/>
+                  </a:rPr>
+                  <a:t>) datasets. GAL significantly outperforms ‘Alone</a:t>
+                </a:r>
+                <a:r>
+                  <a:rPr lang="en-US" altLang="zh-CN" dirty="0">
+                    <a:solidFill>
+                      <a:schemeClr val="tx1"/>
+                    </a:solidFill>
+                    <a:latin typeface="NimbusRomNo9L-Regu"/>
+                  </a:rPr>
+                  <a:t>’</a:t>
+                </a:r>
+                <a:r>
+                  <a:rPr lang="en-US" altLang="zh-CN" b="0" i="0" dirty="0">
+                    <a:solidFill>
+                      <a:schemeClr val="tx1"/>
+                    </a:solidFill>
+                    <a:effectLst/>
+                    <a:latin typeface="NimbusRomNo9L-Regu"/>
+                  </a:rPr>
+                  <a:t> and ‘AL’. Our method also performs close to the centralized baselines. The gradient assisted learning rate diminishes to zero as the overarching loss converges. A constant gradient assisted learning rate (</a:t>
+                </a:r>
+                <a14:m>
+                  <m:oMath xmlns:m="http://schemas.openxmlformats.org/officeDocument/2006/math">
+                    <m:r>
+                      <m:rPr>
+                        <m:sty m:val="p"/>
+                      </m:rPr>
+                      <a:rPr lang="en-US" altLang="zh-CN">
+                        <a:solidFill>
+                          <a:schemeClr val="tx1"/>
+                        </a:solidFill>
+                        <a:latin typeface="Cambria Math" panose="02040503050406030204" pitchFamily="18" charset="0"/>
+                        <a:ea typeface="等线" panose="02010600030101010101" pitchFamily="2" charset="-122"/>
+                        <a:cs typeface="Arial" panose="020B0604020202020204" pitchFamily="34" charset="0"/>
+                      </a:rPr>
+                      <m:t>η</m:t>
+                    </m:r>
+                    <m:r>
+                      <a:rPr lang="en-US" altLang="zh-CN" i="1">
+                        <a:solidFill>
+                          <a:schemeClr val="tx1"/>
+                        </a:solidFill>
+                        <a:latin typeface="Cambria Math" panose="02040503050406030204" pitchFamily="18" charset="0"/>
+                        <a:ea typeface="等线" panose="02010600030101010101" pitchFamily="2" charset="-122"/>
+                        <a:cs typeface="Arial" panose="020B0604020202020204" pitchFamily="34" charset="0"/>
+                      </a:rPr>
+                      <m:t>=1</m:t>
+                    </m:r>
+                  </m:oMath>
+                </a14:m>
+                <a:r>
+                  <a:rPr lang="en-US" altLang="zh-CN" b="0" i="0" dirty="0">
+                    <a:solidFill>
+                      <a:schemeClr val="tx1"/>
+                    </a:solidFill>
+                    <a:effectLst/>
+                    <a:latin typeface="NimbusRomNo9L-Regu"/>
+                  </a:rPr>
+                  <a:t>) converges much slower. The gradient assistance weights exhibits interpretability of the importance of organizations as the weights of the central image patches (</a:t>
+                </a:r>
+                <a14:m>
+                  <m:oMath xmlns:m="http://schemas.openxmlformats.org/officeDocument/2006/math">
+                    <m:r>
+                      <a:rPr lang="en-US" altLang="zh-CN" i="1">
+                        <a:solidFill>
+                          <a:schemeClr val="tx1"/>
+                        </a:solidFill>
+                        <a:latin typeface="Cambria Math" panose="02040503050406030204" pitchFamily="18" charset="0"/>
+                        <a:ea typeface="等线" panose="02010600030101010101" pitchFamily="2" charset="-122"/>
+                        <a:cs typeface="Arial" panose="020B0604020202020204" pitchFamily="34" charset="0"/>
+                      </a:rPr>
+                      <m:t>𝑚</m:t>
+                    </m:r>
+                    <m:r>
+                      <a:rPr lang="en-US" altLang="zh-CN" i="1">
+                        <a:solidFill>
+                          <a:schemeClr val="tx1"/>
+                        </a:solidFill>
+                        <a:latin typeface="Cambria Math" panose="02040503050406030204" pitchFamily="18" charset="0"/>
+                        <a:ea typeface="等线" panose="02010600030101010101" pitchFamily="2" charset="-122"/>
+                        <a:cs typeface="Arial" panose="020B0604020202020204" pitchFamily="34" charset="0"/>
+                      </a:rPr>
+                      <m:t>=</m:t>
+                    </m:r>
+                    <m:r>
+                      <m:rPr>
+                        <m:lit/>
+                      </m:rPr>
+                      <a:rPr lang="en-US" altLang="zh-CN" i="1">
+                        <a:solidFill>
+                          <a:schemeClr val="tx1"/>
+                        </a:solidFill>
+                        <a:latin typeface="Cambria Math" panose="02040503050406030204" pitchFamily="18" charset="0"/>
+                        <a:ea typeface="等线" panose="02010600030101010101" pitchFamily="2" charset="-122"/>
+                        <a:cs typeface="Arial" panose="020B0604020202020204" pitchFamily="34" charset="0"/>
+                      </a:rPr>
+                      <m:t>{</m:t>
+                    </m:r>
+                    <m:r>
+                      <a:rPr lang="en-US" altLang="zh-CN" i="1">
+                        <a:solidFill>
+                          <a:schemeClr val="tx1"/>
+                        </a:solidFill>
+                        <a:latin typeface="Cambria Math" panose="02040503050406030204" pitchFamily="18" charset="0"/>
+                        <a:ea typeface="等线" panose="02010600030101010101" pitchFamily="2" charset="-122"/>
+                        <a:cs typeface="Arial" panose="020B0604020202020204" pitchFamily="34" charset="0"/>
+                      </a:rPr>
+                      <m:t>2,3,6,7</m:t>
+                    </m:r>
+                    <m:r>
+                      <m:rPr>
+                        <m:lit/>
+                      </m:rPr>
+                      <a:rPr lang="en-US" altLang="zh-CN" i="1">
+                        <a:solidFill>
+                          <a:schemeClr val="tx1"/>
+                        </a:solidFill>
+                        <a:latin typeface="Cambria Math" panose="02040503050406030204" pitchFamily="18" charset="0"/>
+                        <a:ea typeface="等线" panose="02010600030101010101" pitchFamily="2" charset="-122"/>
+                        <a:cs typeface="Arial" panose="020B0604020202020204" pitchFamily="34" charset="0"/>
+                      </a:rPr>
+                      <m:t>}</m:t>
+                    </m:r>
+                  </m:oMath>
+                </a14:m>
+                <a:r>
+                  <a:rPr lang="en-US" altLang="zh-CN" b="0" i="0" dirty="0">
+                    <a:solidFill>
+                      <a:schemeClr val="tx1"/>
+                    </a:solidFill>
+                    <a:effectLst/>
+                    <a:latin typeface="NimbusRomNo9L-Regu"/>
+                  </a:rPr>
+                  <a:t>) of CIFAR10 dataset are larger than the boundary patches (</a:t>
+                </a:r>
+                <a14:m>
+                  <m:oMath xmlns:m="http://schemas.openxmlformats.org/officeDocument/2006/math">
+                    <m:r>
+                      <a:rPr lang="en-US" altLang="zh-CN" sz="1400" i="1" kern="100">
+                        <a:solidFill>
+                          <a:schemeClr val="tx1"/>
+                        </a:solidFill>
+                        <a:latin typeface="Cambria Math" panose="02040503050406030204" pitchFamily="18" charset="0"/>
+                        <a:ea typeface="等线" panose="02010600030101010101" pitchFamily="2" charset="-122"/>
+                        <a:cs typeface="Arial" panose="020B0604020202020204" pitchFamily="34" charset="0"/>
+                      </a:rPr>
+                      <m:t>𝑚</m:t>
+                    </m:r>
+                    <m:r>
+                      <a:rPr lang="en-US" altLang="zh-CN" sz="1400" i="1" kern="100">
+                        <a:solidFill>
+                          <a:schemeClr val="tx1"/>
+                        </a:solidFill>
+                        <a:latin typeface="Cambria Math" panose="02040503050406030204" pitchFamily="18" charset="0"/>
+                        <a:ea typeface="等线" panose="02010600030101010101" pitchFamily="2" charset="-122"/>
+                        <a:cs typeface="Arial" panose="020B0604020202020204" pitchFamily="34" charset="0"/>
+                      </a:rPr>
+                      <m:t>=</m:t>
+                    </m:r>
+                    <m:r>
+                      <m:rPr>
+                        <m:lit/>
+                      </m:rPr>
+                      <a:rPr lang="en-US" altLang="zh-CN" sz="1400" i="1" kern="100">
+                        <a:solidFill>
+                          <a:schemeClr val="tx1"/>
+                        </a:solidFill>
+                        <a:latin typeface="Cambria Math" panose="02040503050406030204" pitchFamily="18" charset="0"/>
+                        <a:ea typeface="等线" panose="02010600030101010101" pitchFamily="2" charset="-122"/>
+                        <a:cs typeface="Arial" panose="020B0604020202020204" pitchFamily="34" charset="0"/>
+                      </a:rPr>
+                      <m:t>{</m:t>
+                    </m:r>
+                    <m:r>
+                      <a:rPr lang="en-US" altLang="zh-CN" sz="1400" i="1" kern="100">
+                        <a:solidFill>
+                          <a:schemeClr val="tx1"/>
+                        </a:solidFill>
+                        <a:latin typeface="Cambria Math" panose="02040503050406030204" pitchFamily="18" charset="0"/>
+                        <a:ea typeface="等线" panose="02010600030101010101" pitchFamily="2" charset="-122"/>
+                        <a:cs typeface="Arial" panose="020B0604020202020204" pitchFamily="34" charset="0"/>
+                      </a:rPr>
+                      <m:t>1,4,5,8</m:t>
+                    </m:r>
+                    <m:r>
+                      <m:rPr>
+                        <m:lit/>
+                      </m:rPr>
+                      <a:rPr lang="en-US" altLang="zh-CN" sz="1400" i="1" kern="100" smtClean="0">
+                        <a:solidFill>
+                          <a:schemeClr val="tx1"/>
+                        </a:solidFill>
+                        <a:latin typeface="Cambria Math" panose="02040503050406030204" pitchFamily="18" charset="0"/>
+                        <a:ea typeface="等线" panose="02010600030101010101" pitchFamily="2" charset="-122"/>
+                        <a:cs typeface="Arial" panose="020B0604020202020204" pitchFamily="34" charset="0"/>
+                      </a:rPr>
+                      <m:t>}</m:t>
+                    </m:r>
+                  </m:oMath>
+                </a14:m>
+                <a:r>
+                  <a:rPr lang="en-US" altLang="zh-CN" b="0" i="0" dirty="0">
+                    <a:solidFill>
+                      <a:schemeClr val="tx1"/>
+                    </a:solidFill>
+                    <a:effectLst/>
+                    <a:latin typeface="NimbusRomNo9L-Regu"/>
+                  </a:rPr>
+                  <a:t>).</a:t>
+                </a:r>
+                <a:endParaRPr lang="en-US" dirty="0">
+                  <a:solidFill>
+                    <a:schemeClr val="tx1"/>
+                  </a:solidFill>
+                </a:endParaRPr>
+              </a:p>
+            </p:txBody>
+          </p:sp>
+        </mc:Choice>
+        <mc:Fallback>
+          <p:sp>
+            <p:nvSpPr>
+              <p:cNvPr id="106" name="TextBox 54">
+                <a:extLst>
+                  <a:ext uri="{FF2B5EF4-FFF2-40B4-BE49-F238E27FC236}">
+                    <a16:creationId xmlns:a16="http://schemas.microsoft.com/office/drawing/2014/main" id="{FB455611-3011-4127-EE46-1E8E13CFF4B0}"/>
+                  </a:ext>
+                </a:extLst>
+              </p:cNvPr>
+              <p:cNvSpPr txBox="1">
+                <a:spLocks noRot="1" noChangeAspect="1" noMove="1" noResize="1" noEditPoints="1" noAdjustHandles="1" noChangeArrowheads="1" noChangeShapeType="1" noTextEdit="1"/>
+              </p:cNvSpPr>
+              <p:nvPr/>
+            </p:nvSpPr>
+            <p:spPr>
+              <a:xfrm>
+                <a:off x="22360943" y="14355433"/>
+                <a:ext cx="10332306" cy="903261"/>
+              </a:xfrm>
+              <a:prstGeom prst="rect">
+                <a:avLst/>
+              </a:prstGeom>
+              <a:blipFill>
+                <a:blip r:embed="rId26"/>
+                <a:stretch>
+                  <a:fillRect t="-676" b="-5405"/>
+                </a:stretch>
+              </a:blipFill>
+              <a:ln w="12700">
+                <a:miter lim="400000"/>
+              </a:ln>
+              <a:extLst>
+                <a:ext uri="{C572A759-6A51-4108-AA02-DFA0A04FC94B}">
+                  <ma14:wrappingTextBoxFlag xmlns="" xmlns:m="http://schemas.openxmlformats.org/officeDocument/2006/math" xmlns:a14="http://schemas.microsoft.com/office/drawing/2010/main" xmlns:ma14="http://schemas.microsoft.com/office/mac/drawingml/2011/main" val="1"/>
+                </a:ext>
+              </a:extLst>
+            </p:spPr>
+            <p:txBody>
+              <a:bodyPr/>
+              <a:lstStyle/>
+              <a:p>
+                <a:r>
+                  <a:rPr lang="zh-CN" altLang="en-US">
+                    <a:noFill/>
+                  </a:rPr>
+                  <a:t> </a:t>
+                </a:r>
+              </a:p>
+            </p:txBody>
+          </p:sp>
+        </mc:Fallback>
+      </mc:AlternateContent>
       <p:sp>
         <p:nvSpPr>
-          <p:cNvPr id="70" name="TextBox 60">
+          <p:cNvPr id="107" name="TextBox 44">
             <a:extLst>
               <a:ext uri="{FF2B5EF4-FFF2-40B4-BE49-F238E27FC236}">
-                <a16:creationId xmlns:a16="http://schemas.microsoft.com/office/drawing/2014/main" id="{35CFCFCC-3863-4543-B306-B2352AA4DC40}"/>
+                <a16:creationId xmlns:a16="http://schemas.microsoft.com/office/drawing/2014/main" id="{ADF96124-6646-84F7-DE39-92D7E03BD1BA}"/>
               </a:ext>
             </a:extLst>
           </p:cNvPr>
@@ -3087,8 +6845,8 @@
         </p:nvSpPr>
         <p:spPr>
           <a:xfrm>
-            <a:off x="22641285" y="20215589"/>
-            <a:ext cx="9643588" cy="461665"/>
+            <a:off x="22345948" y="9698458"/>
+            <a:ext cx="9064533" cy="415498"/>
           </a:xfrm>
           <a:prstGeom prst="rect">
             <a:avLst/>
@@ -3098,7 +6856,7 @@
           </a:ln>
           <a:extLst>
             <a:ext uri="{C572A759-6A51-4108-AA02-DFA0A04FC94B}">
-              <ma14:wrappingTextBoxFlag xmlns:lc="http://schemas.openxmlformats.org/drawingml/2006/lockedCanvas" xmlns="" xmlns:m="http://schemas.openxmlformats.org/officeDocument/2006/math" xmlns:a14="http://schemas.microsoft.com/office/drawing/2010/main" xmlns:ma14="http://schemas.microsoft.com/office/mac/drawingml/2011/main" val="1"/>
+              <ma14:wrappingTextBoxFlag xmlns="" xmlns:m="http://schemas.openxmlformats.org/officeDocument/2006/math" xmlns:a14="http://schemas.microsoft.com/office/drawing/2010/main" xmlns:ma14="http://schemas.microsoft.com/office/mac/drawingml/2011/main" val="1"/>
             </a:ext>
           </a:extLst>
         </p:spPr>
@@ -3107,318 +6865,280 @@
             <a:spAutoFit/>
           </a:bodyPr>
           <a:lstStyle>
-            <a:defPPr marL="0" marR="0" indent="0" algn="l" defTabSz="914400" rtl="0" fontAlgn="auto" latinLnBrk="1" hangingPunct="0">
-              <a:lnSpc>
-                <a:spcPct val="100000"/>
-              </a:lnSpc>
-              <a:spcBef>
-                <a:spcPts val="0"/>
-              </a:spcBef>
-              <a:spcAft>
-                <a:spcPts val="0"/>
-              </a:spcAft>
-              <a:buClrTx/>
-              <a:buSzTx/>
-              <a:buFontTx/>
-              <a:buNone/>
-              <a:tabLst/>
-              <a:defRPr kumimoji="0" sz="1800" b="0" i="0" u="none" strike="noStrike" cap="none" spc="0" normalizeH="0" baseline="0">
-                <a:ln>
-                  <a:noFill/>
-                </a:ln>
-                <a:solidFill>
-                  <a:srgbClr val="000000"/>
-                </a:solidFill>
-                <a:effectLst/>
-                <a:uFillTx/>
-              </a:defRPr>
-            </a:defPPr>
-            <a:lvl1pPr marL="0" marR="0" indent="0" algn="l" defTabSz="326532" rtl="0" fontAlgn="auto" latinLnBrk="0" hangingPunct="0">
-              <a:lnSpc>
-                <a:spcPct val="100000"/>
-              </a:lnSpc>
-              <a:spcBef>
-                <a:spcPts val="0"/>
-              </a:spcBef>
-              <a:spcAft>
-                <a:spcPts val="0"/>
-              </a:spcAft>
-              <a:buClrTx/>
-              <a:buSzTx/>
-              <a:buFontTx/>
-              <a:buNone/>
-              <a:tabLst/>
-              <a:defRPr kumimoji="0" sz="1200" b="0" i="0" u="none" strike="noStrike" cap="none" spc="0" normalizeH="0" baseline="0">
-                <a:ln>
-                  <a:noFill/>
-                </a:ln>
-                <a:solidFill>
-                  <a:srgbClr val="000000"/>
-                </a:solidFill>
-                <a:effectLst/>
-                <a:uFillTx/>
-                <a:latin typeface="+mn-lt"/>
-                <a:ea typeface="+mn-ea"/>
-                <a:cs typeface="+mn-cs"/>
-                <a:sym typeface="Calibri"/>
+            <a:lvl1pPr>
+              <a:defRPr sz="2100">
+                <a:latin typeface="Arial"/>
+                <a:ea typeface="Arial"/>
+                <a:cs typeface="Arial"/>
+                <a:sym typeface="Arial"/>
               </a:defRPr>
             </a:lvl1pPr>
-            <a:lvl2pPr marL="0" marR="0" indent="326532" algn="l" defTabSz="326532" rtl="0" fontAlgn="auto" latinLnBrk="0" hangingPunct="0">
-              <a:lnSpc>
-                <a:spcPct val="100000"/>
-              </a:lnSpc>
-              <a:spcBef>
-                <a:spcPts val="0"/>
-              </a:spcBef>
-              <a:spcAft>
-                <a:spcPts val="0"/>
-              </a:spcAft>
-              <a:buClrTx/>
-              <a:buSzTx/>
-              <a:buFontTx/>
-              <a:buNone/>
-              <a:tabLst/>
-              <a:defRPr kumimoji="0" sz="1200" b="0" i="0" u="none" strike="noStrike" cap="none" spc="0" normalizeH="0" baseline="0">
-                <a:ln>
-                  <a:noFill/>
-                </a:ln>
-                <a:solidFill>
-                  <a:srgbClr val="000000"/>
-                </a:solidFill>
-                <a:effectLst/>
-                <a:uFillTx/>
-                <a:latin typeface="+mn-lt"/>
-                <a:ea typeface="+mn-ea"/>
-                <a:cs typeface="+mn-cs"/>
-                <a:sym typeface="Calibri"/>
-              </a:defRPr>
-            </a:lvl2pPr>
-            <a:lvl3pPr marL="0" marR="0" indent="653064" algn="l" defTabSz="326532" rtl="0" fontAlgn="auto" latinLnBrk="0" hangingPunct="0">
-              <a:lnSpc>
-                <a:spcPct val="100000"/>
-              </a:lnSpc>
-              <a:spcBef>
-                <a:spcPts val="0"/>
-              </a:spcBef>
-              <a:spcAft>
-                <a:spcPts val="0"/>
-              </a:spcAft>
-              <a:buClrTx/>
-              <a:buSzTx/>
-              <a:buFontTx/>
-              <a:buNone/>
-              <a:tabLst/>
-              <a:defRPr kumimoji="0" sz="1200" b="0" i="0" u="none" strike="noStrike" cap="none" spc="0" normalizeH="0" baseline="0">
-                <a:ln>
-                  <a:noFill/>
-                </a:ln>
-                <a:solidFill>
-                  <a:srgbClr val="000000"/>
-                </a:solidFill>
-                <a:effectLst/>
-                <a:uFillTx/>
-                <a:latin typeface="+mn-lt"/>
-                <a:ea typeface="+mn-ea"/>
-                <a:cs typeface="+mn-cs"/>
-                <a:sym typeface="Calibri"/>
-              </a:defRPr>
-            </a:lvl3pPr>
-            <a:lvl4pPr marL="0" marR="0" indent="979596" algn="l" defTabSz="326532" rtl="0" fontAlgn="auto" latinLnBrk="0" hangingPunct="0">
-              <a:lnSpc>
-                <a:spcPct val="100000"/>
-              </a:lnSpc>
-              <a:spcBef>
-                <a:spcPts val="0"/>
-              </a:spcBef>
-              <a:spcAft>
-                <a:spcPts val="0"/>
-              </a:spcAft>
-              <a:buClrTx/>
-              <a:buSzTx/>
-              <a:buFontTx/>
-              <a:buNone/>
-              <a:tabLst/>
-              <a:defRPr kumimoji="0" sz="1200" b="0" i="0" u="none" strike="noStrike" cap="none" spc="0" normalizeH="0" baseline="0">
-                <a:ln>
-                  <a:noFill/>
-                </a:ln>
-                <a:solidFill>
-                  <a:srgbClr val="000000"/>
-                </a:solidFill>
-                <a:effectLst/>
-                <a:uFillTx/>
-                <a:latin typeface="+mn-lt"/>
-                <a:ea typeface="+mn-ea"/>
-                <a:cs typeface="+mn-cs"/>
-                <a:sym typeface="Calibri"/>
-              </a:defRPr>
-            </a:lvl4pPr>
-            <a:lvl5pPr marL="0" marR="0" indent="1306128" algn="l" defTabSz="326532" rtl="0" fontAlgn="auto" latinLnBrk="0" hangingPunct="0">
-              <a:lnSpc>
-                <a:spcPct val="100000"/>
-              </a:lnSpc>
-              <a:spcBef>
-                <a:spcPts val="0"/>
-              </a:spcBef>
-              <a:spcAft>
-                <a:spcPts val="0"/>
-              </a:spcAft>
-              <a:buClrTx/>
-              <a:buSzTx/>
-              <a:buFontTx/>
-              <a:buNone/>
-              <a:tabLst/>
-              <a:defRPr kumimoji="0" sz="1200" b="0" i="0" u="none" strike="noStrike" cap="none" spc="0" normalizeH="0" baseline="0">
-                <a:ln>
-                  <a:noFill/>
-                </a:ln>
-                <a:solidFill>
-                  <a:srgbClr val="000000"/>
-                </a:solidFill>
-                <a:effectLst/>
-                <a:uFillTx/>
-                <a:latin typeface="+mn-lt"/>
-                <a:ea typeface="+mn-ea"/>
-                <a:cs typeface="+mn-cs"/>
-                <a:sym typeface="Calibri"/>
-              </a:defRPr>
-            </a:lvl5pPr>
-            <a:lvl6pPr marL="0" marR="0" indent="1632661" algn="l" defTabSz="326532" rtl="0" fontAlgn="auto" latinLnBrk="0" hangingPunct="0">
-              <a:lnSpc>
-                <a:spcPct val="100000"/>
-              </a:lnSpc>
-              <a:spcBef>
-                <a:spcPts val="0"/>
-              </a:spcBef>
-              <a:spcAft>
-                <a:spcPts val="0"/>
-              </a:spcAft>
-              <a:buClrTx/>
-              <a:buSzTx/>
-              <a:buFontTx/>
-              <a:buNone/>
-              <a:tabLst/>
-              <a:defRPr kumimoji="0" sz="1200" b="0" i="0" u="none" strike="noStrike" cap="none" spc="0" normalizeH="0" baseline="0">
-                <a:ln>
-                  <a:noFill/>
-                </a:ln>
-                <a:solidFill>
-                  <a:srgbClr val="000000"/>
-                </a:solidFill>
-                <a:effectLst/>
-                <a:uFillTx/>
-                <a:latin typeface="+mn-lt"/>
-                <a:ea typeface="+mn-ea"/>
-                <a:cs typeface="+mn-cs"/>
-                <a:sym typeface="Calibri"/>
-              </a:defRPr>
-            </a:lvl6pPr>
-            <a:lvl7pPr marL="0" marR="0" indent="1959193" algn="l" defTabSz="326532" rtl="0" fontAlgn="auto" latinLnBrk="0" hangingPunct="0">
-              <a:lnSpc>
-                <a:spcPct val="100000"/>
-              </a:lnSpc>
-              <a:spcBef>
-                <a:spcPts val="0"/>
-              </a:spcBef>
-              <a:spcAft>
-                <a:spcPts val="0"/>
-              </a:spcAft>
-              <a:buClrTx/>
-              <a:buSzTx/>
-              <a:buFontTx/>
-              <a:buNone/>
-              <a:tabLst/>
-              <a:defRPr kumimoji="0" sz="1200" b="0" i="0" u="none" strike="noStrike" cap="none" spc="0" normalizeH="0" baseline="0">
-                <a:ln>
-                  <a:noFill/>
-                </a:ln>
-                <a:solidFill>
-                  <a:srgbClr val="000000"/>
-                </a:solidFill>
-                <a:effectLst/>
-                <a:uFillTx/>
-                <a:latin typeface="+mn-lt"/>
-                <a:ea typeface="+mn-ea"/>
-                <a:cs typeface="+mn-cs"/>
-                <a:sym typeface="Calibri"/>
-              </a:defRPr>
-            </a:lvl7pPr>
-            <a:lvl8pPr marL="0" marR="0" indent="2285725" algn="l" defTabSz="326532" rtl="0" fontAlgn="auto" latinLnBrk="0" hangingPunct="0">
-              <a:lnSpc>
-                <a:spcPct val="100000"/>
-              </a:lnSpc>
-              <a:spcBef>
-                <a:spcPts val="0"/>
-              </a:spcBef>
-              <a:spcAft>
-                <a:spcPts val="0"/>
-              </a:spcAft>
-              <a:buClrTx/>
-              <a:buSzTx/>
-              <a:buFontTx/>
-              <a:buNone/>
-              <a:tabLst/>
-              <a:defRPr kumimoji="0" sz="1200" b="0" i="0" u="none" strike="noStrike" cap="none" spc="0" normalizeH="0" baseline="0">
-                <a:ln>
-                  <a:noFill/>
-                </a:ln>
-                <a:solidFill>
-                  <a:srgbClr val="000000"/>
-                </a:solidFill>
-                <a:effectLst/>
-                <a:uFillTx/>
-                <a:latin typeface="+mn-lt"/>
-                <a:ea typeface="+mn-ea"/>
-                <a:cs typeface="+mn-cs"/>
-                <a:sym typeface="Calibri"/>
-              </a:defRPr>
-            </a:lvl8pPr>
-            <a:lvl9pPr marL="0" marR="0" indent="2612257" algn="l" defTabSz="326532" rtl="0" fontAlgn="auto" latinLnBrk="0" hangingPunct="0">
-              <a:lnSpc>
-                <a:spcPct val="100000"/>
-              </a:lnSpc>
-              <a:spcBef>
-                <a:spcPts val="0"/>
-              </a:spcBef>
-              <a:spcAft>
-                <a:spcPts val="0"/>
-              </a:spcAft>
-              <a:buClrTx/>
-              <a:buSzTx/>
-              <a:buFontTx/>
-              <a:buNone/>
-              <a:tabLst/>
-              <a:defRPr kumimoji="0" sz="1200" b="0" i="0" u="none" strike="noStrike" cap="none" spc="0" normalizeH="0" baseline="0">
-                <a:ln>
-                  <a:noFill/>
-                </a:ln>
-                <a:solidFill>
-                  <a:srgbClr val="000000"/>
-                </a:solidFill>
-                <a:effectLst/>
-                <a:uFillTx/>
-                <a:latin typeface="+mn-lt"/>
-                <a:ea typeface="+mn-ea"/>
-                <a:cs typeface="+mn-cs"/>
-                <a:sym typeface="Calibri"/>
-              </a:defRPr>
-            </a:lvl9pPr>
           </a:lstStyle>
           <a:p>
             <a:r>
-              <a:rPr sz="2400" dirty="0"/>
-              <a:t>References</a:t>
+              <a:rPr lang="en-US" b="1" i="1" dirty="0">
+                <a:solidFill>
+                  <a:schemeClr val="accent1"/>
+                </a:solidFill>
+              </a:rPr>
+              <a:t>C</a:t>
             </a:r>
-            <a:endParaRPr dirty="0"/>
+            <a:r>
+              <a:rPr lang="en-US" altLang="zh-CN" b="1" i="1" dirty="0">
+                <a:solidFill>
+                  <a:schemeClr val="accent1"/>
+                </a:solidFill>
+              </a:rPr>
+              <a:t>omparison with AL</a:t>
+            </a:r>
+            <a:endParaRPr lang="fr-FR" b="1" i="1" dirty="0">
+              <a:solidFill>
+                <a:schemeClr val="accent1"/>
+              </a:solidFill>
+            </a:endParaRPr>
           </a:p>
         </p:txBody>
       </p:sp>
+      <p:pic>
+        <p:nvPicPr>
+          <p:cNvPr id="111" name="图片 110">
+            <a:extLst>
+              <a:ext uri="{FF2B5EF4-FFF2-40B4-BE49-F238E27FC236}">
+                <a16:creationId xmlns:a16="http://schemas.microsoft.com/office/drawing/2014/main" id="{0860C79B-8B08-9E63-38F4-5D098D814D6B}"/>
+              </a:ext>
+            </a:extLst>
+          </p:cNvPr>
+          <p:cNvPicPr>
+            <a:picLocks noChangeAspect="1"/>
+          </p:cNvPicPr>
+          <p:nvPr/>
+        </p:nvPicPr>
+        <p:blipFill>
+          <a:blip r:embed="rId27"/>
+          <a:stretch>
+            <a:fillRect/>
+          </a:stretch>
+        </p:blipFill>
+        <p:spPr>
+          <a:xfrm>
+            <a:off x="29717130" y="8321132"/>
+            <a:ext cx="2323874" cy="1553895"/>
+          </a:xfrm>
+          <a:prstGeom prst="rect">
+            <a:avLst/>
+          </a:prstGeom>
+        </p:spPr>
+      </p:pic>
+      <mc:AlternateContent xmlns:mc="http://schemas.openxmlformats.org/markup-compatibility/2006">
+        <mc:Choice xmlns:a14="http://schemas.microsoft.com/office/drawing/2010/main" Requires="a14">
+          <p:sp>
+            <p:nvSpPr>
+              <p:cNvPr id="112" name="TextBox 54">
+                <a:extLst>
+                  <a:ext uri="{FF2B5EF4-FFF2-40B4-BE49-F238E27FC236}">
+                    <a16:creationId xmlns:a16="http://schemas.microsoft.com/office/drawing/2014/main" id="{09D93D1F-5F65-8AD2-59D2-9132D4221B06}"/>
+                  </a:ext>
+                </a:extLst>
+              </p:cNvPr>
+              <p:cNvSpPr txBox="1"/>
+              <p:nvPr/>
+            </p:nvSpPr>
+            <p:spPr>
+              <a:xfrm>
+                <a:off x="29090528" y="7828689"/>
+                <a:ext cx="3377492" cy="492443"/>
+              </a:xfrm>
+              <a:prstGeom prst="rect">
+                <a:avLst/>
+              </a:prstGeom>
+              <a:ln w="12700">
+                <a:miter lim="400000"/>
+              </a:ln>
+              <a:extLst>
+                <a:ext uri="{C572A759-6A51-4108-AA02-DFA0A04FC94B}">
+                  <ma14:wrappingTextBoxFlag xmlns="" xmlns:m="http://schemas.openxmlformats.org/officeDocument/2006/math" xmlns:ma14="http://schemas.microsoft.com/office/mac/drawingml/2011/main" val="1"/>
+                </a:ext>
+              </a:extLst>
+            </p:spPr>
+            <p:txBody>
+              <a:bodyPr wrap="square" lIns="45719" rIns="45719">
+                <a:spAutoFit/>
+              </a:bodyPr>
+              <a:lstStyle>
+                <a:lvl1pPr algn="ctr">
+                  <a:defRPr sz="1300">
+                    <a:solidFill>
+                      <a:srgbClr val="344854"/>
+                    </a:solidFill>
+                    <a:latin typeface="Arial"/>
+                    <a:ea typeface="Arial"/>
+                    <a:cs typeface="Arial"/>
+                    <a:sym typeface="Arial"/>
+                  </a:defRPr>
+                </a:lvl1pPr>
+              </a:lstStyle>
+              <a:p>
+                <a:r>
+                  <a:rPr lang="en-US" b="1" dirty="0">
+                    <a:solidFill>
+                      <a:schemeClr val="tx1"/>
+                    </a:solidFill>
+                    <a:latin typeface="Arial" panose="020B0604020202020204" pitchFamily="34" charset="0"/>
+                    <a:cs typeface="Arial" panose="020B0604020202020204" pitchFamily="34" charset="0"/>
+                  </a:rPr>
+                  <a:t>Table 2</a:t>
+                </a:r>
+                <a:r>
+                  <a:rPr lang="en-US" dirty="0">
+                    <a:solidFill>
+                      <a:schemeClr val="tx1"/>
+                    </a:solidFill>
+                    <a:latin typeface="Arial" panose="020B0604020202020204" pitchFamily="34" charset="0"/>
+                    <a:cs typeface="Arial" panose="020B0604020202020204" pitchFamily="34" charset="0"/>
+                  </a:rPr>
+                  <a:t>. </a:t>
+                </a:r>
+                <a:r>
+                  <a:rPr lang="en-US" altLang="zh-CN" b="0" i="0" dirty="0">
+                    <a:solidFill>
+                      <a:srgbClr val="000000"/>
+                    </a:solidFill>
+                    <a:effectLst/>
+                    <a:latin typeface="Arial" panose="020B0604020202020204" pitchFamily="34" charset="0"/>
+                    <a:cs typeface="Arial" panose="020B0604020202020204" pitchFamily="34" charset="0"/>
+                  </a:rPr>
+                  <a:t>Results of the MNIST</a:t>
+                </a:r>
+                <a:r>
+                  <a:rPr lang="en-US" altLang="zh-CN" dirty="0">
+                    <a:solidFill>
+                      <a:srgbClr val="000000"/>
+                    </a:solidFill>
+                    <a:latin typeface="Arial" panose="020B0604020202020204" pitchFamily="34" charset="0"/>
+                    <a:cs typeface="Arial" panose="020B0604020202020204" pitchFamily="34" charset="0"/>
+                  </a:rPr>
+                  <a:t> </a:t>
+                </a:r>
+                <a:r>
+                  <a:rPr lang="en-US" altLang="zh-CN" b="0" i="0" dirty="0">
+                    <a:solidFill>
+                      <a:srgbClr val="000000"/>
+                    </a:solidFill>
+                    <a:effectLst/>
+                    <a:latin typeface="Arial" panose="020B0604020202020204" pitchFamily="34" charset="0"/>
+                    <a:cs typeface="Arial" panose="020B0604020202020204" pitchFamily="34" charset="0"/>
+                  </a:rPr>
+                  <a:t>and CIFAR10 (</a:t>
+                </a:r>
+                <a14:m>
+                  <m:oMath xmlns:m="http://schemas.openxmlformats.org/officeDocument/2006/math">
+                    <m:r>
+                      <a:rPr lang="en-US" altLang="zh-CN" i="1" smtClean="0">
+                        <a:solidFill>
+                          <a:schemeClr val="tx1"/>
+                        </a:solidFill>
+                        <a:effectLst/>
+                        <a:latin typeface="Cambria Math" panose="02040503050406030204" pitchFamily="18" charset="0"/>
+                        <a:ea typeface="等线" panose="02010600030101010101" pitchFamily="2" charset="-122"/>
+                        <a:cs typeface="Arial" panose="020B0604020202020204" pitchFamily="34" charset="0"/>
+                      </a:rPr>
+                      <m:t>𝑀</m:t>
+                    </m:r>
+                    <m:r>
+                      <a:rPr lang="en-US" altLang="zh-CN" i="1" smtClean="0">
+                        <a:solidFill>
+                          <a:schemeClr val="tx1"/>
+                        </a:solidFill>
+                        <a:effectLst/>
+                        <a:latin typeface="Cambria Math" panose="02040503050406030204" pitchFamily="18" charset="0"/>
+                        <a:ea typeface="等线" panose="02010600030101010101" pitchFamily="2" charset="-122"/>
+                        <a:cs typeface="Arial" panose="020B0604020202020204" pitchFamily="34" charset="0"/>
+                      </a:rPr>
+                      <m:t>=8</m:t>
+                    </m:r>
+                  </m:oMath>
+                </a14:m>
+                <a:r>
+                  <a:rPr lang="en-US" altLang="zh-CN" b="0" i="0" dirty="0">
+                    <a:solidFill>
+                      <a:srgbClr val="000000"/>
+                    </a:solidFill>
+                    <a:effectLst/>
+                    <a:latin typeface="Arial" panose="020B0604020202020204" pitchFamily="34" charset="0"/>
+                    <a:cs typeface="Arial" panose="020B0604020202020204" pitchFamily="34" charset="0"/>
+                  </a:rPr>
+                  <a:t>) datasets with CNN model. </a:t>
+                </a:r>
+                <a:endParaRPr lang="en-US" dirty="0">
+                  <a:solidFill>
+                    <a:schemeClr val="tx1"/>
+                  </a:solidFill>
+                  <a:latin typeface="Arial" panose="020B0604020202020204" pitchFamily="34" charset="0"/>
+                  <a:cs typeface="Arial" panose="020B0604020202020204" pitchFamily="34" charset="0"/>
+                </a:endParaRPr>
+              </a:p>
+            </p:txBody>
+          </p:sp>
+        </mc:Choice>
+        <mc:Fallback>
+          <p:sp>
+            <p:nvSpPr>
+              <p:cNvPr id="112" name="TextBox 54">
+                <a:extLst>
+                  <a:ext uri="{FF2B5EF4-FFF2-40B4-BE49-F238E27FC236}">
+                    <a16:creationId xmlns:a16="http://schemas.microsoft.com/office/drawing/2014/main" id="{09D93D1F-5F65-8AD2-59D2-9132D4221B06}"/>
+                  </a:ext>
+                </a:extLst>
+              </p:cNvPr>
+              <p:cNvSpPr txBox="1">
+                <a:spLocks noRot="1" noChangeAspect="1" noMove="1" noResize="1" noEditPoints="1" noAdjustHandles="1" noChangeArrowheads="1" noChangeShapeType="1" noTextEdit="1"/>
+              </p:cNvSpPr>
+              <p:nvPr/>
+            </p:nvSpPr>
+            <p:spPr>
+              <a:xfrm>
+                <a:off x="29090528" y="7828689"/>
+                <a:ext cx="3377492" cy="492443"/>
+              </a:xfrm>
+              <a:prstGeom prst="rect">
+                <a:avLst/>
+              </a:prstGeom>
+              <a:blipFill>
+                <a:blip r:embed="rId28"/>
+                <a:stretch>
+                  <a:fillRect l="-1625" t="-1235" r="-2708" b="-9877"/>
+                </a:stretch>
+              </a:blipFill>
+              <a:ln w="12700">
+                <a:miter lim="400000"/>
+              </a:ln>
+              <a:extLst>
+                <a:ext uri="{C572A759-6A51-4108-AA02-DFA0A04FC94B}">
+                  <ma14:wrappingTextBoxFlag xmlns="" xmlns:m="http://schemas.openxmlformats.org/officeDocument/2006/math" xmlns:a14="http://schemas.microsoft.com/office/drawing/2010/main" xmlns:ma14="http://schemas.microsoft.com/office/mac/drawingml/2011/main" val="1"/>
+                </a:ext>
+              </a:extLst>
+            </p:spPr>
+            <p:txBody>
+              <a:bodyPr/>
+              <a:lstStyle/>
+              <a:p>
+                <a:r>
+                  <a:rPr lang="zh-CN" altLang="en-US">
+                    <a:noFill/>
+                  </a:rPr>
+                  <a:t> </a:t>
+                </a:r>
+              </a:p>
+            </p:txBody>
+          </p:sp>
+        </mc:Fallback>
+      </mc:AlternateContent>
       <p:sp>
         <p:nvSpPr>
-          <p:cNvPr id="71" name="TextBox 61">
+          <p:cNvPr id="114" name="文本框 113">
             <a:extLst>
               <a:ext uri="{FF2B5EF4-FFF2-40B4-BE49-F238E27FC236}">
-                <a16:creationId xmlns:a16="http://schemas.microsoft.com/office/drawing/2014/main" id="{8F1D1702-4D9E-4F90-AFA9-752151F810DB}"/>
+                <a16:creationId xmlns:a16="http://schemas.microsoft.com/office/drawing/2014/main" id="{6F81BF17-6C4D-CE2C-B6D4-C9638274208B}"/>
               </a:ext>
             </a:extLst>
           </p:cNvPr>
@@ -3427,8 +7147,76 @@
         </p:nvSpPr>
         <p:spPr>
           <a:xfrm>
-            <a:off x="22641285" y="20620545"/>
-            <a:ext cx="9643588" cy="1179618"/>
+            <a:off x="22388243" y="8110984"/>
+            <a:ext cx="7013264" cy="1708160"/>
+          </a:xfrm>
+          <a:prstGeom prst="rect">
+            <a:avLst/>
+          </a:prstGeom>
+          <a:noFill/>
+          <a:ln w="12700" cap="flat">
+            <a:noFill/>
+            <a:miter lim="400000"/>
+          </a:ln>
+          <a:effectLst/>
+          <a:sp3d/>
+        </p:spPr>
+        <p:style>
+          <a:lnRef idx="0">
+            <a:scrgbClr r="0" g="0" b="0"/>
+          </a:lnRef>
+          <a:fillRef idx="0">
+            <a:scrgbClr r="0" g="0" b="0"/>
+          </a:fillRef>
+          <a:effectRef idx="0">
+            <a:scrgbClr r="0" g="0" b="0"/>
+          </a:effectRef>
+          <a:fontRef idx="none"/>
+        </p:style>
+        <p:txBody>
+          <a:bodyPr wrap="square">
+            <a:spAutoFit/>
+          </a:bodyPr>
+          <a:lstStyle/>
+          <a:p>
+            <a:pPr marL="342900" indent="-342900">
+              <a:buFont typeface="Arial" panose="020B0604020202020204" pitchFamily="34" charset="0"/>
+              <a:buChar char="•"/>
+            </a:pPr>
+            <a:r>
+              <a:rPr lang="en-US" altLang="zh-CN" sz="2100" b="0" i="0" dirty="0">
+                <a:solidFill>
+                  <a:srgbClr val="000000"/>
+                </a:solidFill>
+                <a:effectLst/>
+                <a:latin typeface="Arial" panose="020B0604020202020204" pitchFamily="34" charset="0"/>
+                <a:cs typeface="Arial" panose="020B0604020202020204" pitchFamily="34" charset="0"/>
+              </a:rPr>
+              <a:t>Because local deep learning models such as CNN can consume extensive computation space, we propose Deep Model Sharing (DMS) to allow sharing feature extractors of deep models across all iterations to save memory.</a:t>
+            </a:r>
+            <a:endParaRPr lang="zh-CN" altLang="en-US" sz="2100" dirty="0">
+              <a:latin typeface="Arial" panose="020B0604020202020204" pitchFamily="34" charset="0"/>
+              <a:cs typeface="Arial" panose="020B0604020202020204" pitchFamily="34" charset="0"/>
+            </a:endParaRPr>
+          </a:p>
+        </p:txBody>
+      </p:sp>
+      <p:sp>
+        <p:nvSpPr>
+          <p:cNvPr id="115" name="TextBox 44">
+            <a:extLst>
+              <a:ext uri="{FF2B5EF4-FFF2-40B4-BE49-F238E27FC236}">
+                <a16:creationId xmlns:a16="http://schemas.microsoft.com/office/drawing/2014/main" id="{A316AB8B-8C09-F367-89B1-311CFFD2A6AC}"/>
+              </a:ext>
+            </a:extLst>
+          </p:cNvPr>
+          <p:cNvSpPr txBox="1"/>
+          <p:nvPr/>
+        </p:nvSpPr>
+        <p:spPr>
+          <a:xfrm>
+            <a:off x="22374357" y="17897042"/>
+            <a:ext cx="9064533" cy="415498"/>
           </a:xfrm>
           <a:prstGeom prst="rect">
             <a:avLst/>
@@ -3438,400 +7226,36 @@
           </a:ln>
           <a:extLst>
             <a:ext uri="{C572A759-6A51-4108-AA02-DFA0A04FC94B}">
-              <ma14:wrappingTextBoxFlag xmlns:lc="http://schemas.openxmlformats.org/drawingml/2006/lockedCanvas" xmlns="" xmlns:m="http://schemas.openxmlformats.org/officeDocument/2006/math" xmlns:a14="http://schemas.microsoft.com/office/drawing/2010/main" xmlns:ma14="http://schemas.microsoft.com/office/mac/drawingml/2011/main" val="1"/>
+              <ma14:wrappingTextBoxFlag xmlns="" xmlns:m="http://schemas.openxmlformats.org/officeDocument/2006/math" xmlns:a14="http://schemas.microsoft.com/office/drawing/2010/main" xmlns:ma14="http://schemas.microsoft.com/office/mac/drawingml/2011/main" val="1"/>
             </a:ext>
           </a:extLst>
         </p:spPr>
         <p:txBody>
-          <a:bodyPr wrap="square" lIns="45719" rIns="45719" anchor="b">
+          <a:bodyPr wrap="square" lIns="45719" rIns="45719">
             <a:spAutoFit/>
           </a:bodyPr>
           <a:lstStyle>
-            <a:defPPr marL="0" marR="0" indent="0" algn="l" defTabSz="914400" rtl="0" fontAlgn="auto" latinLnBrk="1" hangingPunct="0">
-              <a:lnSpc>
-                <a:spcPct val="100000"/>
-              </a:lnSpc>
-              <a:spcBef>
-                <a:spcPts val="0"/>
-              </a:spcBef>
-              <a:spcAft>
-                <a:spcPts val="0"/>
-              </a:spcAft>
-              <a:buClrTx/>
-              <a:buSzTx/>
-              <a:buFontTx/>
-              <a:buNone/>
-              <a:tabLst/>
-              <a:defRPr kumimoji="0" sz="1800" b="0" i="0" u="none" strike="noStrike" cap="none" spc="0" normalizeH="0" baseline="0">
-                <a:ln>
-                  <a:noFill/>
-                </a:ln>
-                <a:solidFill>
-                  <a:srgbClr val="000000"/>
-                </a:solidFill>
-                <a:effectLst/>
-                <a:uFillTx/>
-              </a:defRPr>
-            </a:defPPr>
-            <a:lvl1pPr marL="0" marR="0" indent="0" algn="l" defTabSz="326532" rtl="0" fontAlgn="auto" latinLnBrk="0" hangingPunct="0">
-              <a:lnSpc>
-                <a:spcPct val="100000"/>
-              </a:lnSpc>
-              <a:spcBef>
-                <a:spcPts val="0"/>
-              </a:spcBef>
-              <a:spcAft>
-                <a:spcPts val="0"/>
-              </a:spcAft>
-              <a:buClrTx/>
-              <a:buSzTx/>
-              <a:buFontTx/>
-              <a:buNone/>
-              <a:tabLst/>
-              <a:defRPr kumimoji="0" sz="1200" b="0" i="0" u="none" strike="noStrike" cap="none" spc="0" normalizeH="0" baseline="0">
-                <a:ln>
-                  <a:noFill/>
-                </a:ln>
-                <a:solidFill>
-                  <a:srgbClr val="000000"/>
-                </a:solidFill>
-                <a:effectLst/>
-                <a:uFillTx/>
-                <a:latin typeface="+mn-lt"/>
-                <a:ea typeface="+mn-ea"/>
-                <a:cs typeface="+mn-cs"/>
-                <a:sym typeface="Calibri"/>
-              </a:defRPr>
-            </a:lvl1pPr>
-            <a:lvl2pPr marL="0" marR="0" indent="326532" algn="l" defTabSz="326532" rtl="0" fontAlgn="auto" latinLnBrk="0" hangingPunct="0">
-              <a:lnSpc>
-                <a:spcPct val="100000"/>
-              </a:lnSpc>
-              <a:spcBef>
-                <a:spcPts val="0"/>
-              </a:spcBef>
-              <a:spcAft>
-                <a:spcPts val="0"/>
-              </a:spcAft>
-              <a:buClrTx/>
-              <a:buSzTx/>
-              <a:buFontTx/>
-              <a:buNone/>
-              <a:tabLst/>
-              <a:defRPr kumimoji="0" sz="1200" b="0" i="0" u="none" strike="noStrike" cap="none" spc="0" normalizeH="0" baseline="0">
-                <a:ln>
-                  <a:noFill/>
-                </a:ln>
-                <a:solidFill>
-                  <a:srgbClr val="000000"/>
-                </a:solidFill>
-                <a:effectLst/>
-                <a:uFillTx/>
-                <a:latin typeface="+mn-lt"/>
-                <a:ea typeface="+mn-ea"/>
-                <a:cs typeface="+mn-cs"/>
-                <a:sym typeface="Calibri"/>
-              </a:defRPr>
-            </a:lvl2pPr>
-            <a:lvl3pPr marL="0" marR="0" indent="653064" algn="l" defTabSz="326532" rtl="0" fontAlgn="auto" latinLnBrk="0" hangingPunct="0">
-              <a:lnSpc>
-                <a:spcPct val="100000"/>
-              </a:lnSpc>
-              <a:spcBef>
-                <a:spcPts val="0"/>
-              </a:spcBef>
-              <a:spcAft>
-                <a:spcPts val="0"/>
-              </a:spcAft>
-              <a:buClrTx/>
-              <a:buSzTx/>
-              <a:buFontTx/>
-              <a:buNone/>
-              <a:tabLst/>
-              <a:defRPr kumimoji="0" sz="1200" b="0" i="0" u="none" strike="noStrike" cap="none" spc="0" normalizeH="0" baseline="0">
-                <a:ln>
-                  <a:noFill/>
-                </a:ln>
-                <a:solidFill>
-                  <a:srgbClr val="000000"/>
-                </a:solidFill>
-                <a:effectLst/>
-                <a:uFillTx/>
-                <a:latin typeface="+mn-lt"/>
-                <a:ea typeface="+mn-ea"/>
-                <a:cs typeface="+mn-cs"/>
-                <a:sym typeface="Calibri"/>
-              </a:defRPr>
-            </a:lvl3pPr>
-            <a:lvl4pPr marL="0" marR="0" indent="979596" algn="l" defTabSz="326532" rtl="0" fontAlgn="auto" latinLnBrk="0" hangingPunct="0">
-              <a:lnSpc>
-                <a:spcPct val="100000"/>
-              </a:lnSpc>
-              <a:spcBef>
-                <a:spcPts val="0"/>
-              </a:spcBef>
-              <a:spcAft>
-                <a:spcPts val="0"/>
-              </a:spcAft>
-              <a:buClrTx/>
-              <a:buSzTx/>
-              <a:buFontTx/>
-              <a:buNone/>
-              <a:tabLst/>
-              <a:defRPr kumimoji="0" sz="1200" b="0" i="0" u="none" strike="noStrike" cap="none" spc="0" normalizeH="0" baseline="0">
-                <a:ln>
-                  <a:noFill/>
-                </a:ln>
-                <a:solidFill>
-                  <a:srgbClr val="000000"/>
-                </a:solidFill>
-                <a:effectLst/>
-                <a:uFillTx/>
-                <a:latin typeface="+mn-lt"/>
-                <a:ea typeface="+mn-ea"/>
-                <a:cs typeface="+mn-cs"/>
-                <a:sym typeface="Calibri"/>
-              </a:defRPr>
-            </a:lvl4pPr>
-            <a:lvl5pPr marL="0" marR="0" indent="1306128" algn="l" defTabSz="326532" rtl="0" fontAlgn="auto" latinLnBrk="0" hangingPunct="0">
-              <a:lnSpc>
-                <a:spcPct val="100000"/>
-              </a:lnSpc>
-              <a:spcBef>
-                <a:spcPts val="0"/>
-              </a:spcBef>
-              <a:spcAft>
-                <a:spcPts val="0"/>
-              </a:spcAft>
-              <a:buClrTx/>
-              <a:buSzTx/>
-              <a:buFontTx/>
-              <a:buNone/>
-              <a:tabLst/>
-              <a:defRPr kumimoji="0" sz="1200" b="0" i="0" u="none" strike="noStrike" cap="none" spc="0" normalizeH="0" baseline="0">
-                <a:ln>
-                  <a:noFill/>
-                </a:ln>
-                <a:solidFill>
-                  <a:srgbClr val="000000"/>
-                </a:solidFill>
-                <a:effectLst/>
-                <a:uFillTx/>
-                <a:latin typeface="+mn-lt"/>
-                <a:ea typeface="+mn-ea"/>
-                <a:cs typeface="+mn-cs"/>
-                <a:sym typeface="Calibri"/>
-              </a:defRPr>
-            </a:lvl5pPr>
-            <a:lvl6pPr marL="0" marR="0" indent="1632661" algn="l" defTabSz="326532" rtl="0" fontAlgn="auto" latinLnBrk="0" hangingPunct="0">
-              <a:lnSpc>
-                <a:spcPct val="100000"/>
-              </a:lnSpc>
-              <a:spcBef>
-                <a:spcPts val="0"/>
-              </a:spcBef>
-              <a:spcAft>
-                <a:spcPts val="0"/>
-              </a:spcAft>
-              <a:buClrTx/>
-              <a:buSzTx/>
-              <a:buFontTx/>
-              <a:buNone/>
-              <a:tabLst/>
-              <a:defRPr kumimoji="0" sz="1200" b="0" i="0" u="none" strike="noStrike" cap="none" spc="0" normalizeH="0" baseline="0">
-                <a:ln>
-                  <a:noFill/>
-                </a:ln>
-                <a:solidFill>
-                  <a:srgbClr val="000000"/>
-                </a:solidFill>
-                <a:effectLst/>
-                <a:uFillTx/>
-                <a:latin typeface="+mn-lt"/>
-                <a:ea typeface="+mn-ea"/>
-                <a:cs typeface="+mn-cs"/>
-                <a:sym typeface="Calibri"/>
-              </a:defRPr>
-            </a:lvl6pPr>
-            <a:lvl7pPr marL="0" marR="0" indent="1959193" algn="l" defTabSz="326532" rtl="0" fontAlgn="auto" latinLnBrk="0" hangingPunct="0">
-              <a:lnSpc>
-                <a:spcPct val="100000"/>
-              </a:lnSpc>
-              <a:spcBef>
-                <a:spcPts val="0"/>
-              </a:spcBef>
-              <a:spcAft>
-                <a:spcPts val="0"/>
-              </a:spcAft>
-              <a:buClrTx/>
-              <a:buSzTx/>
-              <a:buFontTx/>
-              <a:buNone/>
-              <a:tabLst/>
-              <a:defRPr kumimoji="0" sz="1200" b="0" i="0" u="none" strike="noStrike" cap="none" spc="0" normalizeH="0" baseline="0">
-                <a:ln>
-                  <a:noFill/>
-                </a:ln>
-                <a:solidFill>
-                  <a:srgbClr val="000000"/>
-                </a:solidFill>
-                <a:effectLst/>
-                <a:uFillTx/>
-                <a:latin typeface="+mn-lt"/>
-                <a:ea typeface="+mn-ea"/>
-                <a:cs typeface="+mn-cs"/>
-                <a:sym typeface="Calibri"/>
-              </a:defRPr>
-            </a:lvl7pPr>
-            <a:lvl8pPr marL="0" marR="0" indent="2285725" algn="l" defTabSz="326532" rtl="0" fontAlgn="auto" latinLnBrk="0" hangingPunct="0">
-              <a:lnSpc>
-                <a:spcPct val="100000"/>
-              </a:lnSpc>
-              <a:spcBef>
-                <a:spcPts val="0"/>
-              </a:spcBef>
-              <a:spcAft>
-                <a:spcPts val="0"/>
-              </a:spcAft>
-              <a:buClrTx/>
-              <a:buSzTx/>
-              <a:buFontTx/>
-              <a:buNone/>
-              <a:tabLst/>
-              <a:defRPr kumimoji="0" sz="1200" b="0" i="0" u="none" strike="noStrike" cap="none" spc="0" normalizeH="0" baseline="0">
-                <a:ln>
-                  <a:noFill/>
-                </a:ln>
-                <a:solidFill>
-                  <a:srgbClr val="000000"/>
-                </a:solidFill>
-                <a:effectLst/>
-                <a:uFillTx/>
-                <a:latin typeface="+mn-lt"/>
-                <a:ea typeface="+mn-ea"/>
-                <a:cs typeface="+mn-cs"/>
-                <a:sym typeface="Calibri"/>
-              </a:defRPr>
-            </a:lvl8pPr>
-            <a:lvl9pPr marL="0" marR="0" indent="2612257" algn="l" defTabSz="326532" rtl="0" fontAlgn="auto" latinLnBrk="0" hangingPunct="0">
-              <a:lnSpc>
-                <a:spcPct val="100000"/>
-              </a:lnSpc>
-              <a:spcBef>
-                <a:spcPts val="0"/>
-              </a:spcBef>
-              <a:spcAft>
-                <a:spcPts val="0"/>
-              </a:spcAft>
-              <a:buClrTx/>
-              <a:buSzTx/>
-              <a:buFontTx/>
-              <a:buNone/>
-              <a:tabLst/>
-              <a:defRPr kumimoji="0" sz="1200" b="0" i="0" u="none" strike="noStrike" cap="none" spc="0" normalizeH="0" baseline="0">
-                <a:ln>
-                  <a:noFill/>
-                </a:ln>
-                <a:solidFill>
-                  <a:srgbClr val="000000"/>
-                </a:solidFill>
-                <a:effectLst/>
-                <a:uFillTx/>
-                <a:latin typeface="+mn-lt"/>
-                <a:ea typeface="+mn-ea"/>
-                <a:cs typeface="+mn-cs"/>
-                <a:sym typeface="Calibri"/>
-              </a:defRPr>
-            </a:lvl9pPr>
-          </a:lstStyle>
-          <a:p>
-            <a:pPr>
-              <a:lnSpc>
-                <a:spcPct val="120000"/>
-              </a:lnSpc>
-              <a:spcBef>
-                <a:spcPts val="600"/>
-              </a:spcBef>
-              <a:defRPr sz="1400">
+            <a:lvl1pPr>
+              <a:defRPr sz="2100">
                 <a:latin typeface="Arial"/>
                 <a:ea typeface="Arial"/>
                 <a:cs typeface="Arial"/>
                 <a:sym typeface="Arial"/>
               </a:defRPr>
-            </a:pPr>
+            </a:lvl1pPr>
+          </a:lstStyle>
+          <a:p>
             <a:r>
-              <a:rPr lang="en-US" altLang="zh-CN" b="0" i="0" dirty="0">
+              <a:rPr lang="en-US" b="1" i="1" dirty="0">
                 <a:solidFill>
-                  <a:srgbClr val="222222"/>
-                </a:solidFill>
-                <a:effectLst/>
-                <a:latin typeface="Arial" panose="020B0604020202020204" pitchFamily="34" charset="0"/>
-              </a:rPr>
-              <a:t>McMahan, Brendan, et al. "Communication-efficient learning of deep networks from decentralized data." </a:t>
-            </a:r>
-            <a:r>
-              <a:rPr lang="en-US" altLang="zh-CN" b="0" i="1" dirty="0">
-                <a:solidFill>
-                  <a:srgbClr val="222222"/>
-                </a:solidFill>
-                <a:effectLst/>
-                <a:latin typeface="Arial" panose="020B0604020202020204" pitchFamily="34" charset="0"/>
-              </a:rPr>
-              <a:t>Artificial Intelligence and Statistics</a:t>
-            </a:r>
-            <a:r>
-              <a:rPr lang="en-US" altLang="zh-CN" b="0" i="0" dirty="0">
-                <a:solidFill>
-                  <a:srgbClr val="222222"/>
-                </a:solidFill>
-                <a:effectLst/>
-                <a:latin typeface="Arial" panose="020B0604020202020204" pitchFamily="34" charset="0"/>
-              </a:rPr>
-              <a:t>. PMLR, 2017.</a:t>
-            </a:r>
-          </a:p>
-          <a:p>
-            <a:pPr>
-              <a:lnSpc>
-                <a:spcPct val="120000"/>
-              </a:lnSpc>
-              <a:spcBef>
-                <a:spcPts val="600"/>
-              </a:spcBef>
-              <a:defRPr sz="1400">
-                <a:latin typeface="Arial"/>
-                <a:ea typeface="Arial"/>
-                <a:cs typeface="Arial"/>
-                <a:sym typeface="Arial"/>
-              </a:defRPr>
-            </a:pPr>
-            <a:r>
-              <a:rPr lang="en-US" dirty="0">
-                <a:solidFill>
-                  <a:schemeClr val="tx1"/>
+                  <a:schemeClr val="accent1"/>
                 </a:solidFill>
               </a:rPr>
-              <a:t>Liang, Paul Pu, et al. "Think locally, act globally: Federated learning with local and global representations." </a:t>
+              <a:t>Noisy training with gradient assistance weights</a:t>
             </a:r>
-            <a:r>
-              <a:rPr lang="en-US" dirty="0" err="1">
-                <a:solidFill>
-                  <a:schemeClr val="tx1"/>
-                </a:solidFill>
-              </a:rPr>
-              <a:t>arXiv</a:t>
-            </a:r>
-            <a:r>
-              <a:rPr lang="en-US" dirty="0">
-                <a:solidFill>
-                  <a:schemeClr val="tx1"/>
-                </a:solidFill>
-              </a:rPr>
-              <a:t> preprint arXiv:2001.01523 (2020).</a:t>
-            </a:r>
-            <a:endParaRPr dirty="0">
+            <a:endParaRPr lang="fr-FR" b="1" i="1" dirty="0">
               <a:solidFill>
-                <a:schemeClr val="tx1"/>
+                <a:schemeClr val="accent1"/>
               </a:solidFill>
             </a:endParaRPr>
           </a:p>
@@ -3839,10 +7263,10 @@
       </p:sp>
       <p:pic>
         <p:nvPicPr>
-          <p:cNvPr id="15" name="图片 14">
+          <p:cNvPr id="119" name="图片 118">
             <a:extLst>
               <a:ext uri="{FF2B5EF4-FFF2-40B4-BE49-F238E27FC236}">
-                <a16:creationId xmlns:a16="http://schemas.microsoft.com/office/drawing/2014/main" id="{309EF8CB-412E-485A-8A95-B09DBE38248F}"/>
+                <a16:creationId xmlns:a16="http://schemas.microsoft.com/office/drawing/2014/main" id="{949F9DCB-CF64-A2B3-471A-F5ECF32F6C0E}"/>
               </a:ext>
             </a:extLst>
           </p:cNvPr>
@@ -3852,15 +7276,15 @@
           <p:nvPr/>
         </p:nvPicPr>
         <p:blipFill>
-          <a:blip r:embed="rId7"/>
+          <a:blip r:embed="rId29"/>
           <a:stretch>
             <a:fillRect/>
           </a:stretch>
         </p:blipFill>
         <p:spPr>
           <a:xfrm>
-            <a:off x="22103079" y="4657352"/>
-            <a:ext cx="10305971" cy="7729478"/>
+            <a:off x="23408628" y="18338412"/>
+            <a:ext cx="8236936" cy="1683962"/>
           </a:xfrm>
           <a:prstGeom prst="rect">
             <a:avLst/>
@@ -3869,10 +7293,10 @@
       </p:pic>
       <p:sp>
         <p:nvSpPr>
-          <p:cNvPr id="72" name="TextBox 54">
+          <p:cNvPr id="120" name="TextBox 54">
             <a:extLst>
               <a:ext uri="{FF2B5EF4-FFF2-40B4-BE49-F238E27FC236}">
-                <a16:creationId xmlns:a16="http://schemas.microsoft.com/office/drawing/2014/main" id="{527BCA7F-BBC1-4004-B31D-3DB914ABBA3F}"/>
+                <a16:creationId xmlns:a16="http://schemas.microsoft.com/office/drawing/2014/main" id="{0A9496F3-F9DB-A46B-8D27-A723C9E778F8}"/>
               </a:ext>
             </a:extLst>
           </p:cNvPr>
@@ -3881,8 +7305,8 @@
         </p:nvSpPr>
         <p:spPr>
           <a:xfrm>
-            <a:off x="23255173" y="12492829"/>
-            <a:ext cx="9029701" cy="1061829"/>
+            <a:off x="22242681" y="19964783"/>
+            <a:ext cx="10406910" cy="292388"/>
           </a:xfrm>
           <a:prstGeom prst="rect">
             <a:avLst/>
@@ -3892,12 +7316,12 @@
           </a:ln>
           <a:extLst>
             <a:ext uri="{C572A759-6A51-4108-AA02-DFA0A04FC94B}">
-              <ma14:wrappingTextBoxFlag xmlns:ma14="http://schemas.microsoft.com/office/mac/drawingml/2011/main" xmlns:a14="http://schemas.microsoft.com/office/drawing/2010/main" xmlns:m="http://schemas.openxmlformats.org/officeDocument/2006/math" xmlns="" val="1"/>
+              <ma14:wrappingTextBoxFlag xmlns="" xmlns:m="http://schemas.openxmlformats.org/officeDocument/2006/math" xmlns:a14="http://schemas.microsoft.com/office/drawing/2010/main" xmlns:ma14="http://schemas.microsoft.com/office/mac/drawingml/2011/main" val="1"/>
             </a:ext>
           </a:extLst>
         </p:spPr>
         <p:txBody>
-          <a:bodyPr lIns="45719" rIns="45719">
+          <a:bodyPr wrap="square" lIns="45719" rIns="45719">
             <a:spAutoFit/>
           </a:bodyPr>
           <a:lstStyle>
@@ -3915,170 +7339,24 @@
           </a:lstStyle>
           <a:p>
             <a:r>
-              <a:rPr lang="en-US" sz="2100" dirty="0">
+              <a:rPr lang="en-US" b="1" dirty="0">
                 <a:solidFill>
                   <a:schemeClr val="tx1"/>
                 </a:solidFill>
               </a:rPr>
-              <a:t>Figure 3. Interpolation experimental results for CIFAR10 (IID) dataset between global model complexity ((a) a, (b) b, (c) c, (d) d) and various smaller model complexities.</a:t>
+              <a:t>Figure 5</a:t>
+            </a:r>
+            <a:r>
+              <a:rPr lang="en-US" dirty="0">
+                <a:solidFill>
+                  <a:schemeClr val="tx1"/>
+                </a:solidFill>
+              </a:rPr>
+              <a:t>. GAL equipped with gradient assistance weight significantly outperforms the GAL with direct average under noise injections.</a:t>
             </a:r>
           </a:p>
         </p:txBody>
       </p:sp>
-      <p:pic>
-        <p:nvPicPr>
-          <p:cNvPr id="19" name="图片 18">
-            <a:extLst>
-              <a:ext uri="{FF2B5EF4-FFF2-40B4-BE49-F238E27FC236}">
-                <a16:creationId xmlns:a16="http://schemas.microsoft.com/office/drawing/2014/main" id="{11AAE8A3-1B6E-4601-9FA4-178525C5722C}"/>
-              </a:ext>
-            </a:extLst>
-          </p:cNvPr>
-          <p:cNvPicPr>
-            <a:picLocks noChangeAspect="1"/>
-          </p:cNvPicPr>
-          <p:nvPr/>
-        </p:nvPicPr>
-        <p:blipFill>
-          <a:blip r:embed="rId8"/>
-          <a:stretch>
-            <a:fillRect/>
-          </a:stretch>
-        </p:blipFill>
-        <p:spPr>
-          <a:xfrm>
-            <a:off x="22385430" y="13697483"/>
-            <a:ext cx="10248900" cy="6010275"/>
-          </a:xfrm>
-          <a:prstGeom prst="rect">
-            <a:avLst/>
-          </a:prstGeom>
-        </p:spPr>
-      </p:pic>
-      <p:sp>
-        <p:nvSpPr>
-          <p:cNvPr id="73" name="TextBox 54">
-            <a:extLst>
-              <a:ext uri="{FF2B5EF4-FFF2-40B4-BE49-F238E27FC236}">
-                <a16:creationId xmlns:a16="http://schemas.microsoft.com/office/drawing/2014/main" id="{B236F0C1-3679-4845-BF27-6A0F0F970221}"/>
-              </a:ext>
-            </a:extLst>
-          </p:cNvPr>
-          <p:cNvSpPr txBox="1"/>
-          <p:nvPr/>
-        </p:nvSpPr>
-        <p:spPr>
-          <a:xfrm>
-            <a:off x="23255172" y="19707758"/>
-            <a:ext cx="9029701" cy="738664"/>
-          </a:xfrm>
-          <a:prstGeom prst="rect">
-            <a:avLst/>
-          </a:prstGeom>
-          <a:ln w="12700">
-            <a:miter lim="400000"/>
-          </a:ln>
-          <a:extLst>
-            <a:ext uri="{C572A759-6A51-4108-AA02-DFA0A04FC94B}">
-              <ma14:wrappingTextBoxFlag xmlns:ma14="http://schemas.microsoft.com/office/mac/drawingml/2011/main" xmlns:a14="http://schemas.microsoft.com/office/drawing/2010/main" xmlns:m="http://schemas.openxmlformats.org/officeDocument/2006/math" xmlns="" val="1"/>
-            </a:ext>
-          </a:extLst>
-        </p:spPr>
-        <p:txBody>
-          <a:bodyPr lIns="45719" rIns="45719">
-            <a:spAutoFit/>
-          </a:bodyPr>
-          <a:lstStyle>
-            <a:lvl1pPr algn="ctr">
-              <a:defRPr sz="1300">
-                <a:solidFill>
-                  <a:srgbClr val="344854"/>
-                </a:solidFill>
-                <a:latin typeface="Arial"/>
-                <a:ea typeface="Arial"/>
-                <a:cs typeface="Arial"/>
-                <a:sym typeface="Arial"/>
-              </a:defRPr>
-            </a:lvl1pPr>
-          </a:lstStyle>
-          <a:p>
-            <a:r>
-              <a:rPr lang="en-US" sz="2100" dirty="0">
-                <a:solidFill>
-                  <a:schemeClr val="tx1"/>
-                </a:solidFill>
-              </a:rPr>
-              <a:t>Table 1. Results of combination of various computation complexity levels for CIFAR10 dataset.</a:t>
-            </a:r>
-          </a:p>
-        </p:txBody>
-      </p:sp>
-      <p:pic>
-        <p:nvPicPr>
-          <p:cNvPr id="28" name="Picture 27">
-            <a:extLst>
-              <a:ext uri="{FF2B5EF4-FFF2-40B4-BE49-F238E27FC236}">
-                <a16:creationId xmlns:a16="http://schemas.microsoft.com/office/drawing/2014/main" id="{E0048EA5-0173-5843-BEA0-7AA6E0C07B9D}"/>
-              </a:ext>
-            </a:extLst>
-          </p:cNvPr>
-          <p:cNvPicPr>
-            <a:picLocks noChangeAspect="1"/>
-          </p:cNvPicPr>
-          <p:nvPr/>
-        </p:nvPicPr>
-        <p:blipFill>
-          <a:blip r:embed="rId9"/>
-          <a:stretch>
-            <a:fillRect/>
-          </a:stretch>
-        </p:blipFill>
-        <p:spPr>
-          <a:xfrm>
-            <a:off x="29079152" y="623394"/>
-            <a:ext cx="1399323" cy="836315"/>
-          </a:xfrm>
-          <a:prstGeom prst="rect">
-            <a:avLst/>
-          </a:prstGeom>
-        </p:spPr>
-      </p:pic>
-      <p:pic>
-        <p:nvPicPr>
-          <p:cNvPr id="29" name="Picture 28">
-            <a:extLst>
-              <a:ext uri="{FF2B5EF4-FFF2-40B4-BE49-F238E27FC236}">
-                <a16:creationId xmlns:a16="http://schemas.microsoft.com/office/drawing/2014/main" id="{DD66D280-0EF0-A140-8B4B-705401064CE3}"/>
-              </a:ext>
-            </a:extLst>
-          </p:cNvPr>
-          <p:cNvPicPr>
-            <a:picLocks noChangeAspect="1"/>
-          </p:cNvPicPr>
-          <p:nvPr/>
-        </p:nvPicPr>
-        <p:blipFill>
-          <a:blip r:embed="rId10" cstate="print">
-            <a:extLst>
-              <a:ext uri="{28A0092B-C50C-407E-A947-70E740481C1C}">
-                <a14:useLocalDpi xmlns:a14="http://schemas.microsoft.com/office/drawing/2010/main" val="0"/>
-              </a:ext>
-            </a:extLst>
-          </a:blip>
-          <a:stretch>
-            <a:fillRect/>
-          </a:stretch>
-        </p:blipFill>
-        <p:spPr>
-          <a:xfrm>
-            <a:off x="30954530" y="470795"/>
-            <a:ext cx="1233472" cy="1233472"/>
-          </a:xfrm>
-          <a:prstGeom prst="rect">
-            <a:avLst/>
-          </a:prstGeom>
-        </p:spPr>
-      </p:pic>
     </p:spTree>
   </p:cSld>
   <p:clrMapOvr>
